--- a/Presentations/Presentations Power Point/09_OOP II.pptx
+++ b/Presentations/Presentations Power Point/09_OOP II.pptx
@@ -1,28 +1,28 @@
 
 <file path=ppt/presentation.xml><?xml version="1.0" encoding="utf-8"?>
-<p:presentation xmlns:a="http://schemas.openxmlformats.org/drawingml/2006/main" xmlns:r="http://schemas.openxmlformats.org/officeDocument/2006/relationships" xmlns:p="http://schemas.openxmlformats.org/presentationml/2006/main" xmlns:m="http://schemas.openxmlformats.org/officeDocument/2006/math" xmlns:a14="http://schemas.microsoft.com/office/drawing/2010/main">
+<p:presentation xmlns:a="http://schemas.openxmlformats.org/drawingml/2006/main" xmlns:r="http://schemas.openxmlformats.org/officeDocument/2006/relationships" xmlns:p="http://schemas.openxmlformats.org/presentationml/2006/main">
   <p:sldMasterIdLst>
-    <p:sldMasterId id="2147483648" r:id="rId5"/>
+    <p:sldMasterId id="2147483648" r:id="rId1"/>
   </p:sldMasterIdLst>
   <p:notesMasterIdLst>
-    <p:notesMasterId r:id="rId7"/>
+    <p:notesMasterId r:id="rId17"/>
   </p:notesMasterIdLst>
   <p:sldIdLst>
-    <p:sldId id="256" r:id="rId8"/>
-    <p:sldId id="257" r:id="rId9"/>
-    <p:sldId id="258" r:id="rId10"/>
-    <p:sldId id="259" r:id="rId11"/>
-    <p:sldId id="260" r:id="rId12"/>
-    <p:sldId id="261" r:id="rId13"/>
-    <p:sldId id="262" r:id="rId14"/>
-    <p:sldId id="263" r:id="rId15"/>
-    <p:sldId id="264" r:id="rId16"/>
-    <p:sldId id="265" r:id="rId17"/>
-    <p:sldId id="266" r:id="rId18"/>
-    <p:sldId id="267" r:id="rId19"/>
-    <p:sldId id="268" r:id="rId20"/>
-    <p:sldId id="269" r:id="rId21"/>
-    <p:sldId id="270" r:id="rId22"/>
+    <p:sldId id="256" r:id="rId2"/>
+    <p:sldId id="257" r:id="rId3"/>
+    <p:sldId id="258" r:id="rId4"/>
+    <p:sldId id="259" r:id="rId5"/>
+    <p:sldId id="260" r:id="rId6"/>
+    <p:sldId id="261" r:id="rId7"/>
+    <p:sldId id="262" r:id="rId8"/>
+    <p:sldId id="263" r:id="rId9"/>
+    <p:sldId id="264" r:id="rId10"/>
+    <p:sldId id="265" r:id="rId11"/>
+    <p:sldId id="266" r:id="rId12"/>
+    <p:sldId id="267" r:id="rId13"/>
+    <p:sldId id="268" r:id="rId14"/>
+    <p:sldId id="269" r:id="rId15"/>
+    <p:sldId id="270" r:id="rId16"/>
   </p:sldIdLst>
   <p:sldSz cx="13004800" cy="9753600"/>
   <p:notesSz cx="6858000" cy="9144000"/>
@@ -42,7 +42,7 @@
       <a:buFontTx/>
       <a:buNone/>
       <a:tabLst/>
-      <a:defRPr b="0" baseline="0" cap="none" i="0" spc="0" strike="noStrike" sz="1800" u="none" kumimoji="0" normalizeH="0">
+      <a:defRPr kumimoji="0" sz="1800" b="0" i="0" u="none" strike="noStrike" cap="none" spc="0" normalizeH="0" baseline="0">
         <a:ln>
           <a:noFill/>
         </a:ln>
@@ -68,7 +68,7 @@
       <a:buFontTx/>
       <a:buNone/>
       <a:tabLst/>
-      <a:defRPr b="1" baseline="0" cap="none" i="0" spc="0" strike="noStrike" sz="5800" u="none" kumimoji="0" normalizeH="0">
+      <a:defRPr kumimoji="0" sz="5800" b="1" i="0" u="none" strike="noStrike" cap="none" spc="0" normalizeH="0" baseline="0">
         <a:ln>
           <a:noFill/>
         </a:ln>
@@ -98,7 +98,7 @@
       <a:buFontTx/>
       <a:buNone/>
       <a:tabLst/>
-      <a:defRPr b="1" baseline="0" cap="none" i="0" spc="0" strike="noStrike" sz="5800" u="none" kumimoji="0" normalizeH="0">
+      <a:defRPr kumimoji="0" sz="5800" b="1" i="0" u="none" strike="noStrike" cap="none" spc="0" normalizeH="0" baseline="0">
         <a:ln>
           <a:noFill/>
         </a:ln>
@@ -128,7 +128,7 @@
       <a:buFontTx/>
       <a:buNone/>
       <a:tabLst/>
-      <a:defRPr b="1" baseline="0" cap="none" i="0" spc="0" strike="noStrike" sz="5800" u="none" kumimoji="0" normalizeH="0">
+      <a:defRPr kumimoji="0" sz="5800" b="1" i="0" u="none" strike="noStrike" cap="none" spc="0" normalizeH="0" baseline="0">
         <a:ln>
           <a:noFill/>
         </a:ln>
@@ -158,7 +158,7 @@
       <a:buFontTx/>
       <a:buNone/>
       <a:tabLst/>
-      <a:defRPr b="1" baseline="0" cap="none" i="0" spc="0" strike="noStrike" sz="5800" u="none" kumimoji="0" normalizeH="0">
+      <a:defRPr kumimoji="0" sz="5800" b="1" i="0" u="none" strike="noStrike" cap="none" spc="0" normalizeH="0" baseline="0">
         <a:ln>
           <a:noFill/>
         </a:ln>
@@ -188,7 +188,7 @@
       <a:buFontTx/>
       <a:buNone/>
       <a:tabLst/>
-      <a:defRPr b="1" baseline="0" cap="none" i="0" spc="0" strike="noStrike" sz="5800" u="none" kumimoji="0" normalizeH="0">
+      <a:defRPr kumimoji="0" sz="5800" b="1" i="0" u="none" strike="noStrike" cap="none" spc="0" normalizeH="0" baseline="0">
         <a:ln>
           <a:noFill/>
         </a:ln>
@@ -218,7 +218,7 @@
       <a:buFontTx/>
       <a:buNone/>
       <a:tabLst/>
-      <a:defRPr b="1" baseline="0" cap="none" i="0" spc="0" strike="noStrike" sz="5800" u="none" kumimoji="0" normalizeH="0">
+      <a:defRPr kumimoji="0" sz="5800" b="1" i="0" u="none" strike="noStrike" cap="none" spc="0" normalizeH="0" baseline="0">
         <a:ln>
           <a:noFill/>
         </a:ln>
@@ -248,7 +248,7 @@
       <a:buFontTx/>
       <a:buNone/>
       <a:tabLst/>
-      <a:defRPr b="1" baseline="0" cap="none" i="0" spc="0" strike="noStrike" sz="5800" u="none" kumimoji="0" normalizeH="0">
+      <a:defRPr kumimoji="0" sz="5800" b="1" i="0" u="none" strike="noStrike" cap="none" spc="0" normalizeH="0" baseline="0">
         <a:ln>
           <a:noFill/>
         </a:ln>
@@ -278,7 +278,7 @@
       <a:buFontTx/>
       <a:buNone/>
       <a:tabLst/>
-      <a:defRPr b="1" baseline="0" cap="none" i="0" spc="0" strike="noStrike" sz="5800" u="none" kumimoji="0" normalizeH="0">
+      <a:defRPr kumimoji="0" sz="5800" b="1" i="0" u="none" strike="noStrike" cap="none" spc="0" normalizeH="0" baseline="0">
         <a:ln>
           <a:noFill/>
         </a:ln>
@@ -308,7 +308,7 @@
       <a:buFontTx/>
       <a:buNone/>
       <a:tabLst/>
-      <a:defRPr b="1" baseline="0" cap="none" i="0" spc="0" strike="noStrike" sz="5800" u="none" kumimoji="0" normalizeH="0">
+      <a:defRPr kumimoji="0" sz="5800" b="1" i="0" u="none" strike="noStrike" cap="none" spc="0" normalizeH="0" baseline="0">
         <a:ln>
           <a:noFill/>
         </a:ln>
@@ -324,16 +324,22 @@
       </a:defRPr>
     </a:lvl9pPr>
   </p:defaultTextStyle>
+  <p:extLst>
+    <p:ext uri="{EFAFB233-063F-42B5-8137-9DF3F51BA10A}">
+      <p15:sldGuideLst xmlns:p15="http://schemas.microsoft.com/office/powerpoint/2012/main"/>
+    </p:ext>
+  </p:extLst>
 </p:presentation>
 </file>
 
-<file path=ppt/commentAuthors.xml><?xml version="1.0" encoding="utf-8"?>
-<p:cmAuthorLst xmlns:a="http://schemas.openxmlformats.org/drawingml/2006/main" xmlns:r="http://schemas.openxmlformats.org/officeDocument/2006/relationships" xmlns:p="http://schemas.openxmlformats.org/presentationml/2006/main" xmlns:m="http://schemas.openxmlformats.org/officeDocument/2006/math" xmlns:a14="http://schemas.microsoft.com/office/drawing/2010/main"/>
-</file>
-
 <file path=ppt/notesMasters/notesMaster1.xml><?xml version="1.0" encoding="utf-8"?>
-<p:notesMaster xmlns:a="http://schemas.openxmlformats.org/drawingml/2006/main" xmlns:r="http://schemas.openxmlformats.org/officeDocument/2006/relationships" xmlns:p="http://schemas.openxmlformats.org/presentationml/2006/main" xmlns:m="http://schemas.openxmlformats.org/officeDocument/2006/math" xmlns:a14="http://schemas.microsoft.com/office/drawing/2010/main">
+<p:notesMaster xmlns:a="http://schemas.openxmlformats.org/drawingml/2006/main" xmlns:r="http://schemas.openxmlformats.org/officeDocument/2006/relationships" xmlns:p="http://schemas.openxmlformats.org/presentationml/2006/main">
   <p:cSld>
+    <p:bg>
+      <p:bgRef idx="1001">
+        <a:schemeClr val="bg1"/>
+      </p:bgRef>
+    </p:bg>
     <p:spTree>
       <p:nvGrpSpPr>
         <p:cNvPr id="1" name=""/>
@@ -351,7 +357,9 @@
       <p:sp>
         <p:nvSpPr>
           <p:cNvPr id="116" name="Shape 116"/>
-          <p:cNvSpPr/>
+          <p:cNvSpPr>
+            <a:spLocks noGrp="1" noRot="1" noChangeAspect="1"/>
+          </p:cNvSpPr>
           <p:nvPr>
             <p:ph type="sldImg"/>
           </p:nvPr>
@@ -369,14 +377,16 @@
           <a:bodyPr/>
           <a:lstStyle/>
           <a:p>
-            <a:pPr/>
+            <a:endParaRPr/>
           </a:p>
         </p:txBody>
       </p:sp>
       <p:sp>
         <p:nvSpPr>
           <p:cNvPr id="117" name="Shape 117"/>
-          <p:cNvSpPr/>
+          <p:cNvSpPr>
+            <a:spLocks noGrp="1"/>
+          </p:cNvSpPr>
           <p:nvPr>
             <p:ph type="body" sz="quarter" idx="1"/>
           </p:nvPr>
@@ -394,7 +404,7 @@
           <a:bodyPr/>
           <a:lstStyle/>
           <a:p>
-            <a:pPr/>
+            <a:endParaRPr/>
           </a:p>
         </p:txBody>
       </p:sp>
@@ -506,7 +516,7 @@
 </file>
 
 <file path=ppt/slideLayouts/slideLayout1.xml><?xml version="1.0" encoding="utf-8"?>
-<p:sldLayout xmlns:a="http://schemas.openxmlformats.org/drawingml/2006/main" xmlns:r="http://schemas.openxmlformats.org/officeDocument/2006/relationships" xmlns:p="http://schemas.openxmlformats.org/presentationml/2006/main" xmlns:m="http://schemas.openxmlformats.org/officeDocument/2006/math" xmlns:a14="http://schemas.microsoft.com/office/drawing/2010/main" type="title" showMasterSp="1" showMasterPhAnim="1">
+<p:sldLayout xmlns:a="http://schemas.openxmlformats.org/drawingml/2006/main" xmlns:r="http://schemas.openxmlformats.org/officeDocument/2006/relationships" xmlns:p="http://schemas.openxmlformats.org/presentationml/2006/main" type="title">
   <p:cSld name="Titre et sous-titre">
     <p:spTree>
       <p:nvGrpSpPr>
@@ -525,7 +535,9 @@
       <p:sp>
         <p:nvSpPr>
           <p:cNvPr id="11" name="Title Text"/>
-          <p:cNvSpPr txBox="1"/>
+          <p:cNvSpPr txBox="1">
+            <a:spLocks noGrp="1"/>
+          </p:cNvSpPr>
           <p:nvPr>
             <p:ph type="title"/>
           </p:nvPr>
@@ -539,7 +551,6 @@
           <a:bodyPr/>
           <a:lstStyle/>
           <a:p>
-            <a:pPr/>
             <a:r>
               <a:t>Title Text</a:t>
             </a:r>
@@ -549,7 +560,9 @@
       <p:sp>
         <p:nvSpPr>
           <p:cNvPr id="12" name="Body Level One…"/>
-          <p:cNvSpPr txBox="1"/>
+          <p:cNvSpPr txBox="1">
+            <a:spLocks noGrp="1"/>
+          </p:cNvSpPr>
           <p:nvPr>
             <p:ph type="body" sz="quarter" idx="1"/>
           </p:nvPr>
@@ -563,7 +576,6 @@
           <a:bodyPr/>
           <a:lstStyle/>
           <a:p>
-            <a:pPr/>
             <a:r>
               <a:t>Body Level One</a:t>
             </a:r>
@@ -597,7 +609,9 @@
       <p:sp>
         <p:nvSpPr>
           <p:cNvPr id="13" name="Slide Number"/>
-          <p:cNvSpPr txBox="1"/>
+          <p:cNvSpPr txBox="1">
+            <a:spLocks noGrp="1"/>
+          </p:cNvSpPr>
           <p:nvPr>
             <p:ph type="sldNum" sz="quarter" idx="2"/>
           </p:nvPr>
@@ -611,8 +625,10 @@
           <a:bodyPr/>
           <a:lstStyle/>
           <a:p>
-            <a:pPr/>
-            <a:fld id="{86CB4B4D-7CA3-9044-876B-883B54F8677D}" type="slidenum"/>
+            <a:fld id="{86CB4B4D-7CA3-9044-876B-883B54F8677D}" type="slidenum">
+              <a:t>‹#›</a:t>
+            </a:fld>
+            <a:endParaRPr/>
           </a:p>
         </p:txBody>
       </p:sp>
@@ -621,12 +637,12 @@
   <p:clrMapOvr>
     <a:masterClrMapping/>
   </p:clrMapOvr>
-  <p:transition xmlns:p14="http://schemas.microsoft.com/office/powerpoint/2010/main" spd="med" advClick="1"/>
+  <p:transition spd="med"/>
 </p:sldLayout>
 </file>
 
 <file path=ppt/slideLayouts/slideLayout10.xml><?xml version="1.0" encoding="utf-8"?>
-<p:sldLayout xmlns:a="http://schemas.openxmlformats.org/drawingml/2006/main" xmlns:r="http://schemas.openxmlformats.org/officeDocument/2006/relationships" xmlns:p="http://schemas.openxmlformats.org/presentationml/2006/main" xmlns:m="http://schemas.openxmlformats.org/officeDocument/2006/math" xmlns:a14="http://schemas.microsoft.com/office/drawing/2010/main" type="tx" showMasterSp="1" showMasterPhAnim="1">
+<p:sldLayout xmlns:a="http://schemas.openxmlformats.org/drawingml/2006/main" xmlns:r="http://schemas.openxmlformats.org/officeDocument/2006/relationships" xmlns:p="http://schemas.openxmlformats.org/presentationml/2006/main" type="tx">
   <p:cSld name="Citation">
     <p:spTree>
       <p:nvGrpSpPr>
@@ -645,7 +661,9 @@
       <p:sp>
         <p:nvSpPr>
           <p:cNvPr id="93" name="-Gilles Allain"/>
-          <p:cNvSpPr/>
+          <p:cNvSpPr>
+            <a:spLocks noGrp="1"/>
+          </p:cNvSpPr>
           <p:nvPr>
             <p:ph type="body" sz="quarter" idx="21"/>
           </p:nvPr>
@@ -674,7 +692,6 @@
             </a:lvl1pPr>
           </a:lstStyle>
           <a:p>
-            <a:pPr/>
             <a:r>
               <a:t>-Gilles Allain</a:t>
             </a:r>
@@ -684,7 +701,9 @@
       <p:sp>
         <p:nvSpPr>
           <p:cNvPr id="94" name="« Saisissez une citation ici. »"/>
-          <p:cNvSpPr/>
+          <p:cNvSpPr>
+            <a:spLocks noGrp="1"/>
+          </p:cNvSpPr>
           <p:nvPr>
             <p:ph type="body" sz="quarter" idx="22"/>
           </p:nvPr>
@@ -708,7 +727,6 @@
             </a:lvl1pPr>
           </a:lstStyle>
           <a:p>
-            <a:pPr/>
             <a:r>
               <a:t>« Saisissez une citation ici. » </a:t>
             </a:r>
@@ -718,7 +736,9 @@
       <p:sp>
         <p:nvSpPr>
           <p:cNvPr id="95" name="Slide Number"/>
-          <p:cNvSpPr txBox="1"/>
+          <p:cNvSpPr txBox="1">
+            <a:spLocks noGrp="1"/>
+          </p:cNvSpPr>
           <p:nvPr>
             <p:ph type="sldNum" sz="quarter" idx="2"/>
           </p:nvPr>
@@ -732,8 +752,10 @@
           <a:bodyPr/>
           <a:lstStyle/>
           <a:p>
-            <a:pPr/>
-            <a:fld id="{86CB4B4D-7CA3-9044-876B-883B54F8677D}" type="slidenum"/>
+            <a:fld id="{86CB4B4D-7CA3-9044-876B-883B54F8677D}" type="slidenum">
+              <a:t>‹#›</a:t>
+            </a:fld>
+            <a:endParaRPr/>
           </a:p>
         </p:txBody>
       </p:sp>
@@ -742,12 +764,12 @@
   <p:clrMapOvr>
     <a:masterClrMapping/>
   </p:clrMapOvr>
-  <p:transition xmlns:p14="http://schemas.microsoft.com/office/powerpoint/2010/main" spd="med" advClick="1"/>
+  <p:transition spd="med"/>
 </p:sldLayout>
 </file>
 
 <file path=ppt/slideLayouts/slideLayout11.xml><?xml version="1.0" encoding="utf-8"?>
-<p:sldLayout xmlns:a="http://schemas.openxmlformats.org/drawingml/2006/main" xmlns:r="http://schemas.openxmlformats.org/officeDocument/2006/relationships" xmlns:p="http://schemas.openxmlformats.org/presentationml/2006/main" xmlns:m="http://schemas.openxmlformats.org/officeDocument/2006/math" xmlns:a14="http://schemas.microsoft.com/office/drawing/2010/main" type="tx" showMasterSp="1" showMasterPhAnim="1">
+<p:sldLayout xmlns:a="http://schemas.openxmlformats.org/drawingml/2006/main" xmlns:r="http://schemas.openxmlformats.org/officeDocument/2006/relationships" xmlns:p="http://schemas.openxmlformats.org/presentationml/2006/main" type="tx">
   <p:cSld name="Photo">
     <p:spTree>
       <p:nvGrpSpPr>
@@ -766,7 +788,9 @@
       <p:sp>
         <p:nvSpPr>
           <p:cNvPr id="102" name="Image"/>
-          <p:cNvSpPr/>
+          <p:cNvSpPr>
+            <a:spLocks noGrp="1"/>
+          </p:cNvSpPr>
           <p:nvPr>
             <p:ph type="pic" idx="21"/>
           </p:nvPr>
@@ -786,14 +810,16 @@
           </a:bodyPr>
           <a:lstStyle/>
           <a:p>
-            <a:pPr/>
+            <a:endParaRPr/>
           </a:p>
         </p:txBody>
       </p:sp>
       <p:sp>
         <p:nvSpPr>
           <p:cNvPr id="103" name="Slide Number"/>
-          <p:cNvSpPr txBox="1"/>
+          <p:cNvSpPr txBox="1">
+            <a:spLocks noGrp="1"/>
+          </p:cNvSpPr>
           <p:nvPr>
             <p:ph type="sldNum" sz="quarter" idx="2"/>
           </p:nvPr>
@@ -807,8 +833,10 @@
           <a:bodyPr/>
           <a:lstStyle/>
           <a:p>
-            <a:pPr/>
-            <a:fld id="{86CB4B4D-7CA3-9044-876B-883B54F8677D}" type="slidenum"/>
+            <a:fld id="{86CB4B4D-7CA3-9044-876B-883B54F8677D}" type="slidenum">
+              <a:t>‹#›</a:t>
+            </a:fld>
+            <a:endParaRPr/>
           </a:p>
         </p:txBody>
       </p:sp>
@@ -817,12 +845,12 @@
   <p:clrMapOvr>
     <a:masterClrMapping/>
   </p:clrMapOvr>
-  <p:transition xmlns:p14="http://schemas.microsoft.com/office/powerpoint/2010/main" spd="med" advClick="1"/>
+  <p:transition spd="med"/>
 </p:sldLayout>
 </file>
 
 <file path=ppt/slideLayouts/slideLayout12.xml><?xml version="1.0" encoding="utf-8"?>
-<p:sldLayout xmlns:a="http://schemas.openxmlformats.org/drawingml/2006/main" xmlns:r="http://schemas.openxmlformats.org/officeDocument/2006/relationships" xmlns:p="http://schemas.openxmlformats.org/presentationml/2006/main" xmlns:m="http://schemas.openxmlformats.org/officeDocument/2006/math" xmlns:a14="http://schemas.microsoft.com/office/drawing/2010/main" type="tx" showMasterSp="1" showMasterPhAnim="1">
+<p:sldLayout xmlns:a="http://schemas.openxmlformats.org/drawingml/2006/main" xmlns:r="http://schemas.openxmlformats.org/officeDocument/2006/relationships" xmlns:p="http://schemas.openxmlformats.org/presentationml/2006/main" type="tx">
   <p:cSld name="Vierge">
     <p:spTree>
       <p:nvGrpSpPr>
@@ -841,7 +869,9 @@
       <p:sp>
         <p:nvSpPr>
           <p:cNvPr id="110" name="Slide Number"/>
-          <p:cNvSpPr txBox="1"/>
+          <p:cNvSpPr txBox="1">
+            <a:spLocks noGrp="1"/>
+          </p:cNvSpPr>
           <p:nvPr>
             <p:ph type="sldNum" sz="quarter" idx="2"/>
           </p:nvPr>
@@ -855,8 +885,10 @@
           <a:bodyPr/>
           <a:lstStyle/>
           <a:p>
-            <a:pPr/>
-            <a:fld id="{86CB4B4D-7CA3-9044-876B-883B54F8677D}" type="slidenum"/>
+            <a:fld id="{86CB4B4D-7CA3-9044-876B-883B54F8677D}" type="slidenum">
+              <a:t>‹#›</a:t>
+            </a:fld>
+            <a:endParaRPr/>
           </a:p>
         </p:txBody>
       </p:sp>
@@ -865,12 +897,12 @@
   <p:clrMapOvr>
     <a:masterClrMapping/>
   </p:clrMapOvr>
-  <p:transition xmlns:p14="http://schemas.microsoft.com/office/powerpoint/2010/main" spd="med" advClick="1"/>
+  <p:transition spd="med"/>
 </p:sldLayout>
 </file>
 
 <file path=ppt/slideLayouts/slideLayout2.xml><?xml version="1.0" encoding="utf-8"?>
-<p:sldLayout xmlns:a="http://schemas.openxmlformats.org/drawingml/2006/main" xmlns:r="http://schemas.openxmlformats.org/officeDocument/2006/relationships" xmlns:p="http://schemas.openxmlformats.org/presentationml/2006/main" xmlns:m="http://schemas.openxmlformats.org/officeDocument/2006/math" xmlns:a14="http://schemas.microsoft.com/office/drawing/2010/main" type="tx" showMasterSp="1" showMasterPhAnim="1">
+<p:sldLayout xmlns:a="http://schemas.openxmlformats.org/drawingml/2006/main" xmlns:r="http://schemas.openxmlformats.org/officeDocument/2006/relationships" xmlns:p="http://schemas.openxmlformats.org/presentationml/2006/main" type="tx">
   <p:cSld name="Photo - Horizontale">
     <p:spTree>
       <p:nvGrpSpPr>
@@ -889,7 +921,9 @@
       <p:sp>
         <p:nvSpPr>
           <p:cNvPr id="20" name="Image"/>
-          <p:cNvSpPr/>
+          <p:cNvSpPr>
+            <a:spLocks noGrp="1"/>
+          </p:cNvSpPr>
           <p:nvPr>
             <p:ph type="pic" sz="half" idx="21"/>
           </p:nvPr>
@@ -909,14 +943,16 @@
           </a:bodyPr>
           <a:lstStyle/>
           <a:p>
-            <a:pPr/>
+            <a:endParaRPr/>
           </a:p>
         </p:txBody>
       </p:sp>
       <p:sp>
         <p:nvSpPr>
           <p:cNvPr id="21" name="Title Text"/>
-          <p:cNvSpPr txBox="1"/>
+          <p:cNvSpPr txBox="1">
+            <a:spLocks noGrp="1"/>
+          </p:cNvSpPr>
           <p:nvPr>
             <p:ph type="title"/>
           </p:nvPr>
@@ -934,7 +970,6 @@
           <a:bodyPr/>
           <a:lstStyle/>
           <a:p>
-            <a:pPr/>
             <a:r>
               <a:t>Title Text</a:t>
             </a:r>
@@ -944,7 +979,9 @@
       <p:sp>
         <p:nvSpPr>
           <p:cNvPr id="22" name="Body Level One…"/>
-          <p:cNvSpPr txBox="1"/>
+          <p:cNvSpPr txBox="1">
+            <a:spLocks noGrp="1"/>
+          </p:cNvSpPr>
           <p:nvPr>
             <p:ph type="body" sz="quarter" idx="1"/>
           </p:nvPr>
@@ -962,7 +999,6 @@
           <a:bodyPr/>
           <a:lstStyle/>
           <a:p>
-            <a:pPr/>
             <a:r>
               <a:t>Body Level One</a:t>
             </a:r>
@@ -996,7 +1032,9 @@
       <p:sp>
         <p:nvSpPr>
           <p:cNvPr id="23" name="Slide Number"/>
-          <p:cNvSpPr txBox="1"/>
+          <p:cNvSpPr txBox="1">
+            <a:spLocks noGrp="1"/>
+          </p:cNvSpPr>
           <p:nvPr>
             <p:ph type="sldNum" sz="quarter" idx="2"/>
           </p:nvPr>
@@ -1014,8 +1052,10 @@
           <a:bodyPr/>
           <a:lstStyle/>
           <a:p>
-            <a:pPr/>
-            <a:fld id="{86CB4B4D-7CA3-9044-876B-883B54F8677D}" type="slidenum"/>
+            <a:fld id="{86CB4B4D-7CA3-9044-876B-883B54F8677D}" type="slidenum">
+              <a:t>‹#›</a:t>
+            </a:fld>
+            <a:endParaRPr/>
           </a:p>
         </p:txBody>
       </p:sp>
@@ -1024,12 +1064,12 @@
   <p:clrMapOvr>
     <a:masterClrMapping/>
   </p:clrMapOvr>
-  <p:transition xmlns:p14="http://schemas.microsoft.com/office/powerpoint/2010/main" spd="med" advClick="1"/>
+  <p:transition spd="med"/>
 </p:sldLayout>
 </file>
 
 <file path=ppt/slideLayouts/slideLayout3.xml><?xml version="1.0" encoding="utf-8"?>
-<p:sldLayout xmlns:a="http://schemas.openxmlformats.org/drawingml/2006/main" xmlns:r="http://schemas.openxmlformats.org/officeDocument/2006/relationships" xmlns:p="http://schemas.openxmlformats.org/presentationml/2006/main" xmlns:m="http://schemas.openxmlformats.org/officeDocument/2006/math" xmlns:a14="http://schemas.microsoft.com/office/drawing/2010/main" type="tx" showMasterSp="1" showMasterPhAnim="1">
+<p:sldLayout xmlns:a="http://schemas.openxmlformats.org/drawingml/2006/main" xmlns:r="http://schemas.openxmlformats.org/officeDocument/2006/relationships" xmlns:p="http://schemas.openxmlformats.org/presentationml/2006/main" type="tx">
   <p:cSld name="Titre - Centré">
     <p:spTree>
       <p:nvGrpSpPr>
@@ -1048,7 +1088,9 @@
       <p:sp>
         <p:nvSpPr>
           <p:cNvPr id="30" name="Title Text"/>
-          <p:cNvSpPr txBox="1"/>
+          <p:cNvSpPr txBox="1">
+            <a:spLocks noGrp="1"/>
+          </p:cNvSpPr>
           <p:nvPr>
             <p:ph type="title"/>
           </p:nvPr>
@@ -1066,7 +1108,6 @@
           <a:bodyPr anchor="ctr"/>
           <a:lstStyle/>
           <a:p>
-            <a:pPr/>
             <a:r>
               <a:t>Title Text</a:t>
             </a:r>
@@ -1076,7 +1117,9 @@
       <p:sp>
         <p:nvSpPr>
           <p:cNvPr id="31" name="Slide Number"/>
-          <p:cNvSpPr txBox="1"/>
+          <p:cNvSpPr txBox="1">
+            <a:spLocks noGrp="1"/>
+          </p:cNvSpPr>
           <p:nvPr>
             <p:ph type="sldNum" sz="quarter" idx="2"/>
           </p:nvPr>
@@ -1090,8 +1133,10 @@
           <a:bodyPr/>
           <a:lstStyle/>
           <a:p>
-            <a:pPr/>
-            <a:fld id="{86CB4B4D-7CA3-9044-876B-883B54F8677D}" type="slidenum"/>
+            <a:fld id="{86CB4B4D-7CA3-9044-876B-883B54F8677D}" type="slidenum">
+              <a:t>‹#›</a:t>
+            </a:fld>
+            <a:endParaRPr/>
           </a:p>
         </p:txBody>
       </p:sp>
@@ -1100,12 +1145,12 @@
   <p:clrMapOvr>
     <a:masterClrMapping/>
   </p:clrMapOvr>
-  <p:transition xmlns:p14="http://schemas.microsoft.com/office/powerpoint/2010/main" spd="med" advClick="1"/>
+  <p:transition spd="med"/>
 </p:sldLayout>
 </file>
 
 <file path=ppt/slideLayouts/slideLayout4.xml><?xml version="1.0" encoding="utf-8"?>
-<p:sldLayout xmlns:a="http://schemas.openxmlformats.org/drawingml/2006/main" xmlns:r="http://schemas.openxmlformats.org/officeDocument/2006/relationships" xmlns:p="http://schemas.openxmlformats.org/presentationml/2006/main" xmlns:m="http://schemas.openxmlformats.org/officeDocument/2006/math" xmlns:a14="http://schemas.microsoft.com/office/drawing/2010/main" type="tx" showMasterSp="1" showMasterPhAnim="1">
+<p:sldLayout xmlns:a="http://schemas.openxmlformats.org/drawingml/2006/main" xmlns:r="http://schemas.openxmlformats.org/officeDocument/2006/relationships" xmlns:p="http://schemas.openxmlformats.org/presentationml/2006/main" type="tx">
   <p:cSld name="Photo - Verticale">
     <p:spTree>
       <p:nvGrpSpPr>
@@ -1124,7 +1169,9 @@
       <p:sp>
         <p:nvSpPr>
           <p:cNvPr id="38" name="Image"/>
-          <p:cNvSpPr/>
+          <p:cNvSpPr>
+            <a:spLocks noGrp="1"/>
+          </p:cNvSpPr>
           <p:nvPr>
             <p:ph type="pic" idx="21"/>
           </p:nvPr>
@@ -1144,14 +1191,16 @@
           </a:bodyPr>
           <a:lstStyle/>
           <a:p>
-            <a:pPr/>
+            <a:endParaRPr/>
           </a:p>
         </p:txBody>
       </p:sp>
       <p:sp>
         <p:nvSpPr>
           <p:cNvPr id="39" name="Title Text"/>
-          <p:cNvSpPr txBox="1"/>
+          <p:cNvSpPr txBox="1">
+            <a:spLocks noGrp="1"/>
+          </p:cNvSpPr>
           <p:nvPr>
             <p:ph type="title"/>
           </p:nvPr>
@@ -1173,7 +1222,6 @@
             </a:lvl1pPr>
           </a:lstStyle>
           <a:p>
-            <a:pPr/>
             <a:r>
               <a:t>Title Text</a:t>
             </a:r>
@@ -1183,7 +1231,9 @@
       <p:sp>
         <p:nvSpPr>
           <p:cNvPr id="40" name="Body Level One…"/>
-          <p:cNvSpPr txBox="1"/>
+          <p:cNvSpPr txBox="1">
+            <a:spLocks noGrp="1"/>
+          </p:cNvSpPr>
           <p:nvPr>
             <p:ph type="body" sz="quarter" idx="1"/>
           </p:nvPr>
@@ -1201,7 +1251,6 @@
           <a:bodyPr/>
           <a:lstStyle/>
           <a:p>
-            <a:pPr/>
             <a:r>
               <a:t>Body Level One</a:t>
             </a:r>
@@ -1235,7 +1284,9 @@
       <p:sp>
         <p:nvSpPr>
           <p:cNvPr id="41" name="Slide Number"/>
-          <p:cNvSpPr txBox="1"/>
+          <p:cNvSpPr txBox="1">
+            <a:spLocks noGrp="1"/>
+          </p:cNvSpPr>
           <p:nvPr>
             <p:ph type="sldNum" sz="quarter" idx="2"/>
           </p:nvPr>
@@ -1249,8 +1300,10 @@
           <a:bodyPr/>
           <a:lstStyle/>
           <a:p>
-            <a:pPr/>
-            <a:fld id="{86CB4B4D-7CA3-9044-876B-883B54F8677D}" type="slidenum"/>
+            <a:fld id="{86CB4B4D-7CA3-9044-876B-883B54F8677D}" type="slidenum">
+              <a:t>‹#›</a:t>
+            </a:fld>
+            <a:endParaRPr/>
           </a:p>
         </p:txBody>
       </p:sp>
@@ -1259,12 +1312,12 @@
   <p:clrMapOvr>
     <a:masterClrMapping/>
   </p:clrMapOvr>
-  <p:transition xmlns:p14="http://schemas.microsoft.com/office/powerpoint/2010/main" spd="med" advClick="1"/>
+  <p:transition spd="med"/>
 </p:sldLayout>
 </file>
 
 <file path=ppt/slideLayouts/slideLayout5.xml><?xml version="1.0" encoding="utf-8"?>
-<p:sldLayout xmlns:a="http://schemas.openxmlformats.org/drawingml/2006/main" xmlns:r="http://schemas.openxmlformats.org/officeDocument/2006/relationships" xmlns:p="http://schemas.openxmlformats.org/presentationml/2006/main" xmlns:m="http://schemas.openxmlformats.org/officeDocument/2006/math" xmlns:a14="http://schemas.microsoft.com/office/drawing/2010/main" type="tx" showMasterSp="1" showMasterPhAnim="1">
+<p:sldLayout xmlns:a="http://schemas.openxmlformats.org/drawingml/2006/main" xmlns:r="http://schemas.openxmlformats.org/officeDocument/2006/relationships" xmlns:p="http://schemas.openxmlformats.org/presentationml/2006/main" type="tx">
   <p:cSld name="Titre - Haut">
     <p:spTree>
       <p:nvGrpSpPr>
@@ -1283,7 +1336,9 @@
       <p:sp>
         <p:nvSpPr>
           <p:cNvPr id="48" name="Title Text"/>
-          <p:cNvSpPr txBox="1"/>
+          <p:cNvSpPr txBox="1">
+            <a:spLocks noGrp="1"/>
+          </p:cNvSpPr>
           <p:nvPr>
             <p:ph type="title"/>
           </p:nvPr>
@@ -1301,7 +1356,6 @@
           <a:bodyPr anchor="ctr"/>
           <a:lstStyle/>
           <a:p>
-            <a:pPr/>
             <a:r>
               <a:t>Title Text</a:t>
             </a:r>
@@ -1311,7 +1365,9 @@
       <p:sp>
         <p:nvSpPr>
           <p:cNvPr id="49" name="Slide Number"/>
-          <p:cNvSpPr txBox="1"/>
+          <p:cNvSpPr txBox="1">
+            <a:spLocks noGrp="1"/>
+          </p:cNvSpPr>
           <p:nvPr>
             <p:ph type="sldNum" sz="quarter" idx="2"/>
           </p:nvPr>
@@ -1325,8 +1381,10 @@
           <a:bodyPr/>
           <a:lstStyle/>
           <a:p>
-            <a:pPr/>
-            <a:fld id="{86CB4B4D-7CA3-9044-876B-883B54F8677D}" type="slidenum"/>
+            <a:fld id="{86CB4B4D-7CA3-9044-876B-883B54F8677D}" type="slidenum">
+              <a:t>‹#›</a:t>
+            </a:fld>
+            <a:endParaRPr/>
           </a:p>
         </p:txBody>
       </p:sp>
@@ -1335,12 +1393,12 @@
   <p:clrMapOvr>
     <a:masterClrMapping/>
   </p:clrMapOvr>
-  <p:transition xmlns:p14="http://schemas.microsoft.com/office/powerpoint/2010/main" spd="med" advClick="1"/>
+  <p:transition spd="med"/>
 </p:sldLayout>
 </file>
 
 <file path=ppt/slideLayouts/slideLayout6.xml><?xml version="1.0" encoding="utf-8"?>
-<p:sldLayout xmlns:a="http://schemas.openxmlformats.org/drawingml/2006/main" xmlns:r="http://schemas.openxmlformats.org/officeDocument/2006/relationships" xmlns:p="http://schemas.openxmlformats.org/presentationml/2006/main" xmlns:m="http://schemas.openxmlformats.org/officeDocument/2006/math" xmlns:a14="http://schemas.microsoft.com/office/drawing/2010/main" type="tx" showMasterSp="1" showMasterPhAnim="1">
+<p:sldLayout xmlns:a="http://schemas.openxmlformats.org/drawingml/2006/main" xmlns:r="http://schemas.openxmlformats.org/officeDocument/2006/relationships" xmlns:p="http://schemas.openxmlformats.org/presentationml/2006/main" type="tx">
   <p:cSld name="Titre et puces">
     <p:spTree>
       <p:nvGrpSpPr>
@@ -1359,7 +1417,9 @@
       <p:sp>
         <p:nvSpPr>
           <p:cNvPr id="56" name="Title Text"/>
-          <p:cNvSpPr txBox="1"/>
+          <p:cNvSpPr txBox="1">
+            <a:spLocks noGrp="1"/>
+          </p:cNvSpPr>
           <p:nvPr>
             <p:ph type="title"/>
           </p:nvPr>
@@ -1377,7 +1437,6 @@
           <a:bodyPr anchor="ctr"/>
           <a:lstStyle/>
           <a:p>
-            <a:pPr/>
             <a:r>
               <a:t>Title Text</a:t>
             </a:r>
@@ -1387,7 +1446,9 @@
       <p:sp>
         <p:nvSpPr>
           <p:cNvPr id="57" name="Body Level One…"/>
-          <p:cNvSpPr txBox="1"/>
+          <p:cNvSpPr txBox="1">
+            <a:spLocks noGrp="1"/>
+          </p:cNvSpPr>
           <p:nvPr>
             <p:ph type="body" sz="half" idx="1"/>
           </p:nvPr>
@@ -1446,7 +1507,6 @@
             </a:lvl5pPr>
           </a:lstStyle>
           <a:p>
-            <a:pPr/>
             <a:r>
               <a:t>Body Level One</a:t>
             </a:r>
@@ -1480,7 +1540,9 @@
       <p:sp>
         <p:nvSpPr>
           <p:cNvPr id="58" name="Slide Number"/>
-          <p:cNvSpPr txBox="1"/>
+          <p:cNvSpPr txBox="1">
+            <a:spLocks noGrp="1"/>
+          </p:cNvSpPr>
           <p:nvPr>
             <p:ph type="sldNum" sz="quarter" idx="2"/>
           </p:nvPr>
@@ -1494,8 +1556,10 @@
           <a:bodyPr/>
           <a:lstStyle/>
           <a:p>
-            <a:pPr/>
-            <a:fld id="{86CB4B4D-7CA3-9044-876B-883B54F8677D}" type="slidenum"/>
+            <a:fld id="{86CB4B4D-7CA3-9044-876B-883B54F8677D}" type="slidenum">
+              <a:t>‹#›</a:t>
+            </a:fld>
+            <a:endParaRPr/>
           </a:p>
         </p:txBody>
       </p:sp>
@@ -1504,12 +1568,12 @@
   <p:clrMapOvr>
     <a:masterClrMapping/>
   </p:clrMapOvr>
-  <p:transition xmlns:p14="http://schemas.microsoft.com/office/powerpoint/2010/main" spd="med" advClick="1"/>
+  <p:transition spd="med"/>
 </p:sldLayout>
 </file>
 
 <file path=ppt/slideLayouts/slideLayout7.xml><?xml version="1.0" encoding="utf-8"?>
-<p:sldLayout xmlns:a="http://schemas.openxmlformats.org/drawingml/2006/main" xmlns:r="http://schemas.openxmlformats.org/officeDocument/2006/relationships" xmlns:p="http://schemas.openxmlformats.org/presentationml/2006/main" xmlns:m="http://schemas.openxmlformats.org/officeDocument/2006/math" xmlns:a14="http://schemas.microsoft.com/office/drawing/2010/main" type="tx" showMasterSp="1" showMasterPhAnim="1">
+<p:sldLayout xmlns:a="http://schemas.openxmlformats.org/drawingml/2006/main" xmlns:r="http://schemas.openxmlformats.org/officeDocument/2006/relationships" xmlns:p="http://schemas.openxmlformats.org/presentationml/2006/main" type="tx">
   <p:cSld name="Titre, puces et photo">
     <p:spTree>
       <p:nvGrpSpPr>
@@ -1528,7 +1592,9 @@
       <p:sp>
         <p:nvSpPr>
           <p:cNvPr id="65" name="Image"/>
-          <p:cNvSpPr/>
+          <p:cNvSpPr>
+            <a:spLocks noGrp="1"/>
+          </p:cNvSpPr>
           <p:nvPr>
             <p:ph type="pic" sz="half" idx="21"/>
           </p:nvPr>
@@ -1548,14 +1614,16 @@
           </a:bodyPr>
           <a:lstStyle/>
           <a:p>
-            <a:pPr/>
+            <a:endParaRPr/>
           </a:p>
         </p:txBody>
       </p:sp>
       <p:sp>
         <p:nvSpPr>
           <p:cNvPr id="66" name="Title Text"/>
-          <p:cNvSpPr txBox="1"/>
+          <p:cNvSpPr txBox="1">
+            <a:spLocks noGrp="1"/>
+          </p:cNvSpPr>
           <p:nvPr>
             <p:ph type="title"/>
           </p:nvPr>
@@ -1573,7 +1641,6 @@
           <a:bodyPr anchor="ctr"/>
           <a:lstStyle/>
           <a:p>
-            <a:pPr/>
             <a:r>
               <a:t>Title Text</a:t>
             </a:r>
@@ -1583,7 +1650,9 @@
       <p:sp>
         <p:nvSpPr>
           <p:cNvPr id="67" name="Body Level One…"/>
-          <p:cNvSpPr txBox="1"/>
+          <p:cNvSpPr txBox="1">
+            <a:spLocks noGrp="1"/>
+          </p:cNvSpPr>
           <p:nvPr>
             <p:ph type="body" sz="quarter" idx="1"/>
           </p:nvPr>
@@ -1642,7 +1711,6 @@
             </a:lvl5pPr>
           </a:lstStyle>
           <a:p>
-            <a:pPr/>
             <a:r>
               <a:t>Body Level One</a:t>
             </a:r>
@@ -1676,7 +1744,9 @@
       <p:sp>
         <p:nvSpPr>
           <p:cNvPr id="68" name="Slide Number"/>
-          <p:cNvSpPr txBox="1"/>
+          <p:cNvSpPr txBox="1">
+            <a:spLocks noGrp="1"/>
+          </p:cNvSpPr>
           <p:nvPr>
             <p:ph type="sldNum" sz="quarter" idx="2"/>
           </p:nvPr>
@@ -1690,8 +1760,10 @@
           <a:bodyPr/>
           <a:lstStyle/>
           <a:p>
-            <a:pPr/>
-            <a:fld id="{86CB4B4D-7CA3-9044-876B-883B54F8677D}" type="slidenum"/>
+            <a:fld id="{86CB4B4D-7CA3-9044-876B-883B54F8677D}" type="slidenum">
+              <a:t>‹#›</a:t>
+            </a:fld>
+            <a:endParaRPr/>
           </a:p>
         </p:txBody>
       </p:sp>
@@ -1700,12 +1772,12 @@
   <p:clrMapOvr>
     <a:masterClrMapping/>
   </p:clrMapOvr>
-  <p:transition xmlns:p14="http://schemas.microsoft.com/office/powerpoint/2010/main" spd="med" advClick="1"/>
+  <p:transition spd="med"/>
 </p:sldLayout>
 </file>
 
 <file path=ppt/slideLayouts/slideLayout8.xml><?xml version="1.0" encoding="utf-8"?>
-<p:sldLayout xmlns:a="http://schemas.openxmlformats.org/drawingml/2006/main" xmlns:r="http://schemas.openxmlformats.org/officeDocument/2006/relationships" xmlns:p="http://schemas.openxmlformats.org/presentationml/2006/main" xmlns:m="http://schemas.openxmlformats.org/officeDocument/2006/math" xmlns:a14="http://schemas.microsoft.com/office/drawing/2010/main" type="tx" showMasterSp="1" showMasterPhAnim="1">
+<p:sldLayout xmlns:a="http://schemas.openxmlformats.org/drawingml/2006/main" xmlns:r="http://schemas.openxmlformats.org/officeDocument/2006/relationships" xmlns:p="http://schemas.openxmlformats.org/presentationml/2006/main" type="tx">
   <p:cSld name="Puces">
     <p:spTree>
       <p:nvGrpSpPr>
@@ -1724,7 +1796,9 @@
       <p:sp>
         <p:nvSpPr>
           <p:cNvPr id="75" name="Body Level One…"/>
-          <p:cNvSpPr txBox="1"/>
+          <p:cNvSpPr txBox="1">
+            <a:spLocks noGrp="1"/>
+          </p:cNvSpPr>
           <p:nvPr>
             <p:ph type="body" sz="half" idx="1"/>
           </p:nvPr>
@@ -1783,7 +1857,6 @@
             </a:lvl5pPr>
           </a:lstStyle>
           <a:p>
-            <a:pPr/>
             <a:r>
               <a:t>Body Level One</a:t>
             </a:r>
@@ -1817,7 +1890,9 @@
       <p:sp>
         <p:nvSpPr>
           <p:cNvPr id="76" name="Slide Number"/>
-          <p:cNvSpPr txBox="1"/>
+          <p:cNvSpPr txBox="1">
+            <a:spLocks noGrp="1"/>
+          </p:cNvSpPr>
           <p:nvPr>
             <p:ph type="sldNum" sz="quarter" idx="2"/>
           </p:nvPr>
@@ -1831,8 +1906,10 @@
           <a:bodyPr/>
           <a:lstStyle/>
           <a:p>
-            <a:pPr/>
-            <a:fld id="{86CB4B4D-7CA3-9044-876B-883B54F8677D}" type="slidenum"/>
+            <a:fld id="{86CB4B4D-7CA3-9044-876B-883B54F8677D}" type="slidenum">
+              <a:t>‹#›</a:t>
+            </a:fld>
+            <a:endParaRPr/>
           </a:p>
         </p:txBody>
       </p:sp>
@@ -1841,12 +1918,12 @@
   <p:clrMapOvr>
     <a:masterClrMapping/>
   </p:clrMapOvr>
-  <p:transition xmlns:p14="http://schemas.microsoft.com/office/powerpoint/2010/main" spd="med" advClick="1"/>
+  <p:transition spd="med"/>
 </p:sldLayout>
 </file>
 
 <file path=ppt/slideLayouts/slideLayout9.xml><?xml version="1.0" encoding="utf-8"?>
-<p:sldLayout xmlns:a="http://schemas.openxmlformats.org/drawingml/2006/main" xmlns:r="http://schemas.openxmlformats.org/officeDocument/2006/relationships" xmlns:p="http://schemas.openxmlformats.org/presentationml/2006/main" xmlns:m="http://schemas.openxmlformats.org/officeDocument/2006/math" xmlns:a14="http://schemas.microsoft.com/office/drawing/2010/main" type="tx" showMasterSp="1" showMasterPhAnim="1">
+<p:sldLayout xmlns:a="http://schemas.openxmlformats.org/drawingml/2006/main" xmlns:r="http://schemas.openxmlformats.org/officeDocument/2006/relationships" xmlns:p="http://schemas.openxmlformats.org/presentationml/2006/main" type="tx">
   <p:cSld name="Photo - 3">
     <p:spTree>
       <p:nvGrpSpPr>
@@ -1865,7 +1942,9 @@
       <p:sp>
         <p:nvSpPr>
           <p:cNvPr id="83" name="Image"/>
-          <p:cNvSpPr/>
+          <p:cNvSpPr>
+            <a:spLocks noGrp="1"/>
+          </p:cNvSpPr>
           <p:nvPr>
             <p:ph type="pic" sz="quarter" idx="21"/>
           </p:nvPr>
@@ -1885,14 +1964,16 @@
           </a:bodyPr>
           <a:lstStyle/>
           <a:p>
-            <a:pPr/>
+            <a:endParaRPr/>
           </a:p>
         </p:txBody>
       </p:sp>
       <p:sp>
         <p:nvSpPr>
           <p:cNvPr id="84" name="Image"/>
-          <p:cNvSpPr/>
+          <p:cNvSpPr>
+            <a:spLocks noGrp="1"/>
+          </p:cNvSpPr>
           <p:nvPr>
             <p:ph type="pic" sz="quarter" idx="22"/>
           </p:nvPr>
@@ -1912,14 +1993,16 @@
           </a:bodyPr>
           <a:lstStyle/>
           <a:p>
-            <a:pPr/>
+            <a:endParaRPr/>
           </a:p>
         </p:txBody>
       </p:sp>
       <p:sp>
         <p:nvSpPr>
           <p:cNvPr id="85" name="Image"/>
-          <p:cNvSpPr/>
+          <p:cNvSpPr>
+            <a:spLocks noGrp="1"/>
+          </p:cNvSpPr>
           <p:nvPr>
             <p:ph type="pic" idx="23"/>
           </p:nvPr>
@@ -1939,14 +2022,16 @@
           </a:bodyPr>
           <a:lstStyle/>
           <a:p>
-            <a:pPr/>
+            <a:endParaRPr/>
           </a:p>
         </p:txBody>
       </p:sp>
       <p:sp>
         <p:nvSpPr>
           <p:cNvPr id="86" name="Slide Number"/>
-          <p:cNvSpPr txBox="1"/>
+          <p:cNvSpPr txBox="1">
+            <a:spLocks noGrp="1"/>
+          </p:cNvSpPr>
           <p:nvPr>
             <p:ph type="sldNum" sz="quarter" idx="2"/>
           </p:nvPr>
@@ -1960,8 +2045,10 @@
           <a:bodyPr/>
           <a:lstStyle/>
           <a:p>
-            <a:pPr/>
-            <a:fld id="{86CB4B4D-7CA3-9044-876B-883B54F8677D}" type="slidenum"/>
+            <a:fld id="{86CB4B4D-7CA3-9044-876B-883B54F8677D}" type="slidenum">
+              <a:t>‹#›</a:t>
+            </a:fld>
+            <a:endParaRPr/>
           </a:p>
         </p:txBody>
       </p:sp>
@@ -1970,18 +2057,19 @@
   <p:clrMapOvr>
     <a:masterClrMapping/>
   </p:clrMapOvr>
-  <p:transition xmlns:p14="http://schemas.microsoft.com/office/powerpoint/2010/main" spd="med" advClick="1"/>
+  <p:transition spd="med"/>
 </p:sldLayout>
 </file>
 
 <file path=ppt/slideMasters/slideMaster1.xml><?xml version="1.0" encoding="utf-8"?>
-<p:sldMaster xmlns:a="http://schemas.openxmlformats.org/drawingml/2006/main" xmlns:r="http://schemas.openxmlformats.org/officeDocument/2006/relationships" xmlns:p="http://schemas.openxmlformats.org/presentationml/2006/main" xmlns:m="http://schemas.openxmlformats.org/officeDocument/2006/math" xmlns:a14="http://schemas.microsoft.com/office/drawing/2010/main">
+<p:sldMaster xmlns:a="http://schemas.openxmlformats.org/drawingml/2006/main" xmlns:r="http://schemas.openxmlformats.org/officeDocument/2006/relationships" xmlns:p="http://schemas.openxmlformats.org/presentationml/2006/main">
   <p:cSld>
     <p:bg>
       <p:bgPr>
         <a:solidFill>
           <a:srgbClr val="FFFFFF"/>
         </a:solidFill>
+        <a:effectLst/>
       </p:bgPr>
     </p:bg>
     <p:spTree>
@@ -2001,7 +2089,9 @@
       <p:sp>
         <p:nvSpPr>
           <p:cNvPr id="2" name="Title Text"/>
-          <p:cNvSpPr txBox="1"/>
+          <p:cNvSpPr txBox="1">
+            <a:spLocks noGrp="1"/>
+          </p:cNvSpPr>
           <p:nvPr>
             <p:ph type="title"/>
           </p:nvPr>
@@ -2019,17 +2109,16 @@
           </a:ln>
           <a:extLst>
             <a:ext uri="{C572A759-6A51-4108-AA02-DFA0A04FC94B}">
-              <ma14:wrappingTextBoxFlag xmlns:ma14="http://schemas.microsoft.com/office/mac/drawingml/2011/main" val="1"/>
+              <ma14:wrappingTextBoxFlag xmlns="" xmlns:m="http://schemas.openxmlformats.org/officeDocument/2006/math" xmlns:a14="http://schemas.microsoft.com/office/drawing/2010/main" xmlns:ma14="http://schemas.microsoft.com/office/mac/drawingml/2011/main" val="1"/>
             </a:ext>
           </a:extLst>
         </p:spPr>
         <p:txBody>
           <a:bodyPr lIns="38100" tIns="38100" rIns="38100" bIns="38100" anchor="b">
-            <a:normAutofit fontScale="100000" lnSpcReduction="0"/>
+            <a:normAutofit/>
           </a:bodyPr>
           <a:lstStyle/>
           <a:p>
-            <a:pPr/>
             <a:r>
               <a:t>Title Text</a:t>
             </a:r>
@@ -2039,7 +2128,9 @@
       <p:sp>
         <p:nvSpPr>
           <p:cNvPr id="3" name="Body Level One…"/>
-          <p:cNvSpPr txBox="1"/>
+          <p:cNvSpPr txBox="1">
+            <a:spLocks noGrp="1"/>
+          </p:cNvSpPr>
           <p:nvPr>
             <p:ph type="body" idx="1"/>
           </p:nvPr>
@@ -2057,17 +2148,16 @@
           </a:ln>
           <a:extLst>
             <a:ext uri="{C572A759-6A51-4108-AA02-DFA0A04FC94B}">
-              <ma14:wrappingTextBoxFlag xmlns:ma14="http://schemas.microsoft.com/office/mac/drawingml/2011/main" val="1"/>
+              <ma14:wrappingTextBoxFlag xmlns="" xmlns:m="http://schemas.openxmlformats.org/officeDocument/2006/math" xmlns:a14="http://schemas.microsoft.com/office/drawing/2010/main" xmlns:ma14="http://schemas.microsoft.com/office/mac/drawingml/2011/main" val="1"/>
             </a:ext>
           </a:extLst>
         </p:spPr>
         <p:txBody>
           <a:bodyPr lIns="38100" tIns="38100" rIns="38100" bIns="38100">
-            <a:normAutofit fontScale="100000" lnSpcReduction="0"/>
+            <a:normAutofit/>
           </a:bodyPr>
           <a:lstStyle/>
           <a:p>
-            <a:pPr/>
             <a:r>
               <a:t>Body Level One</a:t>
             </a:r>
@@ -2101,7 +2191,9 @@
       <p:sp>
         <p:nvSpPr>
           <p:cNvPr id="4" name="Slide Number"/>
-          <p:cNvSpPr txBox="1"/>
+          <p:cNvSpPr txBox="1">
+            <a:spLocks noGrp="1"/>
+          </p:cNvSpPr>
           <p:nvPr>
             <p:ph type="sldNum" sz="quarter" idx="2"/>
           </p:nvPr>
@@ -2124,7 +2216,7 @@
           </a:bodyPr>
           <a:lstStyle>
             <a:lvl1pPr>
-              <a:defRPr b="0" sz="1600">
+              <a:defRPr sz="1600" b="0">
                 <a:solidFill>
                   <a:srgbClr val="000000"/>
                 </a:solidFill>
@@ -2136,8 +2228,10 @@
             </a:lvl1pPr>
           </a:lstStyle>
           <a:p>
-            <a:pPr/>
-            <a:fld id="{86CB4B4D-7CA3-9044-876B-883B54F8677D}" type="slidenum"/>
+            <a:fld id="{86CB4B4D-7CA3-9044-876B-883B54F8677D}" type="slidenum">
+              <a:t>‹#›</a:t>
+            </a:fld>
+            <a:endParaRPr/>
           </a:p>
         </p:txBody>
       </p:sp>
@@ -2145,20 +2239,20 @@
   </p:cSld>
   <p:clrMap bg1="lt1" tx1="dk1" bg2="lt2" tx2="dk2" accent1="accent1" accent2="accent2" accent3="accent3" accent4="accent4" accent5="accent5" accent6="accent6" hlink="hlink" folHlink="folHlink"/>
   <p:sldLayoutIdLst>
-    <p:sldLayoutId id="2147483649" r:id="rId2"/>
-    <p:sldLayoutId id="2147483650" r:id="rId3"/>
-    <p:sldLayoutId id="2147483651" r:id="rId4"/>
-    <p:sldLayoutId id="2147483652" r:id="rId5"/>
-    <p:sldLayoutId id="2147483653" r:id="rId6"/>
-    <p:sldLayoutId id="2147483654" r:id="rId7"/>
-    <p:sldLayoutId id="2147483655" r:id="rId8"/>
-    <p:sldLayoutId id="2147483656" r:id="rId9"/>
-    <p:sldLayoutId id="2147483657" r:id="rId10"/>
-    <p:sldLayoutId id="2147483658" r:id="rId11"/>
-    <p:sldLayoutId id="2147483659" r:id="rId12"/>
-    <p:sldLayoutId id="2147483660" r:id="rId13"/>
+    <p:sldLayoutId id="2147483649" r:id="rId1"/>
+    <p:sldLayoutId id="2147483650" r:id="rId2"/>
+    <p:sldLayoutId id="2147483651" r:id="rId3"/>
+    <p:sldLayoutId id="2147483652" r:id="rId4"/>
+    <p:sldLayoutId id="2147483653" r:id="rId5"/>
+    <p:sldLayoutId id="2147483654" r:id="rId6"/>
+    <p:sldLayoutId id="2147483655" r:id="rId7"/>
+    <p:sldLayoutId id="2147483656" r:id="rId8"/>
+    <p:sldLayoutId id="2147483657" r:id="rId9"/>
+    <p:sldLayoutId id="2147483658" r:id="rId10"/>
+    <p:sldLayoutId id="2147483659" r:id="rId11"/>
+    <p:sldLayoutId id="2147483660" r:id="rId12"/>
   </p:sldLayoutIdLst>
-  <p:transition xmlns:p14="http://schemas.microsoft.com/office/powerpoint/2010/main" spd="med" advClick="1"/>
+  <p:transition spd="med"/>
   <p:txStyles>
     <p:titleStyle>
       <a:lvl1pPr marL="0" marR="0" indent="0" algn="ctr" defTabSz="584200" rtl="0" latinLnBrk="0">
@@ -2176,7 +2270,7 @@
         <a:buFontTx/>
         <a:buNone/>
         <a:tabLst/>
-        <a:defRPr b="0" baseline="0" cap="none" i="0" spc="0" strike="noStrike" sz="7800" u="none">
+        <a:defRPr sz="7800" b="0" i="0" u="none" strike="noStrike" cap="none" spc="0" baseline="0">
           <a:solidFill>
             <a:srgbClr val="000000"/>
           </a:solidFill>
@@ -2202,7 +2296,7 @@
         <a:buFontTx/>
         <a:buNone/>
         <a:tabLst/>
-        <a:defRPr b="0" baseline="0" cap="none" i="0" spc="0" strike="noStrike" sz="7800" u="none">
+        <a:defRPr sz="7800" b="0" i="0" u="none" strike="noStrike" cap="none" spc="0" baseline="0">
           <a:solidFill>
             <a:srgbClr val="000000"/>
           </a:solidFill>
@@ -2228,7 +2322,7 @@
         <a:buFontTx/>
         <a:buNone/>
         <a:tabLst/>
-        <a:defRPr b="0" baseline="0" cap="none" i="0" spc="0" strike="noStrike" sz="7800" u="none">
+        <a:defRPr sz="7800" b="0" i="0" u="none" strike="noStrike" cap="none" spc="0" baseline="0">
           <a:solidFill>
             <a:srgbClr val="000000"/>
           </a:solidFill>
@@ -2254,7 +2348,7 @@
         <a:buFontTx/>
         <a:buNone/>
         <a:tabLst/>
-        <a:defRPr b="0" baseline="0" cap="none" i="0" spc="0" strike="noStrike" sz="7800" u="none">
+        <a:defRPr sz="7800" b="0" i="0" u="none" strike="noStrike" cap="none" spc="0" baseline="0">
           <a:solidFill>
             <a:srgbClr val="000000"/>
           </a:solidFill>
@@ -2280,7 +2374,7 @@
         <a:buFontTx/>
         <a:buNone/>
         <a:tabLst/>
-        <a:defRPr b="0" baseline="0" cap="none" i="0" spc="0" strike="noStrike" sz="7800" u="none">
+        <a:defRPr sz="7800" b="0" i="0" u="none" strike="noStrike" cap="none" spc="0" baseline="0">
           <a:solidFill>
             <a:srgbClr val="000000"/>
           </a:solidFill>
@@ -2306,7 +2400,7 @@
         <a:buFontTx/>
         <a:buNone/>
         <a:tabLst/>
-        <a:defRPr b="0" baseline="0" cap="none" i="0" spc="0" strike="noStrike" sz="7800" u="none">
+        <a:defRPr sz="7800" b="0" i="0" u="none" strike="noStrike" cap="none" spc="0" baseline="0">
           <a:solidFill>
             <a:srgbClr val="000000"/>
           </a:solidFill>
@@ -2332,7 +2426,7 @@
         <a:buFontTx/>
         <a:buNone/>
         <a:tabLst/>
-        <a:defRPr b="0" baseline="0" cap="none" i="0" spc="0" strike="noStrike" sz="7800" u="none">
+        <a:defRPr sz="7800" b="0" i="0" u="none" strike="noStrike" cap="none" spc="0" baseline="0">
           <a:solidFill>
             <a:srgbClr val="000000"/>
           </a:solidFill>
@@ -2358,7 +2452,7 @@
         <a:buFontTx/>
         <a:buNone/>
         <a:tabLst/>
-        <a:defRPr b="0" baseline="0" cap="none" i="0" spc="0" strike="noStrike" sz="7800" u="none">
+        <a:defRPr sz="7800" b="0" i="0" u="none" strike="noStrike" cap="none" spc="0" baseline="0">
           <a:solidFill>
             <a:srgbClr val="000000"/>
           </a:solidFill>
@@ -2384,7 +2478,7 @@
         <a:buFontTx/>
         <a:buNone/>
         <a:tabLst/>
-        <a:defRPr b="0" baseline="0" cap="none" i="0" spc="0" strike="noStrike" sz="7800" u="none">
+        <a:defRPr sz="7800" b="0" i="0" u="none" strike="noStrike" cap="none" spc="0" baseline="0">
           <a:solidFill>
             <a:srgbClr val="000000"/>
           </a:solidFill>
@@ -2412,7 +2506,7 @@
         <a:buFontTx/>
         <a:buNone/>
         <a:tabLst/>
-        <a:defRPr b="0" baseline="0" cap="none" i="0" spc="0" strike="noStrike" sz="3000" u="none">
+        <a:defRPr sz="3000" b="0" i="0" u="none" strike="noStrike" cap="none" spc="0" baseline="0">
           <a:solidFill>
             <a:srgbClr val="000000"/>
           </a:solidFill>
@@ -2438,7 +2532,7 @@
         <a:buFontTx/>
         <a:buNone/>
         <a:tabLst/>
-        <a:defRPr b="0" baseline="0" cap="none" i="0" spc="0" strike="noStrike" sz="3000" u="none">
+        <a:defRPr sz="3000" b="0" i="0" u="none" strike="noStrike" cap="none" spc="0" baseline="0">
           <a:solidFill>
             <a:srgbClr val="000000"/>
           </a:solidFill>
@@ -2464,7 +2558,7 @@
         <a:buFontTx/>
         <a:buNone/>
         <a:tabLst/>
-        <a:defRPr b="0" baseline="0" cap="none" i="0" spc="0" strike="noStrike" sz="3000" u="none">
+        <a:defRPr sz="3000" b="0" i="0" u="none" strike="noStrike" cap="none" spc="0" baseline="0">
           <a:solidFill>
             <a:srgbClr val="000000"/>
           </a:solidFill>
@@ -2490,7 +2584,7 @@
         <a:buFontTx/>
         <a:buNone/>
         <a:tabLst/>
-        <a:defRPr b="0" baseline="0" cap="none" i="0" spc="0" strike="noStrike" sz="3000" u="none">
+        <a:defRPr sz="3000" b="0" i="0" u="none" strike="noStrike" cap="none" spc="0" baseline="0">
           <a:solidFill>
             <a:srgbClr val="000000"/>
           </a:solidFill>
@@ -2516,7 +2610,7 @@
         <a:buFontTx/>
         <a:buNone/>
         <a:tabLst/>
-        <a:defRPr b="0" baseline="0" cap="none" i="0" spc="0" strike="noStrike" sz="3000" u="none">
+        <a:defRPr sz="3000" b="0" i="0" u="none" strike="noStrike" cap="none" spc="0" baseline="0">
           <a:solidFill>
             <a:srgbClr val="000000"/>
           </a:solidFill>
@@ -2542,7 +2636,7 @@
         <a:buFontTx/>
         <a:buNone/>
         <a:tabLst/>
-        <a:defRPr b="0" baseline="0" cap="none" i="0" spc="0" strike="noStrike" sz="3000" u="none">
+        <a:defRPr sz="3000" b="0" i="0" u="none" strike="noStrike" cap="none" spc="0" baseline="0">
           <a:solidFill>
             <a:srgbClr val="000000"/>
           </a:solidFill>
@@ -2568,7 +2662,7 @@
         <a:buFontTx/>
         <a:buNone/>
         <a:tabLst/>
-        <a:defRPr b="0" baseline="0" cap="none" i="0" spc="0" strike="noStrike" sz="3000" u="none">
+        <a:defRPr sz="3000" b="0" i="0" u="none" strike="noStrike" cap="none" spc="0" baseline="0">
           <a:solidFill>
             <a:srgbClr val="000000"/>
           </a:solidFill>
@@ -2594,7 +2688,7 @@
         <a:buFontTx/>
         <a:buNone/>
         <a:tabLst/>
-        <a:defRPr b="0" baseline="0" cap="none" i="0" spc="0" strike="noStrike" sz="3000" u="none">
+        <a:defRPr sz="3000" b="0" i="0" u="none" strike="noStrike" cap="none" spc="0" baseline="0">
           <a:solidFill>
             <a:srgbClr val="000000"/>
           </a:solidFill>
@@ -2620,7 +2714,7 @@
         <a:buFontTx/>
         <a:buNone/>
         <a:tabLst/>
-        <a:defRPr b="0" baseline="0" cap="none" i="0" spc="0" strike="noStrike" sz="3000" u="none">
+        <a:defRPr sz="3000" b="0" i="0" u="none" strike="noStrike" cap="none" spc="0" baseline="0">
           <a:solidFill>
             <a:srgbClr val="000000"/>
           </a:solidFill>
@@ -2648,7 +2742,7 @@
         <a:buFontTx/>
         <a:buNone/>
         <a:tabLst/>
-        <a:defRPr b="0" baseline="0" cap="none" i="0" spc="0" strike="noStrike" sz="1600" u="none">
+        <a:defRPr sz="1600" b="0" i="0" u="none" strike="noStrike" cap="none" spc="0" baseline="0">
           <a:solidFill>
             <a:schemeClr val="tx1"/>
           </a:solidFill>
@@ -2674,7 +2768,7 @@
         <a:buFontTx/>
         <a:buNone/>
         <a:tabLst/>
-        <a:defRPr b="0" baseline="0" cap="none" i="0" spc="0" strike="noStrike" sz="1600" u="none">
+        <a:defRPr sz="1600" b="0" i="0" u="none" strike="noStrike" cap="none" spc="0" baseline="0">
           <a:solidFill>
             <a:schemeClr val="tx1"/>
           </a:solidFill>
@@ -2700,7 +2794,7 @@
         <a:buFontTx/>
         <a:buNone/>
         <a:tabLst/>
-        <a:defRPr b="0" baseline="0" cap="none" i="0" spc="0" strike="noStrike" sz="1600" u="none">
+        <a:defRPr sz="1600" b="0" i="0" u="none" strike="noStrike" cap="none" spc="0" baseline="0">
           <a:solidFill>
             <a:schemeClr val="tx1"/>
           </a:solidFill>
@@ -2726,7 +2820,7 @@
         <a:buFontTx/>
         <a:buNone/>
         <a:tabLst/>
-        <a:defRPr b="0" baseline="0" cap="none" i="0" spc="0" strike="noStrike" sz="1600" u="none">
+        <a:defRPr sz="1600" b="0" i="0" u="none" strike="noStrike" cap="none" spc="0" baseline="0">
           <a:solidFill>
             <a:schemeClr val="tx1"/>
           </a:solidFill>
@@ -2752,7 +2846,7 @@
         <a:buFontTx/>
         <a:buNone/>
         <a:tabLst/>
-        <a:defRPr b="0" baseline="0" cap="none" i="0" spc="0" strike="noStrike" sz="1600" u="none">
+        <a:defRPr sz="1600" b="0" i="0" u="none" strike="noStrike" cap="none" spc="0" baseline="0">
           <a:solidFill>
             <a:schemeClr val="tx1"/>
           </a:solidFill>
@@ -2778,7 +2872,7 @@
         <a:buFontTx/>
         <a:buNone/>
         <a:tabLst/>
-        <a:defRPr b="0" baseline="0" cap="none" i="0" spc="0" strike="noStrike" sz="1600" u="none">
+        <a:defRPr sz="1600" b="0" i="0" u="none" strike="noStrike" cap="none" spc="0" baseline="0">
           <a:solidFill>
             <a:schemeClr val="tx1"/>
           </a:solidFill>
@@ -2804,7 +2898,7 @@
         <a:buFontTx/>
         <a:buNone/>
         <a:tabLst/>
-        <a:defRPr b="0" baseline="0" cap="none" i="0" spc="0" strike="noStrike" sz="1600" u="none">
+        <a:defRPr sz="1600" b="0" i="0" u="none" strike="noStrike" cap="none" spc="0" baseline="0">
           <a:solidFill>
             <a:schemeClr val="tx1"/>
           </a:solidFill>
@@ -2830,7 +2924,7 @@
         <a:buFontTx/>
         <a:buNone/>
         <a:tabLst/>
-        <a:defRPr b="0" baseline="0" cap="none" i="0" spc="0" strike="noStrike" sz="1600" u="none">
+        <a:defRPr sz="1600" b="0" i="0" u="none" strike="noStrike" cap="none" spc="0" baseline="0">
           <a:solidFill>
             <a:schemeClr val="tx1"/>
           </a:solidFill>
@@ -2856,7 +2950,7 @@
         <a:buFontTx/>
         <a:buNone/>
         <a:tabLst/>
-        <a:defRPr b="0" baseline="0" cap="none" i="0" spc="0" strike="noStrike" sz="1600" u="none">
+        <a:defRPr sz="1600" b="0" i="0" u="none" strike="noStrike" cap="none" spc="0" baseline="0">
           <a:solidFill>
             <a:schemeClr val="tx1"/>
           </a:solidFill>
@@ -2873,7 +2967,7 @@
 </file>
 
 <file path=ppt/slides/slide1.xml><?xml version="1.0" encoding="utf-8"?>
-<p:sld xmlns:a="http://schemas.openxmlformats.org/drawingml/2006/main" xmlns:r="http://schemas.openxmlformats.org/officeDocument/2006/relationships" xmlns:p="http://schemas.openxmlformats.org/presentationml/2006/main" xmlns:m="http://schemas.openxmlformats.org/officeDocument/2006/math" xmlns:a14="http://schemas.microsoft.com/office/drawing/2010/main" showMasterSp="1" showMasterPhAnim="1">
+<p:sld xmlns:a="http://schemas.openxmlformats.org/drawingml/2006/main" xmlns:r="http://schemas.openxmlformats.org/officeDocument/2006/relationships" xmlns:p="http://schemas.openxmlformats.org/presentationml/2006/main">
   <p:cSld>
     <p:spTree>
       <p:nvGrpSpPr>
@@ -2908,7 +3002,7 @@
           </a:ln>
           <a:extLst>
             <a:ext uri="{C572A759-6A51-4108-AA02-DFA0A04FC94B}">
-              <ma14:wrappingTextBoxFlag xmlns:ma14="http://schemas.microsoft.com/office/mac/drawingml/2011/main" val="1"/>
+              <ma14:wrappingTextBoxFlag xmlns="" xmlns:m="http://schemas.openxmlformats.org/officeDocument/2006/math" xmlns:a14="http://schemas.microsoft.com/office/drawing/2010/main" xmlns:ma14="http://schemas.microsoft.com/office/mac/drawingml/2011/main" val="1"/>
             </a:ext>
           </a:extLst>
         </p:spPr>
@@ -2919,7 +3013,7 @@
           <a:lstStyle/>
           <a:p>
             <a:pPr>
-              <a:defRPr b="0" sz="8300">
+              <a:defRPr sz="8300" b="0">
                 <a:solidFill>
                   <a:srgbClr val="000000"/>
                 </a:solidFill>
@@ -2935,7 +3029,7 @@
           </a:p>
           <a:p>
             <a:pPr>
-              <a:defRPr b="0" sz="8300">
+              <a:defRPr sz="8300" b="0">
                 <a:solidFill>
                   <a:srgbClr val="000000"/>
                 </a:solidFill>
@@ -2951,7 +3045,7 @@
           </a:p>
           <a:p>
             <a:pPr>
-              <a:defRPr b="0" sz="8300">
+              <a:defRPr sz="8300" b="0">
                 <a:solidFill>
                   <a:srgbClr val="000000"/>
                 </a:solidFill>
@@ -2967,7 +3061,7 @@
           </a:p>
           <a:p>
             <a:pPr>
-              <a:defRPr b="0" sz="7900">
+              <a:defRPr sz="7900" b="0">
                 <a:solidFill>
                   <a:srgbClr val="FFFFFF"/>
                 </a:solidFill>
@@ -2977,10 +3071,11 @@
                 <a:sym typeface="Circular Std Bold"/>
               </a:defRPr>
             </a:pPr>
+            <a:endParaRPr/>
           </a:p>
           <a:p>
             <a:pPr>
-              <a:defRPr b="0" sz="5900">
+              <a:defRPr sz="5900" b="0">
                 <a:solidFill>
                   <a:srgbClr val="000000"/>
                 </a:solidFill>
@@ -3005,9 +3100,7 @@
           <p:nvPr/>
         </p:nvPicPr>
         <p:blipFill>
-          <a:blip r:embed="rId2">
-            <a:extLst/>
-          </a:blip>
+          <a:blip r:embed="rId2"/>
           <a:stretch>
             <a:fillRect/>
           </a:stretch>
@@ -3034,9 +3127,7 @@
           <p:nvPr/>
         </p:nvPicPr>
         <p:blipFill>
-          <a:blip r:embed="rId3">
-            <a:extLst/>
-          </a:blip>
+          <a:blip r:embed="rId3"/>
           <a:stretch>
             <a:fillRect/>
           </a:stretch>
@@ -3059,12 +3150,12 @@
   <p:clrMapOvr>
     <a:masterClrMapping/>
   </p:clrMapOvr>
-  <p:transition xmlns:p14="http://schemas.microsoft.com/office/powerpoint/2010/main" spd="med" advClick="1"/>
+  <p:transition spd="med"/>
 </p:sld>
 </file>
 
 <file path=ppt/slides/slide10.xml><?xml version="1.0" encoding="utf-8"?>
-<p:sld xmlns:a="http://schemas.openxmlformats.org/drawingml/2006/main" xmlns:r="http://schemas.openxmlformats.org/officeDocument/2006/relationships" xmlns:p="http://schemas.openxmlformats.org/presentationml/2006/main" xmlns:m="http://schemas.openxmlformats.org/officeDocument/2006/math" xmlns:a14="http://schemas.microsoft.com/office/drawing/2010/main" showMasterSp="1" showMasterPhAnim="1">
+<p:sld xmlns:a="http://schemas.openxmlformats.org/drawingml/2006/main" xmlns:r="http://schemas.openxmlformats.org/officeDocument/2006/relationships" xmlns:p="http://schemas.openxmlformats.org/presentationml/2006/main">
   <p:cSld>
     <p:spTree>
       <p:nvGrpSpPr>
@@ -3099,7 +3190,7 @@
           </a:ln>
           <a:extLst>
             <a:ext uri="{C572A759-6A51-4108-AA02-DFA0A04FC94B}">
-              <ma14:wrappingTextBoxFlag xmlns:ma14="http://schemas.microsoft.com/office/mac/drawingml/2011/main" val="1"/>
+              <ma14:wrappingTextBoxFlag xmlns="" xmlns:m="http://schemas.openxmlformats.org/officeDocument/2006/math" xmlns:a14="http://schemas.microsoft.com/office/drawing/2010/main" xmlns:ma14="http://schemas.microsoft.com/office/mac/drawingml/2011/main" val="1"/>
             </a:ext>
           </a:extLst>
         </p:spPr>
@@ -3166,7 +3257,7 @@
           </a:ln>
           <a:extLst>
             <a:ext uri="{C572A759-6A51-4108-AA02-DFA0A04FC94B}">
-              <ma14:wrappingTextBoxFlag xmlns:ma14="http://schemas.microsoft.com/office/mac/drawingml/2011/main" val="1"/>
+              <ma14:wrappingTextBoxFlag xmlns="" xmlns:m="http://schemas.openxmlformats.org/officeDocument/2006/math" xmlns:a14="http://schemas.microsoft.com/office/drawing/2010/main" xmlns:ma14="http://schemas.microsoft.com/office/mac/drawingml/2011/main" val="1"/>
             </a:ext>
           </a:extLst>
         </p:spPr>
@@ -3180,7 +3271,7 @@
               <a:spcBef>
                 <a:spcPts val="500"/>
               </a:spcBef>
-              <a:defRPr b="0" sz="3500">
+              <a:defRPr sz="3500" b="0">
                 <a:latin typeface="Helvetica"/>
                 <a:ea typeface="Helvetica"/>
                 <a:cs typeface="Helvetica"/>
@@ -3191,7 +3282,7 @@
               <a:t>An attribute accessor, with the syntax </a:t>
             </a:r>
             <a:r>
-              <a:rPr b="1" sz="3600">
+              <a:rPr sz="3600" b="1">
                 <a:solidFill>
                   <a:srgbClr val="FA1116"/>
                 </a:solidFill>
@@ -3248,7 +3339,7 @@
           </a:ln>
           <a:extLst>
             <a:ext uri="{C572A759-6A51-4108-AA02-DFA0A04FC94B}">
-              <ma14:wrappingTextBoxFlag xmlns:ma14="http://schemas.microsoft.com/office/mac/drawingml/2011/main" val="1"/>
+              <ma14:wrappingTextBoxFlag xmlns="" xmlns:m="http://schemas.openxmlformats.org/officeDocument/2006/math" xmlns:a14="http://schemas.microsoft.com/office/drawing/2010/main" xmlns:ma14="http://schemas.microsoft.com/office/mac/drawingml/2011/main" val="1"/>
             </a:ext>
           </a:extLst>
         </p:spPr>
@@ -3277,7 +3368,7 @@
                 <a:tab pos="8724900" algn="l"/>
                 <a:tab pos="9296400" algn="l"/>
               </a:tabLst>
-              <a:defRPr b="0" sz="2700">
+              <a:defRPr sz="2700" b="0">
                 <a:solidFill>
                   <a:schemeClr val="accent1">
                     <a:hueOff val="273561"/>
@@ -3315,7 +3406,7 @@
                 <a:tab pos="8724900" algn="l"/>
                 <a:tab pos="9296400" algn="l"/>
               </a:tabLst>
-              <a:defRPr b="0" sz="2700">
+              <a:defRPr sz="2700" b="0">
                 <a:solidFill>
                   <a:schemeClr val="accent1">
                     <a:hueOff val="273561"/>
@@ -3367,42 +3458,43 @@
                 <a:tab pos="8724900" algn="l"/>
                 <a:tab pos="9296400" algn="l"/>
               </a:tabLst>
-              <a:defRPr b="0" sz="2700">
-                <a:solidFill>
-                  <a:schemeClr val="accent1">
-                    <a:hueOff val="273561"/>
-                    <a:satOff val="2937"/>
-                    <a:lumOff val="-22233"/>
-                  </a:schemeClr>
-                </a:solidFill>
-                <a:latin typeface="Consolas"/>
-                <a:ea typeface="Consolas"/>
-                <a:cs typeface="Consolas"/>
-                <a:sym typeface="Consolas"/>
-              </a:defRPr>
-            </a:pPr>
-          </a:p>
-          <a:p>
-            <a:pPr algn="l" defTabSz="457200">
-              <a:tabLst>
-                <a:tab pos="571500" algn="l"/>
-                <a:tab pos="1155700" algn="l"/>
-                <a:tab pos="1739900" algn="l"/>
-                <a:tab pos="2324100" algn="l"/>
-                <a:tab pos="2908300" algn="l"/>
-                <a:tab pos="3479800" algn="l"/>
-                <a:tab pos="4064000" algn="l"/>
-                <a:tab pos="4648200" algn="l"/>
-                <a:tab pos="5232400" algn="l"/>
-                <a:tab pos="5816600" algn="l"/>
-                <a:tab pos="6388100" algn="l"/>
-                <a:tab pos="6972300" algn="l"/>
-                <a:tab pos="7556500" algn="l"/>
-                <a:tab pos="8140700" algn="l"/>
-                <a:tab pos="8724900" algn="l"/>
-                <a:tab pos="9296400" algn="l"/>
-              </a:tabLst>
-              <a:defRPr b="0" sz="2700">
+              <a:defRPr sz="2700" b="0">
+                <a:solidFill>
+                  <a:schemeClr val="accent1">
+                    <a:hueOff val="273561"/>
+                    <a:satOff val="2937"/>
+                    <a:lumOff val="-22233"/>
+                  </a:schemeClr>
+                </a:solidFill>
+                <a:latin typeface="Consolas"/>
+                <a:ea typeface="Consolas"/>
+                <a:cs typeface="Consolas"/>
+                <a:sym typeface="Consolas"/>
+              </a:defRPr>
+            </a:pPr>
+            <a:endParaRPr/>
+          </a:p>
+          <a:p>
+            <a:pPr algn="l" defTabSz="457200">
+              <a:tabLst>
+                <a:tab pos="571500" algn="l"/>
+                <a:tab pos="1155700" algn="l"/>
+                <a:tab pos="1739900" algn="l"/>
+                <a:tab pos="2324100" algn="l"/>
+                <a:tab pos="2908300" algn="l"/>
+                <a:tab pos="3479800" algn="l"/>
+                <a:tab pos="4064000" algn="l"/>
+                <a:tab pos="4648200" algn="l"/>
+                <a:tab pos="5232400" algn="l"/>
+                <a:tab pos="5816600" algn="l"/>
+                <a:tab pos="6388100" algn="l"/>
+                <a:tab pos="6972300" algn="l"/>
+                <a:tab pos="7556500" algn="l"/>
+                <a:tab pos="8140700" algn="l"/>
+                <a:tab pos="8724900" algn="l"/>
+                <a:tab pos="9296400" algn="l"/>
+              </a:tabLst>
+              <a:defRPr sz="2700" b="0">
                 <a:solidFill>
                   <a:schemeClr val="accent1">
                     <a:hueOff val="273561"/>
@@ -3440,7 +3532,7 @@
                 <a:tab pos="8724900" algn="l"/>
                 <a:tab pos="9296400" algn="l"/>
               </a:tabLst>
-              <a:defRPr b="0" sz="2700">
+              <a:defRPr sz="2700" b="0">
                 <a:solidFill>
                   <a:schemeClr val="accent1">
                     <a:hueOff val="273561"/>
@@ -3478,7 +3570,7 @@
                 <a:tab pos="8724900" algn="l"/>
                 <a:tab pos="9296400" algn="l"/>
               </a:tabLst>
-              <a:defRPr b="0" sz="2700">
+              <a:defRPr sz="2700" b="0">
                 <a:solidFill>
                   <a:schemeClr val="accent1">
                     <a:hueOff val="273561"/>
@@ -3516,7 +3608,7 @@
                 <a:tab pos="8724900" algn="l"/>
                 <a:tab pos="9296400" algn="l"/>
               </a:tabLst>
-              <a:defRPr b="0" sz="2700">
+              <a:defRPr sz="2700" b="0">
                 <a:solidFill>
                   <a:schemeClr val="accent1">
                     <a:hueOff val="273561"/>
@@ -3557,42 +3649,43 @@
                 <a:tab pos="8724900" algn="l"/>
                 <a:tab pos="9296400" algn="l"/>
               </a:tabLst>
-              <a:defRPr b="0" sz="2700">
-                <a:solidFill>
-                  <a:schemeClr val="accent1">
-                    <a:hueOff val="273561"/>
-                    <a:satOff val="2937"/>
-                    <a:lumOff val="-22233"/>
-                  </a:schemeClr>
-                </a:solidFill>
-                <a:latin typeface="Consolas"/>
-                <a:ea typeface="Consolas"/>
-                <a:cs typeface="Consolas"/>
-                <a:sym typeface="Consolas"/>
-              </a:defRPr>
-            </a:pPr>
-          </a:p>
-          <a:p>
-            <a:pPr algn="l" defTabSz="457200">
-              <a:tabLst>
-                <a:tab pos="571500" algn="l"/>
-                <a:tab pos="1155700" algn="l"/>
-                <a:tab pos="1739900" algn="l"/>
-                <a:tab pos="2324100" algn="l"/>
-                <a:tab pos="2908300" algn="l"/>
-                <a:tab pos="3479800" algn="l"/>
-                <a:tab pos="4064000" algn="l"/>
-                <a:tab pos="4648200" algn="l"/>
-                <a:tab pos="5232400" algn="l"/>
-                <a:tab pos="5816600" algn="l"/>
-                <a:tab pos="6388100" algn="l"/>
-                <a:tab pos="6972300" algn="l"/>
-                <a:tab pos="7556500" algn="l"/>
-                <a:tab pos="8140700" algn="l"/>
-                <a:tab pos="8724900" algn="l"/>
-                <a:tab pos="9296400" algn="l"/>
-              </a:tabLst>
-              <a:defRPr b="0" sz="2700">
+              <a:defRPr sz="2700" b="0">
+                <a:solidFill>
+                  <a:schemeClr val="accent1">
+                    <a:hueOff val="273561"/>
+                    <a:satOff val="2937"/>
+                    <a:lumOff val="-22233"/>
+                  </a:schemeClr>
+                </a:solidFill>
+                <a:latin typeface="Consolas"/>
+                <a:ea typeface="Consolas"/>
+                <a:cs typeface="Consolas"/>
+                <a:sym typeface="Consolas"/>
+              </a:defRPr>
+            </a:pPr>
+            <a:endParaRPr/>
+          </a:p>
+          <a:p>
+            <a:pPr algn="l" defTabSz="457200">
+              <a:tabLst>
+                <a:tab pos="571500" algn="l"/>
+                <a:tab pos="1155700" algn="l"/>
+                <a:tab pos="1739900" algn="l"/>
+                <a:tab pos="2324100" algn="l"/>
+                <a:tab pos="2908300" algn="l"/>
+                <a:tab pos="3479800" algn="l"/>
+                <a:tab pos="4064000" algn="l"/>
+                <a:tab pos="4648200" algn="l"/>
+                <a:tab pos="5232400" algn="l"/>
+                <a:tab pos="5816600" algn="l"/>
+                <a:tab pos="6388100" algn="l"/>
+                <a:tab pos="6972300" algn="l"/>
+                <a:tab pos="7556500" algn="l"/>
+                <a:tab pos="8140700" algn="l"/>
+                <a:tab pos="8724900" algn="l"/>
+                <a:tab pos="9296400" algn="l"/>
+              </a:tabLst>
+              <a:defRPr sz="2700" b="0">
                 <a:solidFill>
                   <a:schemeClr val="accent1">
                     <a:hueOff val="273561"/>
@@ -3630,7 +3723,7 @@
                 <a:tab pos="8724900" algn="l"/>
                 <a:tab pos="9296400" algn="l"/>
               </a:tabLst>
-              <a:defRPr b="0" sz="2700">
+              <a:defRPr sz="2700" b="0">
                 <a:solidFill>
                   <a:schemeClr val="accent1">
                     <a:hueOff val="273561"/>
@@ -3668,7 +3761,7 @@
                 <a:tab pos="8724900" algn="l"/>
                 <a:tab pos="9296400" algn="l"/>
               </a:tabLst>
-              <a:defRPr b="0" sz="2700">
+              <a:defRPr sz="2700" b="0">
                 <a:solidFill>
                   <a:srgbClr val="53585F"/>
                 </a:solidFill>
@@ -3705,42 +3798,43 @@
                 <a:tab pos="8724900" algn="l"/>
                 <a:tab pos="9296400" algn="l"/>
               </a:tabLst>
-              <a:defRPr b="0" sz="2700">
-                <a:solidFill>
-                  <a:schemeClr val="accent1">
-                    <a:hueOff val="273561"/>
-                    <a:satOff val="2937"/>
-                    <a:lumOff val="-22233"/>
-                  </a:schemeClr>
-                </a:solidFill>
-                <a:latin typeface="Consolas"/>
-                <a:ea typeface="Consolas"/>
-                <a:cs typeface="Consolas"/>
-                <a:sym typeface="Consolas"/>
-              </a:defRPr>
-            </a:pPr>
-          </a:p>
-          <a:p>
-            <a:pPr algn="l" defTabSz="457200">
-              <a:tabLst>
-                <a:tab pos="571500" algn="l"/>
-                <a:tab pos="1155700" algn="l"/>
-                <a:tab pos="1739900" algn="l"/>
-                <a:tab pos="2324100" algn="l"/>
-                <a:tab pos="2908300" algn="l"/>
-                <a:tab pos="3479800" algn="l"/>
-                <a:tab pos="4064000" algn="l"/>
-                <a:tab pos="4648200" algn="l"/>
-                <a:tab pos="5232400" algn="l"/>
-                <a:tab pos="5816600" algn="l"/>
-                <a:tab pos="6388100" algn="l"/>
-                <a:tab pos="6972300" algn="l"/>
-                <a:tab pos="7556500" algn="l"/>
-                <a:tab pos="8140700" algn="l"/>
-                <a:tab pos="8724900" algn="l"/>
-                <a:tab pos="9296400" algn="l"/>
-              </a:tabLst>
-              <a:defRPr b="0" sz="2700">
+              <a:defRPr sz="2700" b="0">
+                <a:solidFill>
+                  <a:schemeClr val="accent1">
+                    <a:hueOff val="273561"/>
+                    <a:satOff val="2937"/>
+                    <a:lumOff val="-22233"/>
+                  </a:schemeClr>
+                </a:solidFill>
+                <a:latin typeface="Consolas"/>
+                <a:ea typeface="Consolas"/>
+                <a:cs typeface="Consolas"/>
+                <a:sym typeface="Consolas"/>
+              </a:defRPr>
+            </a:pPr>
+            <a:endParaRPr/>
+          </a:p>
+          <a:p>
+            <a:pPr algn="l" defTabSz="457200">
+              <a:tabLst>
+                <a:tab pos="571500" algn="l"/>
+                <a:tab pos="1155700" algn="l"/>
+                <a:tab pos="1739900" algn="l"/>
+                <a:tab pos="2324100" algn="l"/>
+                <a:tab pos="2908300" algn="l"/>
+                <a:tab pos="3479800" algn="l"/>
+                <a:tab pos="4064000" algn="l"/>
+                <a:tab pos="4648200" algn="l"/>
+                <a:tab pos="5232400" algn="l"/>
+                <a:tab pos="5816600" algn="l"/>
+                <a:tab pos="6388100" algn="l"/>
+                <a:tab pos="6972300" algn="l"/>
+                <a:tab pos="7556500" algn="l"/>
+                <a:tab pos="8140700" algn="l"/>
+                <a:tab pos="8724900" algn="l"/>
+                <a:tab pos="9296400" algn="l"/>
+              </a:tabLst>
+              <a:defRPr sz="2700" b="0">
                 <a:solidFill>
                   <a:schemeClr val="accent1">
                     <a:hueOff val="273561"/>
@@ -3778,7 +3872,7 @@
                 <a:tab pos="8724900" algn="l"/>
                 <a:tab pos="9296400" algn="l"/>
               </a:tabLst>
-              <a:defRPr b="0" sz="2700">
+              <a:defRPr sz="2700" b="0">
                 <a:solidFill>
                   <a:schemeClr val="accent1">
                     <a:hueOff val="273561"/>
@@ -3816,7 +3910,7 @@
                 <a:tab pos="8724900" algn="l"/>
                 <a:tab pos="9296400" algn="l"/>
               </a:tabLst>
-              <a:defRPr b="0" sz="2700">
+              <a:defRPr sz="2700" b="0">
                 <a:solidFill>
                   <a:srgbClr val="53585F"/>
                 </a:solidFill>
@@ -3837,12 +3931,12 @@
   <p:clrMapOvr>
     <a:masterClrMapping/>
   </p:clrMapOvr>
-  <p:transition xmlns:p14="http://schemas.microsoft.com/office/powerpoint/2010/main" spd="med" advClick="1"/>
+  <p:transition spd="med"/>
 </p:sld>
 </file>
 
 <file path=ppt/slides/slide11.xml><?xml version="1.0" encoding="utf-8"?>
-<p:sld xmlns:a="http://schemas.openxmlformats.org/drawingml/2006/main" xmlns:r="http://schemas.openxmlformats.org/officeDocument/2006/relationships" xmlns:p="http://schemas.openxmlformats.org/presentationml/2006/main" xmlns:m="http://schemas.openxmlformats.org/officeDocument/2006/math" xmlns:a14="http://schemas.microsoft.com/office/drawing/2010/main" showMasterSp="1" showMasterPhAnim="1">
+<p:sld xmlns:a="http://schemas.openxmlformats.org/drawingml/2006/main" xmlns:r="http://schemas.openxmlformats.org/officeDocument/2006/relationships" xmlns:p="http://schemas.openxmlformats.org/presentationml/2006/main">
   <p:cSld>
     <p:spTree>
       <p:nvGrpSpPr>
@@ -3877,7 +3971,7 @@
           </a:ln>
           <a:extLst>
             <a:ext uri="{C572A759-6A51-4108-AA02-DFA0A04FC94B}">
-              <ma14:wrappingTextBoxFlag xmlns:ma14="http://schemas.microsoft.com/office/mac/drawingml/2011/main" val="1"/>
+              <ma14:wrappingTextBoxFlag xmlns="" xmlns:m="http://schemas.openxmlformats.org/officeDocument/2006/math" xmlns:a14="http://schemas.microsoft.com/office/drawing/2010/main" xmlns:ma14="http://schemas.microsoft.com/office/mac/drawingml/2011/main" val="1"/>
             </a:ext>
           </a:extLst>
         </p:spPr>
@@ -3925,8 +4019,8 @@
         </p:nvSpPr>
         <p:spPr>
           <a:xfrm>
-            <a:off x="282653" y="1564137"/>
-            <a:ext cx="12439495" cy="8073127"/>
+            <a:off x="344774" y="1760168"/>
+            <a:ext cx="12377374" cy="8032968"/>
           </a:xfrm>
           <a:prstGeom prst="rect">
             <a:avLst/>
@@ -3936,20 +4030,17 @@
           </a:ln>
           <a:extLst>
             <a:ext uri="{C572A759-6A51-4108-AA02-DFA0A04FC94B}">
-              <ma14:wrappingTextBoxFlag xmlns:ma14="http://schemas.microsoft.com/office/mac/drawingml/2011/main" val="1"/>
+              <ma14:wrappingTextBoxFlag xmlns="" xmlns:m="http://schemas.openxmlformats.org/officeDocument/2006/math" xmlns:a14="http://schemas.microsoft.com/office/drawing/2010/main" xmlns:ma14="http://schemas.microsoft.com/office/mac/drawingml/2011/main" val="1"/>
             </a:ext>
           </a:extLst>
         </p:spPr>
         <p:txBody>
-          <a:bodyPr lIns="38100" tIns="38100" rIns="38100" bIns="38100" anchor="ctr">
+          <a:bodyPr wrap="square" lIns="38100" tIns="38100" rIns="38100" bIns="38100" anchor="ctr">
             <a:spAutoFit/>
           </a:bodyPr>
           <a:lstStyle/>
           <a:p>
             <a:pPr algn="l" defTabSz="457200">
-              <a:lnSpc>
-                <a:spcPts val="6500"/>
-              </a:lnSpc>
               <a:defRPr sz="3500">
                 <a:latin typeface="Helvetica Neue"/>
                 <a:ea typeface="Helvetica Neue"/>
@@ -3958,7 +4049,7 @@
               </a:defRPr>
             </a:pPr>
             <a:r>
-              <a:rPr sz="3600">
+              <a:rPr sz="3200" dirty="0">
                 <a:solidFill>
                   <a:srgbClr val="FA1116"/>
                 </a:solidFill>
@@ -3970,32 +4061,29 @@
               <a:t>modules</a:t>
             </a:r>
             <a:r>
+              <a:rPr sz="3200" dirty="0"/>
               <a:t> </a:t>
             </a:r>
             <a:r>
-              <a:rPr b="0"/>
+              <a:rPr sz="3200" b="0" dirty="0"/>
               <a:t>store methods which can then be shared between Classes, allowing us to keep our code DRY</a:t>
             </a:r>
-          </a:p>
-          <a:p>
-            <a:pPr algn="l" defTabSz="457200">
-              <a:lnSpc>
-                <a:spcPts val="6400"/>
-              </a:lnSpc>
-              <a:defRPr b="0" sz="3500">
+            <a:endParaRPr lang="en-CA" sz="3200" b="0" dirty="0"/>
+          </a:p>
+          <a:p>
+            <a:pPr algn="l" defTabSz="457200">
+              <a:defRPr sz="3500">
                 <a:latin typeface="Helvetica Neue"/>
                 <a:ea typeface="Helvetica Neue"/>
                 <a:cs typeface="Helvetica Neue"/>
                 <a:sym typeface="Helvetica Neue"/>
               </a:defRPr>
             </a:pPr>
-          </a:p>
-          <a:p>
-            <a:pPr algn="l" defTabSz="457200">
-              <a:lnSpc>
-                <a:spcPts val="6400"/>
-              </a:lnSpc>
-              <a:defRPr b="0" sz="3500">
+            <a:endParaRPr sz="3200" b="0" dirty="0"/>
+          </a:p>
+          <a:p>
+            <a:pPr algn="l" defTabSz="457200">
+              <a:defRPr sz="3500" b="0">
                 <a:latin typeface="Helvetica Neue"/>
                 <a:ea typeface="Helvetica Neue"/>
                 <a:cs typeface="Helvetica Neue"/>
@@ -4003,28 +4091,25 @@
               </a:defRPr>
             </a:pPr>
             <a:r>
+              <a:rPr sz="3200" dirty="0"/>
               <a:t>Like Classes, modules also hold methods, but they can’t be instantiated -&gt;  we can’t create objects from a module</a:t>
             </a:r>
-          </a:p>
-          <a:p>
-            <a:pPr algn="l" defTabSz="457200">
-              <a:lnSpc>
-                <a:spcPts val="6400"/>
-              </a:lnSpc>
-              <a:defRPr b="0" sz="3500">
+            <a:endParaRPr lang="en-CA" sz="3200" dirty="0"/>
+          </a:p>
+          <a:p>
+            <a:pPr algn="l" defTabSz="457200">
+              <a:defRPr sz="3500" b="0">
                 <a:latin typeface="Helvetica Neue"/>
                 <a:ea typeface="Helvetica Neue"/>
                 <a:cs typeface="Helvetica Neue"/>
                 <a:sym typeface="Helvetica Neue"/>
               </a:defRPr>
             </a:pPr>
-          </a:p>
-          <a:p>
-            <a:pPr algn="l" defTabSz="457200">
-              <a:lnSpc>
-                <a:spcPts val="6400"/>
-              </a:lnSpc>
-              <a:defRPr b="0" sz="3500">
+            <a:endParaRPr sz="3200" dirty="0"/>
+          </a:p>
+          <a:p>
+            <a:pPr algn="l" defTabSz="457200">
+              <a:defRPr sz="3500" b="0">
                 <a:latin typeface="Helvetica Neue"/>
                 <a:ea typeface="Helvetica Neue"/>
                 <a:cs typeface="Helvetica Neue"/>
@@ -4032,28 +4117,25 @@
               </a:defRPr>
             </a:pPr>
             <a:r>
+              <a:rPr sz="3200" dirty="0"/>
               <a:t>Modules are useful if we have methods that we want to reuse in different Classes, while keeping them in a central place to avoid repeating them everywhere</a:t>
             </a:r>
-          </a:p>
-          <a:p>
-            <a:pPr algn="l" defTabSz="457200">
-              <a:lnSpc>
-                <a:spcPts val="6400"/>
-              </a:lnSpc>
-              <a:defRPr b="0" sz="3500">
+            <a:endParaRPr lang="en-CA" sz="3200" dirty="0"/>
+          </a:p>
+          <a:p>
+            <a:pPr algn="l" defTabSz="457200">
+              <a:defRPr sz="3500" b="0">
                 <a:latin typeface="Helvetica Neue"/>
                 <a:ea typeface="Helvetica Neue"/>
                 <a:cs typeface="Helvetica Neue"/>
                 <a:sym typeface="Helvetica Neue"/>
               </a:defRPr>
             </a:pPr>
-          </a:p>
-          <a:p>
-            <a:pPr algn="l" defTabSz="457200">
-              <a:lnSpc>
-                <a:spcPts val="6500"/>
-              </a:lnSpc>
-              <a:defRPr b="0" sz="3500">
+            <a:endParaRPr sz="3200" dirty="0"/>
+          </a:p>
+          <a:p>
+            <a:pPr algn="l" defTabSz="457200">
+              <a:defRPr sz="3500" b="0">
                 <a:latin typeface="Helvetica Neue"/>
                 <a:ea typeface="Helvetica Neue"/>
                 <a:cs typeface="Helvetica Neue"/>
@@ -4061,10 +4143,11 @@
               </a:defRPr>
             </a:pPr>
             <a:r>
+              <a:rPr sz="3200" dirty="0"/>
               <a:t>Ruby has some built in modules (ex: Date) which we can use by first using the </a:t>
             </a:r>
             <a:r>
-              <a:rPr b="1" sz="3600">
+              <a:rPr sz="3200" b="1" dirty="0">
                 <a:solidFill>
                   <a:srgbClr val="FA1116"/>
                 </a:solidFill>
@@ -4076,27 +4159,23 @@
               <a:t>require</a:t>
             </a:r>
             <a:r>
+              <a:rPr sz="3200" dirty="0"/>
               <a:t> keyword, followed by their name:</a:t>
             </a:r>
           </a:p>
           <a:p>
             <a:pPr algn="l" defTabSz="457200">
-              <a:lnSpc>
-                <a:spcPts val="1200"/>
-              </a:lnSpc>
-              <a:defRPr b="0" sz="3500">
+              <a:defRPr sz="3500" b="0">
                 <a:latin typeface="Helvetica Neue"/>
                 <a:ea typeface="Helvetica Neue"/>
                 <a:cs typeface="Helvetica Neue"/>
                 <a:sym typeface="Helvetica Neue"/>
               </a:defRPr>
             </a:pPr>
-          </a:p>
-          <a:p>
-            <a:pPr algn="l" defTabSz="457200">
-              <a:lnSpc>
-                <a:spcPct val="90000"/>
-              </a:lnSpc>
+            <a:endParaRPr sz="3200" dirty="0"/>
+          </a:p>
+          <a:p>
+            <a:pPr algn="l" defTabSz="457200">
               <a:spcBef>
                 <a:spcPts val="300"/>
               </a:spcBef>
@@ -4118,52 +4197,83 @@
                 <a:tab pos="8724900" algn="l"/>
                 <a:tab pos="9296400" algn="l"/>
               </a:tabLst>
-              <a:defRPr b="0" sz="3300">
-                <a:solidFill>
-                  <a:schemeClr val="accent1">
-                    <a:hueOff val="273561"/>
-                    <a:satOff val="2937"/>
-                    <a:lumOff val="-22233"/>
-                  </a:schemeClr>
-                </a:solidFill>
-                <a:latin typeface="Consolas"/>
-                <a:ea typeface="Consolas"/>
-                <a:cs typeface="Consolas"/>
-                <a:sym typeface="Consolas"/>
-              </a:defRPr>
-            </a:pPr>
-            <a:r>
+              <a:defRPr sz="3300" b="0">
+                <a:solidFill>
+                  <a:schemeClr val="accent1">
+                    <a:hueOff val="273561"/>
+                    <a:satOff val="2937"/>
+                    <a:lumOff val="-22233"/>
+                  </a:schemeClr>
+                </a:solidFill>
+                <a:latin typeface="Consolas"/>
+                <a:ea typeface="Consolas"/>
+                <a:cs typeface="Consolas"/>
+                <a:sym typeface="Consolas"/>
+              </a:defRPr>
+            </a:pPr>
+            <a:r>
+              <a:rPr sz="3200" dirty="0"/>
               <a:t>require 'date'</a:t>
             </a:r>
-          </a:p>
-          <a:p>
-            <a:pPr algn="l" defTabSz="457200">
-              <a:lnSpc>
-                <a:spcPts val="6400"/>
-              </a:lnSpc>
-              <a:defRPr b="0" sz="3500">
+            <a:endParaRPr lang="en-CA" sz="3200" dirty="0"/>
+          </a:p>
+          <a:p>
+            <a:pPr algn="l" defTabSz="457200">
+              <a:spcBef>
+                <a:spcPts val="300"/>
+              </a:spcBef>
+              <a:tabLst>
+                <a:tab pos="571500" algn="l"/>
+                <a:tab pos="1155700" algn="l"/>
+                <a:tab pos="1739900" algn="l"/>
+                <a:tab pos="2324100" algn="l"/>
+                <a:tab pos="2908300" algn="l"/>
+                <a:tab pos="3479800" algn="l"/>
+                <a:tab pos="4064000" algn="l"/>
+                <a:tab pos="4648200" algn="l"/>
+                <a:tab pos="5232400" algn="l"/>
+                <a:tab pos="5816600" algn="l"/>
+                <a:tab pos="6388100" algn="l"/>
+                <a:tab pos="6972300" algn="l"/>
+                <a:tab pos="7556500" algn="l"/>
+                <a:tab pos="8140700" algn="l"/>
+                <a:tab pos="8724900" algn="l"/>
+                <a:tab pos="9296400" algn="l"/>
+              </a:tabLst>
+              <a:defRPr sz="3300" b="0">
+                <a:solidFill>
+                  <a:schemeClr val="accent1">
+                    <a:hueOff val="273561"/>
+                    <a:satOff val="2937"/>
+                    <a:lumOff val="-22233"/>
+                  </a:schemeClr>
+                </a:solidFill>
+                <a:latin typeface="Consolas"/>
+                <a:ea typeface="Consolas"/>
+                <a:cs typeface="Consolas"/>
+                <a:sym typeface="Consolas"/>
+              </a:defRPr>
+            </a:pPr>
+            <a:endParaRPr sz="3200" dirty="0"/>
+          </a:p>
+          <a:p>
+            <a:pPr algn="l" defTabSz="457200">
+              <a:defRPr sz="3500" b="0">
                 <a:latin typeface="Helvetica Neue"/>
                 <a:ea typeface="Helvetica Neue"/>
                 <a:cs typeface="Helvetica Neue"/>
                 <a:sym typeface="Helvetica Neue"/>
               </a:defRPr>
             </a:pPr>
-          </a:p>
-          <a:p>
-            <a:pPr algn="l" defTabSz="457200">
-              <a:lnSpc>
-                <a:spcPts val="6400"/>
-              </a:lnSpc>
-              <a:defRPr b="0" sz="3500">
-                <a:latin typeface="Helvetica Neue"/>
-                <a:ea typeface="Helvetica Neue"/>
-                <a:cs typeface="Helvetica Neue"/>
-                <a:sym typeface="Helvetica Neue"/>
-              </a:defRPr>
-            </a:pPr>
-            <a:r>
+            <a:r>
+              <a:rPr sz="3200" dirty="0"/>
               <a:t>But we can also create our own</a:t>
             </a:r>
+            <a:r>
+              <a:rPr lang="en-CA" sz="3200"/>
+              <a:t>!</a:t>
+            </a:r>
+            <a:endParaRPr sz="3200" dirty="0"/>
           </a:p>
         </p:txBody>
       </p:sp>
@@ -4172,12 +4282,12 @@
   <p:clrMapOvr>
     <a:masterClrMapping/>
   </p:clrMapOvr>
-  <p:transition xmlns:p14="http://schemas.microsoft.com/office/powerpoint/2010/main" spd="med" advClick="1"/>
+  <p:transition spd="med"/>
 </p:sld>
 </file>
 
 <file path=ppt/slides/slide12.xml><?xml version="1.0" encoding="utf-8"?>
-<p:sld xmlns:a="http://schemas.openxmlformats.org/drawingml/2006/main" xmlns:r="http://schemas.openxmlformats.org/officeDocument/2006/relationships" xmlns:p="http://schemas.openxmlformats.org/presentationml/2006/main" xmlns:m="http://schemas.openxmlformats.org/officeDocument/2006/math" xmlns:a14="http://schemas.microsoft.com/office/drawing/2010/main" showMasterSp="1" showMasterPhAnim="1">
+<p:sld xmlns:a="http://schemas.openxmlformats.org/drawingml/2006/main" xmlns:r="http://schemas.openxmlformats.org/officeDocument/2006/relationships" xmlns:p="http://schemas.openxmlformats.org/presentationml/2006/main">
   <p:cSld>
     <p:spTree>
       <p:nvGrpSpPr>
@@ -4212,7 +4322,7 @@
           </a:ln>
           <a:extLst>
             <a:ext uri="{C572A759-6A51-4108-AA02-DFA0A04FC94B}">
-              <ma14:wrappingTextBoxFlag xmlns:ma14="http://schemas.microsoft.com/office/mac/drawingml/2011/main" val="1"/>
+              <ma14:wrappingTextBoxFlag xmlns="" xmlns:m="http://schemas.openxmlformats.org/officeDocument/2006/math" xmlns:a14="http://schemas.microsoft.com/office/drawing/2010/main" xmlns:ma14="http://schemas.microsoft.com/office/mac/drawingml/2011/main" val="1"/>
             </a:ext>
           </a:extLst>
         </p:spPr>
@@ -4279,7 +4389,7 @@
           </a:ln>
           <a:extLst>
             <a:ext uri="{C572A759-6A51-4108-AA02-DFA0A04FC94B}">
-              <ma14:wrappingTextBoxFlag xmlns:ma14="http://schemas.microsoft.com/office/mac/drawingml/2011/main" val="1"/>
+              <ma14:wrappingTextBoxFlag xmlns="" xmlns:m="http://schemas.openxmlformats.org/officeDocument/2006/math" xmlns:a14="http://schemas.microsoft.com/office/drawing/2010/main" xmlns:ma14="http://schemas.microsoft.com/office/mac/drawingml/2011/main" val="1"/>
             </a:ext>
           </a:extLst>
         </p:spPr>
@@ -4292,7 +4402,7 @@
               <a:lnSpc>
                 <a:spcPts val="6400"/>
               </a:lnSpc>
-              <a:defRPr b="0" sz="3500">
+              <a:defRPr sz="3500" b="0">
                 <a:latin typeface="Helvetica Neue"/>
                 <a:ea typeface="Helvetica Neue"/>
                 <a:cs typeface="Helvetica Neue"/>
@@ -4301,7 +4411,6 @@
             </a:lvl1pPr>
           </a:lstStyle>
           <a:p>
-            <a:pPr/>
             <a:r>
               <a:t>The module syntax is similar to that of a Class, however modules don’t include variables since they, by definition, are mutable while a module is supposed to be immutable</a:t>
             </a:r>
@@ -4327,7 +4436,7 @@
           </a:ln>
           <a:extLst>
             <a:ext uri="{C572A759-6A51-4108-AA02-DFA0A04FC94B}">
-              <ma14:wrappingTextBoxFlag xmlns:ma14="http://schemas.microsoft.com/office/mac/drawingml/2011/main" val="1"/>
+              <ma14:wrappingTextBoxFlag xmlns="" xmlns:m="http://schemas.openxmlformats.org/officeDocument/2006/math" xmlns:a14="http://schemas.microsoft.com/office/drawing/2010/main" xmlns:ma14="http://schemas.microsoft.com/office/mac/drawingml/2011/main" val="1"/>
             </a:ext>
           </a:extLst>
         </p:spPr>
@@ -4356,7 +4465,7 @@
                 <a:tab pos="8724900" algn="l"/>
                 <a:tab pos="9296400" algn="l"/>
               </a:tabLst>
-              <a:defRPr b="0" sz="3000">
+              <a:defRPr sz="3000" b="0">
                 <a:solidFill>
                   <a:schemeClr val="accent1">
                     <a:hueOff val="273561"/>
@@ -4394,7 +4503,7 @@
                 <a:tab pos="8724900" algn="l"/>
                 <a:tab pos="9296400" algn="l"/>
               </a:tabLst>
-              <a:defRPr b="0" sz="3000">
+              <a:defRPr sz="3000" b="0">
                 <a:solidFill>
                   <a:schemeClr val="accent1">
                     <a:hueOff val="273561"/>
@@ -4432,7 +4541,7 @@
                 <a:tab pos="8724900" algn="l"/>
                 <a:tab pos="9296400" algn="l"/>
               </a:tabLst>
-              <a:defRPr b="0" sz="3000">
+              <a:defRPr sz="3000" b="0">
                 <a:solidFill>
                   <a:schemeClr val="accent1">
                     <a:hueOff val="273561"/>
@@ -4470,7 +4579,7 @@
                 <a:tab pos="8724900" algn="l"/>
                 <a:tab pos="9296400" algn="l"/>
               </a:tabLst>
-              <a:defRPr b="0" sz="3000">
+              <a:defRPr sz="3000" b="0">
                 <a:solidFill>
                   <a:schemeClr val="accent1">
                     <a:hueOff val="273561"/>
@@ -4508,7 +4617,7 @@
                 <a:tab pos="8724900" algn="l"/>
                 <a:tab pos="9296400" algn="l"/>
               </a:tabLst>
-              <a:defRPr b="0" sz="3000">
+              <a:defRPr sz="3000" b="0">
                 <a:solidFill>
                   <a:schemeClr val="accent1">
                     <a:hueOff val="273561"/>
@@ -4547,7 +4656,7 @@
           </a:ln>
           <a:extLst>
             <a:ext uri="{C572A759-6A51-4108-AA02-DFA0A04FC94B}">
-              <ma14:wrappingTextBoxFlag xmlns:ma14="http://schemas.microsoft.com/office/mac/drawingml/2011/main" val="1"/>
+              <ma14:wrappingTextBoxFlag xmlns="" xmlns:m="http://schemas.openxmlformats.org/officeDocument/2006/math" xmlns:a14="http://schemas.microsoft.com/office/drawing/2010/main" xmlns:ma14="http://schemas.microsoft.com/office/mac/drawingml/2011/main" val="1"/>
             </a:ext>
           </a:extLst>
         </p:spPr>
@@ -4561,7 +4670,7 @@
               <a:lnSpc>
                 <a:spcPts val="6400"/>
               </a:lnSpc>
-              <a:defRPr b="0" sz="3500">
+              <a:defRPr sz="3500" b="0">
                 <a:latin typeface="Helvetica Neue"/>
                 <a:ea typeface="Helvetica Neue"/>
                 <a:cs typeface="Helvetica Neue"/>
@@ -4618,12 +4727,12 @@
   <p:clrMapOvr>
     <a:masterClrMapping/>
   </p:clrMapOvr>
-  <p:transition xmlns:p14="http://schemas.microsoft.com/office/powerpoint/2010/main" spd="med" advClick="1"/>
+  <p:transition spd="med"/>
 </p:sld>
 </file>
 
 <file path=ppt/slides/slide13.xml><?xml version="1.0" encoding="utf-8"?>
-<p:sld xmlns:a="http://schemas.openxmlformats.org/drawingml/2006/main" xmlns:r="http://schemas.openxmlformats.org/officeDocument/2006/relationships" xmlns:p="http://schemas.openxmlformats.org/presentationml/2006/main" xmlns:m="http://schemas.openxmlformats.org/officeDocument/2006/math" xmlns:a14="http://schemas.microsoft.com/office/drawing/2010/main" showMasterSp="1" showMasterPhAnim="1">
+<p:sld xmlns:a="http://schemas.openxmlformats.org/drawingml/2006/main" xmlns:r="http://schemas.openxmlformats.org/officeDocument/2006/relationships" xmlns:p="http://schemas.openxmlformats.org/presentationml/2006/main">
   <p:cSld>
     <p:spTree>
       <p:nvGrpSpPr>
@@ -4658,7 +4767,7 @@
           </a:ln>
           <a:extLst>
             <a:ext uri="{C572A759-6A51-4108-AA02-DFA0A04FC94B}">
-              <ma14:wrappingTextBoxFlag xmlns:ma14="http://schemas.microsoft.com/office/mac/drawingml/2011/main" val="1"/>
+              <ma14:wrappingTextBoxFlag xmlns="" xmlns:m="http://schemas.openxmlformats.org/officeDocument/2006/math" xmlns:a14="http://schemas.microsoft.com/office/drawing/2010/main" xmlns:ma14="http://schemas.microsoft.com/office/mac/drawingml/2011/main" val="1"/>
             </a:ext>
           </a:extLst>
         </p:spPr>
@@ -4725,7 +4834,7 @@
           </a:ln>
           <a:extLst>
             <a:ext uri="{C572A759-6A51-4108-AA02-DFA0A04FC94B}">
-              <ma14:wrappingTextBoxFlag xmlns:ma14="http://schemas.microsoft.com/office/mac/drawingml/2011/main" val="1"/>
+              <ma14:wrappingTextBoxFlag xmlns="" xmlns:m="http://schemas.openxmlformats.org/officeDocument/2006/math" xmlns:a14="http://schemas.microsoft.com/office/drawing/2010/main" xmlns:ma14="http://schemas.microsoft.com/office/mac/drawingml/2011/main" val="1"/>
             </a:ext>
           </a:extLst>
         </p:spPr>
@@ -4747,7 +4856,6 @@
             </a:lvl1pPr>
           </a:lstStyle>
           <a:p>
-            <a:pPr/>
             <a:r>
               <a:t>Extending a module at instance level</a:t>
             </a:r>
@@ -4773,7 +4881,7 @@
           </a:ln>
           <a:extLst>
             <a:ext uri="{C572A759-6A51-4108-AA02-DFA0A04FC94B}">
-              <ma14:wrappingTextBoxFlag xmlns:ma14="http://schemas.microsoft.com/office/mac/drawingml/2011/main" val="1"/>
+              <ma14:wrappingTextBoxFlag xmlns="" xmlns:m="http://schemas.openxmlformats.org/officeDocument/2006/math" xmlns:a14="http://schemas.microsoft.com/office/drawing/2010/main" xmlns:ma14="http://schemas.microsoft.com/office/mac/drawingml/2011/main" val="1"/>
             </a:ext>
           </a:extLst>
         </p:spPr>
@@ -4802,7 +4910,7 @@
                 <a:tab pos="8724900" algn="l"/>
                 <a:tab pos="9296400" algn="l"/>
               </a:tabLst>
-              <a:defRPr b="0" sz="2900">
+              <a:defRPr sz="2900" b="0">
                 <a:solidFill>
                   <a:schemeClr val="accent1">
                     <a:hueOff val="273561"/>
@@ -4840,7 +4948,7 @@
                 <a:tab pos="8724900" algn="l"/>
                 <a:tab pos="9296400" algn="l"/>
               </a:tabLst>
-              <a:defRPr b="0" sz="2900">
+              <a:defRPr sz="2900" b="0">
                 <a:solidFill>
                   <a:schemeClr val="accent1">
                     <a:hueOff val="273561"/>
@@ -4878,7 +4986,7 @@
                 <a:tab pos="8724900" algn="l"/>
                 <a:tab pos="9296400" algn="l"/>
               </a:tabLst>
-              <a:defRPr b="0" sz="2900">
+              <a:defRPr sz="2900" b="0">
                 <a:solidFill>
                   <a:schemeClr val="accent1">
                     <a:hueOff val="273561"/>
@@ -4916,7 +5024,7 @@
                 <a:tab pos="8724900" algn="l"/>
                 <a:tab pos="9296400" algn="l"/>
               </a:tabLst>
-              <a:defRPr b="0" sz="2900">
+              <a:defRPr sz="2900" b="0">
                 <a:solidFill>
                   <a:schemeClr val="accent1">
                     <a:hueOff val="273561"/>
@@ -4954,7 +5062,7 @@
                 <a:tab pos="8724900" algn="l"/>
                 <a:tab pos="9296400" algn="l"/>
               </a:tabLst>
-              <a:defRPr b="0" sz="2900">
+              <a:defRPr sz="2900" b="0">
                 <a:solidFill>
                   <a:schemeClr val="accent1">
                     <a:hueOff val="273561"/>
@@ -4992,42 +5100,43 @@
                 <a:tab pos="8724900" algn="l"/>
                 <a:tab pos="9296400" algn="l"/>
               </a:tabLst>
-              <a:defRPr b="0" sz="2900">
-                <a:solidFill>
-                  <a:schemeClr val="accent1">
-                    <a:hueOff val="273561"/>
-                    <a:satOff val="2937"/>
-                    <a:lumOff val="-22233"/>
-                  </a:schemeClr>
-                </a:solidFill>
-                <a:latin typeface="Consolas"/>
-                <a:ea typeface="Consolas"/>
-                <a:cs typeface="Consolas"/>
-                <a:sym typeface="Consolas"/>
-              </a:defRPr>
-            </a:pPr>
-          </a:p>
-          <a:p>
-            <a:pPr algn="l" defTabSz="457200">
-              <a:tabLst>
-                <a:tab pos="571500" algn="l"/>
-                <a:tab pos="1155700" algn="l"/>
-                <a:tab pos="1739900" algn="l"/>
-                <a:tab pos="2324100" algn="l"/>
-                <a:tab pos="2908300" algn="l"/>
-                <a:tab pos="3479800" algn="l"/>
-                <a:tab pos="4064000" algn="l"/>
-                <a:tab pos="4648200" algn="l"/>
-                <a:tab pos="5232400" algn="l"/>
-                <a:tab pos="5816600" algn="l"/>
-                <a:tab pos="6388100" algn="l"/>
-                <a:tab pos="6972300" algn="l"/>
-                <a:tab pos="7556500" algn="l"/>
-                <a:tab pos="8140700" algn="l"/>
-                <a:tab pos="8724900" algn="l"/>
-                <a:tab pos="9296400" algn="l"/>
-              </a:tabLst>
-              <a:defRPr b="0" sz="2900">
+              <a:defRPr sz="2900" b="0">
+                <a:solidFill>
+                  <a:schemeClr val="accent1">
+                    <a:hueOff val="273561"/>
+                    <a:satOff val="2937"/>
+                    <a:lumOff val="-22233"/>
+                  </a:schemeClr>
+                </a:solidFill>
+                <a:latin typeface="Consolas"/>
+                <a:ea typeface="Consolas"/>
+                <a:cs typeface="Consolas"/>
+                <a:sym typeface="Consolas"/>
+              </a:defRPr>
+            </a:pPr>
+            <a:endParaRPr/>
+          </a:p>
+          <a:p>
+            <a:pPr algn="l" defTabSz="457200">
+              <a:tabLst>
+                <a:tab pos="571500" algn="l"/>
+                <a:tab pos="1155700" algn="l"/>
+                <a:tab pos="1739900" algn="l"/>
+                <a:tab pos="2324100" algn="l"/>
+                <a:tab pos="2908300" algn="l"/>
+                <a:tab pos="3479800" algn="l"/>
+                <a:tab pos="4064000" algn="l"/>
+                <a:tab pos="4648200" algn="l"/>
+                <a:tab pos="5232400" algn="l"/>
+                <a:tab pos="5816600" algn="l"/>
+                <a:tab pos="6388100" algn="l"/>
+                <a:tab pos="6972300" algn="l"/>
+                <a:tab pos="7556500" algn="l"/>
+                <a:tab pos="8140700" algn="l"/>
+                <a:tab pos="8724900" algn="l"/>
+                <a:tab pos="9296400" algn="l"/>
+              </a:tabLst>
+              <a:defRPr sz="2900" b="0">
                 <a:solidFill>
                   <a:schemeClr val="accent1">
                     <a:hueOff val="273561"/>
@@ -5065,7 +5174,7 @@
                 <a:tab pos="8724900" algn="l"/>
                 <a:tab pos="9296400" algn="l"/>
               </a:tabLst>
-              <a:defRPr b="0" sz="2900">
+              <a:defRPr sz="2900" b="0">
                 <a:solidFill>
                   <a:schemeClr val="accent1">
                     <a:hueOff val="273561"/>
@@ -5114,7 +5223,7 @@
                 <a:tab pos="8724900" algn="l"/>
                 <a:tab pos="9296400" algn="l"/>
               </a:tabLst>
-              <a:defRPr b="0" sz="2900">
+              <a:defRPr sz="2900" b="0">
                 <a:solidFill>
                   <a:schemeClr val="accent1">
                     <a:hueOff val="273561"/>
@@ -5152,42 +5261,43 @@
                 <a:tab pos="8724900" algn="l"/>
                 <a:tab pos="9296400" algn="l"/>
               </a:tabLst>
-              <a:defRPr b="0" sz="2900">
-                <a:solidFill>
-                  <a:schemeClr val="accent1">
-                    <a:hueOff val="273561"/>
-                    <a:satOff val="2937"/>
-                    <a:lumOff val="-22233"/>
-                  </a:schemeClr>
-                </a:solidFill>
-                <a:latin typeface="Consolas"/>
-                <a:ea typeface="Consolas"/>
-                <a:cs typeface="Consolas"/>
-                <a:sym typeface="Consolas"/>
-              </a:defRPr>
-            </a:pPr>
-          </a:p>
-          <a:p>
-            <a:pPr algn="l" defTabSz="457200">
-              <a:tabLst>
-                <a:tab pos="571500" algn="l"/>
-                <a:tab pos="1155700" algn="l"/>
-                <a:tab pos="1739900" algn="l"/>
-                <a:tab pos="2324100" algn="l"/>
-                <a:tab pos="2908300" algn="l"/>
-                <a:tab pos="3479800" algn="l"/>
-                <a:tab pos="4064000" algn="l"/>
-                <a:tab pos="4648200" algn="l"/>
-                <a:tab pos="5232400" algn="l"/>
-                <a:tab pos="5816600" algn="l"/>
-                <a:tab pos="6388100" algn="l"/>
-                <a:tab pos="6972300" algn="l"/>
-                <a:tab pos="7556500" algn="l"/>
-                <a:tab pos="8140700" algn="l"/>
-                <a:tab pos="8724900" algn="l"/>
-                <a:tab pos="9296400" algn="l"/>
-              </a:tabLst>
-              <a:defRPr b="0" sz="2900">
+              <a:defRPr sz="2900" b="0">
+                <a:solidFill>
+                  <a:schemeClr val="accent1">
+                    <a:hueOff val="273561"/>
+                    <a:satOff val="2937"/>
+                    <a:lumOff val="-22233"/>
+                  </a:schemeClr>
+                </a:solidFill>
+                <a:latin typeface="Consolas"/>
+                <a:ea typeface="Consolas"/>
+                <a:cs typeface="Consolas"/>
+                <a:sym typeface="Consolas"/>
+              </a:defRPr>
+            </a:pPr>
+            <a:endParaRPr/>
+          </a:p>
+          <a:p>
+            <a:pPr algn="l" defTabSz="457200">
+              <a:tabLst>
+                <a:tab pos="571500" algn="l"/>
+                <a:tab pos="1155700" algn="l"/>
+                <a:tab pos="1739900" algn="l"/>
+                <a:tab pos="2324100" algn="l"/>
+                <a:tab pos="2908300" algn="l"/>
+                <a:tab pos="3479800" algn="l"/>
+                <a:tab pos="4064000" algn="l"/>
+                <a:tab pos="4648200" algn="l"/>
+                <a:tab pos="5232400" algn="l"/>
+                <a:tab pos="5816600" algn="l"/>
+                <a:tab pos="6388100" algn="l"/>
+                <a:tab pos="6972300" algn="l"/>
+                <a:tab pos="7556500" algn="l"/>
+                <a:tab pos="8140700" algn="l"/>
+                <a:tab pos="8724900" algn="l"/>
+                <a:tab pos="9296400" algn="l"/>
+              </a:tabLst>
+              <a:defRPr sz="2900" b="0">
                 <a:solidFill>
                   <a:schemeClr val="accent1">
                     <a:hueOff val="273561"/>
@@ -5225,7 +5335,7 @@
                 <a:tab pos="8724900" algn="l"/>
                 <a:tab pos="9296400" algn="l"/>
               </a:tabLst>
-              <a:defRPr b="0" sz="2900">
+              <a:defRPr sz="2900" b="0">
                 <a:solidFill>
                   <a:schemeClr val="accent1">
                     <a:hueOff val="273561"/>
@@ -5274,7 +5384,7 @@
                 <a:tab pos="8724900" algn="l"/>
                 <a:tab pos="9296400" algn="l"/>
               </a:tabLst>
-              <a:defRPr b="0" sz="2900">
+              <a:defRPr sz="2900" b="0">
                 <a:solidFill>
                   <a:schemeClr val="accent1">
                     <a:hueOff val="273561"/>
@@ -5313,7 +5423,7 @@
           </a:ln>
           <a:extLst>
             <a:ext uri="{C572A759-6A51-4108-AA02-DFA0A04FC94B}">
-              <ma14:wrappingTextBoxFlag xmlns:ma14="http://schemas.microsoft.com/office/mac/drawingml/2011/main" val="1"/>
+              <ma14:wrappingTextBoxFlag xmlns="" xmlns:m="http://schemas.openxmlformats.org/officeDocument/2006/math" xmlns:a14="http://schemas.microsoft.com/office/drawing/2010/main" xmlns:ma14="http://schemas.microsoft.com/office/mac/drawingml/2011/main" val="1"/>
             </a:ext>
           </a:extLst>
         </p:spPr>
@@ -5342,7 +5452,7 @@
                 <a:tab pos="8724900" algn="l"/>
                 <a:tab pos="9296400" algn="l"/>
               </a:tabLst>
-              <a:defRPr b="0" sz="2900">
+              <a:defRPr sz="2900" b="0">
                 <a:solidFill>
                   <a:schemeClr val="accent1">
                     <a:hueOff val="273561"/>
@@ -5380,7 +5490,7 @@
                 <a:tab pos="8724900" algn="l"/>
                 <a:tab pos="9296400" algn="l"/>
               </a:tabLst>
-              <a:defRPr b="0" sz="2900">
+              <a:defRPr sz="2900" b="0">
                 <a:solidFill>
                   <a:schemeClr val="accent1">
                     <a:hueOff val="273561"/>
@@ -5418,42 +5528,43 @@
                 <a:tab pos="8724900" algn="l"/>
                 <a:tab pos="9296400" algn="l"/>
               </a:tabLst>
-              <a:defRPr b="0" sz="2900">
-                <a:solidFill>
-                  <a:schemeClr val="accent1">
-                    <a:hueOff val="273561"/>
-                    <a:satOff val="2937"/>
-                    <a:lumOff val="-22233"/>
-                  </a:schemeClr>
-                </a:solidFill>
-                <a:latin typeface="Consolas"/>
-                <a:ea typeface="Consolas"/>
-                <a:cs typeface="Consolas"/>
-                <a:sym typeface="Consolas"/>
-              </a:defRPr>
-            </a:pPr>
-          </a:p>
-          <a:p>
-            <a:pPr algn="l" defTabSz="457200">
-              <a:tabLst>
-                <a:tab pos="571500" algn="l"/>
-                <a:tab pos="1155700" algn="l"/>
-                <a:tab pos="1739900" algn="l"/>
-                <a:tab pos="2324100" algn="l"/>
-                <a:tab pos="2908300" algn="l"/>
-                <a:tab pos="3479800" algn="l"/>
-                <a:tab pos="4064000" algn="l"/>
-                <a:tab pos="4648200" algn="l"/>
-                <a:tab pos="5232400" algn="l"/>
-                <a:tab pos="5816600" algn="l"/>
-                <a:tab pos="6388100" algn="l"/>
-                <a:tab pos="6972300" algn="l"/>
-                <a:tab pos="7556500" algn="l"/>
-                <a:tab pos="8140700" algn="l"/>
-                <a:tab pos="8724900" algn="l"/>
-                <a:tab pos="9296400" algn="l"/>
-              </a:tabLst>
-              <a:defRPr b="0" sz="2900">
+              <a:defRPr sz="2900" b="0">
+                <a:solidFill>
+                  <a:schemeClr val="accent1">
+                    <a:hueOff val="273561"/>
+                    <a:satOff val="2937"/>
+                    <a:lumOff val="-22233"/>
+                  </a:schemeClr>
+                </a:solidFill>
+                <a:latin typeface="Consolas"/>
+                <a:ea typeface="Consolas"/>
+                <a:cs typeface="Consolas"/>
+                <a:sym typeface="Consolas"/>
+              </a:defRPr>
+            </a:pPr>
+            <a:endParaRPr/>
+          </a:p>
+          <a:p>
+            <a:pPr algn="l" defTabSz="457200">
+              <a:tabLst>
+                <a:tab pos="571500" algn="l"/>
+                <a:tab pos="1155700" algn="l"/>
+                <a:tab pos="1739900" algn="l"/>
+                <a:tab pos="2324100" algn="l"/>
+                <a:tab pos="2908300" algn="l"/>
+                <a:tab pos="3479800" algn="l"/>
+                <a:tab pos="4064000" algn="l"/>
+                <a:tab pos="4648200" algn="l"/>
+                <a:tab pos="5232400" algn="l"/>
+                <a:tab pos="5816600" algn="l"/>
+                <a:tab pos="6388100" algn="l"/>
+                <a:tab pos="6972300" algn="l"/>
+                <a:tab pos="7556500" algn="l"/>
+                <a:tab pos="8140700" algn="l"/>
+                <a:tab pos="8724900" algn="l"/>
+                <a:tab pos="9296400" algn="l"/>
+              </a:tabLst>
+              <a:defRPr sz="2900" b="0">
                 <a:solidFill>
                   <a:srgbClr val="53585F"/>
                 </a:solidFill>
@@ -5487,7 +5598,7 @@
                 <a:tab pos="8724900" algn="l"/>
                 <a:tab pos="9296400" algn="l"/>
               </a:tabLst>
-              <a:defRPr b="0" sz="2900">
+              <a:defRPr sz="2900" b="0">
                 <a:solidFill>
                   <a:srgbClr val="53585F"/>
                 </a:solidFill>
@@ -5497,28 +5608,29 @@
                 <a:sym typeface="Consolas"/>
               </a:defRPr>
             </a:pPr>
-          </a:p>
-          <a:p>
-            <a:pPr algn="l" defTabSz="457200">
-              <a:tabLst>
-                <a:tab pos="571500" algn="l"/>
-                <a:tab pos="1155700" algn="l"/>
-                <a:tab pos="1739900" algn="l"/>
-                <a:tab pos="2324100" algn="l"/>
-                <a:tab pos="2908300" algn="l"/>
-                <a:tab pos="3479800" algn="l"/>
-                <a:tab pos="4064000" algn="l"/>
-                <a:tab pos="4648200" algn="l"/>
-                <a:tab pos="5232400" algn="l"/>
-                <a:tab pos="5816600" algn="l"/>
-                <a:tab pos="6388100" algn="l"/>
-                <a:tab pos="6972300" algn="l"/>
-                <a:tab pos="7556500" algn="l"/>
-                <a:tab pos="8140700" algn="l"/>
-                <a:tab pos="8724900" algn="l"/>
-                <a:tab pos="9296400" algn="l"/>
-              </a:tabLst>
-              <a:defRPr b="0" sz="2900">
+            <a:endParaRPr/>
+          </a:p>
+          <a:p>
+            <a:pPr algn="l" defTabSz="457200">
+              <a:tabLst>
+                <a:tab pos="571500" algn="l"/>
+                <a:tab pos="1155700" algn="l"/>
+                <a:tab pos="1739900" algn="l"/>
+                <a:tab pos="2324100" algn="l"/>
+                <a:tab pos="2908300" algn="l"/>
+                <a:tab pos="3479800" algn="l"/>
+                <a:tab pos="4064000" algn="l"/>
+                <a:tab pos="4648200" algn="l"/>
+                <a:tab pos="5232400" algn="l"/>
+                <a:tab pos="5816600" algn="l"/>
+                <a:tab pos="6388100" algn="l"/>
+                <a:tab pos="6972300" algn="l"/>
+                <a:tab pos="7556500" algn="l"/>
+                <a:tab pos="8140700" algn="l"/>
+                <a:tab pos="8724900" algn="l"/>
+                <a:tab pos="9296400" algn="l"/>
+              </a:tabLst>
+              <a:defRPr sz="2900" b="0">
                 <a:solidFill>
                   <a:schemeClr val="accent1">
                     <a:hueOff val="273561"/>
@@ -5556,7 +5668,7 @@
                 <a:tab pos="8724900" algn="l"/>
                 <a:tab pos="9296400" algn="l"/>
               </a:tabLst>
-              <a:defRPr b="0" sz="2900">
+              <a:defRPr sz="2900" b="0">
                 <a:solidFill>
                   <a:schemeClr val="accent1">
                     <a:hueOff val="273561"/>
@@ -5594,42 +5706,43 @@
                 <a:tab pos="8724900" algn="l"/>
                 <a:tab pos="9296400" algn="l"/>
               </a:tabLst>
-              <a:defRPr b="0" sz="2900">
-                <a:solidFill>
-                  <a:schemeClr val="accent1">
-                    <a:hueOff val="273561"/>
-                    <a:satOff val="2937"/>
-                    <a:lumOff val="-22233"/>
-                  </a:schemeClr>
-                </a:solidFill>
-                <a:latin typeface="Consolas"/>
-                <a:ea typeface="Consolas"/>
-                <a:cs typeface="Consolas"/>
-                <a:sym typeface="Consolas"/>
-              </a:defRPr>
-            </a:pPr>
-          </a:p>
-          <a:p>
-            <a:pPr algn="l" defTabSz="457200">
-              <a:tabLst>
-                <a:tab pos="571500" algn="l"/>
-                <a:tab pos="1155700" algn="l"/>
-                <a:tab pos="1739900" algn="l"/>
-                <a:tab pos="2324100" algn="l"/>
-                <a:tab pos="2908300" algn="l"/>
-                <a:tab pos="3479800" algn="l"/>
-                <a:tab pos="4064000" algn="l"/>
-                <a:tab pos="4648200" algn="l"/>
-                <a:tab pos="5232400" algn="l"/>
-                <a:tab pos="5816600" algn="l"/>
-                <a:tab pos="6388100" algn="l"/>
-                <a:tab pos="6972300" algn="l"/>
-                <a:tab pos="7556500" algn="l"/>
-                <a:tab pos="8140700" algn="l"/>
-                <a:tab pos="8724900" algn="l"/>
-                <a:tab pos="9296400" algn="l"/>
-              </a:tabLst>
-              <a:defRPr b="0" sz="2900">
+              <a:defRPr sz="2900" b="0">
+                <a:solidFill>
+                  <a:schemeClr val="accent1">
+                    <a:hueOff val="273561"/>
+                    <a:satOff val="2937"/>
+                    <a:lumOff val="-22233"/>
+                  </a:schemeClr>
+                </a:solidFill>
+                <a:latin typeface="Consolas"/>
+                <a:ea typeface="Consolas"/>
+                <a:cs typeface="Consolas"/>
+                <a:sym typeface="Consolas"/>
+              </a:defRPr>
+            </a:pPr>
+            <a:endParaRPr/>
+          </a:p>
+          <a:p>
+            <a:pPr algn="l" defTabSz="457200">
+              <a:tabLst>
+                <a:tab pos="571500" algn="l"/>
+                <a:tab pos="1155700" algn="l"/>
+                <a:tab pos="1739900" algn="l"/>
+                <a:tab pos="2324100" algn="l"/>
+                <a:tab pos="2908300" algn="l"/>
+                <a:tab pos="3479800" algn="l"/>
+                <a:tab pos="4064000" algn="l"/>
+                <a:tab pos="4648200" algn="l"/>
+                <a:tab pos="5232400" algn="l"/>
+                <a:tab pos="5816600" algn="l"/>
+                <a:tab pos="6388100" algn="l"/>
+                <a:tab pos="6972300" algn="l"/>
+                <a:tab pos="7556500" algn="l"/>
+                <a:tab pos="8140700" algn="l"/>
+                <a:tab pos="8724900" algn="l"/>
+                <a:tab pos="9296400" algn="l"/>
+              </a:tabLst>
+              <a:defRPr sz="2900" b="0">
                 <a:solidFill>
                   <a:srgbClr val="53585F"/>
                 </a:solidFill>
@@ -5650,12 +5763,12 @@
   <p:clrMapOvr>
     <a:masterClrMapping/>
   </p:clrMapOvr>
-  <p:transition xmlns:p14="http://schemas.microsoft.com/office/powerpoint/2010/main" spd="med" advClick="1"/>
+  <p:transition spd="med"/>
 </p:sld>
 </file>
 
 <file path=ppt/slides/slide14.xml><?xml version="1.0" encoding="utf-8"?>
-<p:sld xmlns:a="http://schemas.openxmlformats.org/drawingml/2006/main" xmlns:r="http://schemas.openxmlformats.org/officeDocument/2006/relationships" xmlns:p="http://schemas.openxmlformats.org/presentationml/2006/main" xmlns:m="http://schemas.openxmlformats.org/officeDocument/2006/math" xmlns:a14="http://schemas.microsoft.com/office/drawing/2010/main" showMasterSp="1" showMasterPhAnim="1">
+<p:sld xmlns:a="http://schemas.openxmlformats.org/drawingml/2006/main" xmlns:r="http://schemas.openxmlformats.org/officeDocument/2006/relationships" xmlns:p="http://schemas.openxmlformats.org/presentationml/2006/main">
   <p:cSld>
     <p:spTree>
       <p:nvGrpSpPr>
@@ -5690,7 +5803,7 @@
           </a:ln>
           <a:extLst>
             <a:ext uri="{C572A759-6A51-4108-AA02-DFA0A04FC94B}">
-              <ma14:wrappingTextBoxFlag xmlns:ma14="http://schemas.microsoft.com/office/mac/drawingml/2011/main" val="1"/>
+              <ma14:wrappingTextBoxFlag xmlns="" xmlns:m="http://schemas.openxmlformats.org/officeDocument/2006/math" xmlns:a14="http://schemas.microsoft.com/office/drawing/2010/main" xmlns:ma14="http://schemas.microsoft.com/office/mac/drawingml/2011/main" val="1"/>
             </a:ext>
           </a:extLst>
         </p:spPr>
@@ -5757,7 +5870,7 @@
           </a:ln>
           <a:extLst>
             <a:ext uri="{C572A759-6A51-4108-AA02-DFA0A04FC94B}">
-              <ma14:wrappingTextBoxFlag xmlns:ma14="http://schemas.microsoft.com/office/mac/drawingml/2011/main" val="1"/>
+              <ma14:wrappingTextBoxFlag xmlns="" xmlns:m="http://schemas.openxmlformats.org/officeDocument/2006/math" xmlns:a14="http://schemas.microsoft.com/office/drawing/2010/main" xmlns:ma14="http://schemas.microsoft.com/office/mac/drawingml/2011/main" val="1"/>
             </a:ext>
           </a:extLst>
         </p:spPr>
@@ -5779,7 +5892,6 @@
             </a:lvl1pPr>
           </a:lstStyle>
           <a:p>
-            <a:pPr/>
             <a:r>
               <a:t>Extending a module at Class level</a:t>
             </a:r>
@@ -5805,7 +5917,7 @@
           </a:ln>
           <a:extLst>
             <a:ext uri="{C572A759-6A51-4108-AA02-DFA0A04FC94B}">
-              <ma14:wrappingTextBoxFlag xmlns:ma14="http://schemas.microsoft.com/office/mac/drawingml/2011/main" val="1"/>
+              <ma14:wrappingTextBoxFlag xmlns="" xmlns:m="http://schemas.openxmlformats.org/officeDocument/2006/math" xmlns:a14="http://schemas.microsoft.com/office/drawing/2010/main" xmlns:ma14="http://schemas.microsoft.com/office/mac/drawingml/2011/main" val="1"/>
             </a:ext>
           </a:extLst>
         </p:spPr>
@@ -5834,7 +5946,7 @@
                 <a:tab pos="8724900" algn="l"/>
                 <a:tab pos="9296400" algn="l"/>
               </a:tabLst>
-              <a:defRPr b="0" sz="2700">
+              <a:defRPr sz="2700" b="0">
                 <a:solidFill>
                   <a:schemeClr val="accent1">
                     <a:hueOff val="273561"/>
@@ -5872,7 +5984,7 @@
                 <a:tab pos="8724900" algn="l"/>
                 <a:tab pos="9296400" algn="l"/>
               </a:tabLst>
-              <a:defRPr b="0" sz="2700">
+              <a:defRPr sz="2700" b="0">
                 <a:solidFill>
                   <a:schemeClr val="accent1">
                     <a:hueOff val="273561"/>
@@ -5910,7 +6022,7 @@
                 <a:tab pos="8724900" algn="l"/>
                 <a:tab pos="9296400" algn="l"/>
               </a:tabLst>
-              <a:defRPr b="0" sz="2700">
+              <a:defRPr sz="2700" b="0">
                 <a:solidFill>
                   <a:schemeClr val="accent1">
                     <a:hueOff val="273561"/>
@@ -5948,7 +6060,7 @@
                 <a:tab pos="8724900" algn="l"/>
                 <a:tab pos="9296400" algn="l"/>
               </a:tabLst>
-              <a:defRPr b="0" sz="2700">
+              <a:defRPr sz="2700" b="0">
                 <a:solidFill>
                   <a:schemeClr val="accent1">
                     <a:hueOff val="273561"/>
@@ -5986,7 +6098,7 @@
                 <a:tab pos="8724900" algn="l"/>
                 <a:tab pos="9296400" algn="l"/>
               </a:tabLst>
-              <a:defRPr b="0" sz="2700">
+              <a:defRPr sz="2700" b="0">
                 <a:solidFill>
                   <a:schemeClr val="accent1">
                     <a:hueOff val="273561"/>
@@ -6027,42 +6139,43 @@
                 <a:tab pos="8724900" algn="l"/>
                 <a:tab pos="9296400" algn="l"/>
               </a:tabLst>
-              <a:defRPr b="0" sz="2700">
-                <a:solidFill>
-                  <a:schemeClr val="accent1">
-                    <a:hueOff val="273561"/>
-                    <a:satOff val="2937"/>
-                    <a:lumOff val="-22233"/>
-                  </a:schemeClr>
-                </a:solidFill>
-                <a:latin typeface="Consolas"/>
-                <a:ea typeface="Consolas"/>
-                <a:cs typeface="Consolas"/>
-                <a:sym typeface="Consolas"/>
-              </a:defRPr>
-            </a:pPr>
-          </a:p>
-          <a:p>
-            <a:pPr algn="l" defTabSz="457200">
-              <a:tabLst>
-                <a:tab pos="571500" algn="l"/>
-                <a:tab pos="1155700" algn="l"/>
-                <a:tab pos="1739900" algn="l"/>
-                <a:tab pos="2324100" algn="l"/>
-                <a:tab pos="2908300" algn="l"/>
-                <a:tab pos="3479800" algn="l"/>
-                <a:tab pos="4064000" algn="l"/>
-                <a:tab pos="4648200" algn="l"/>
-                <a:tab pos="5232400" algn="l"/>
-                <a:tab pos="5816600" algn="l"/>
-                <a:tab pos="6388100" algn="l"/>
-                <a:tab pos="6972300" algn="l"/>
-                <a:tab pos="7556500" algn="l"/>
-                <a:tab pos="8140700" algn="l"/>
-                <a:tab pos="8724900" algn="l"/>
-                <a:tab pos="9296400" algn="l"/>
-              </a:tabLst>
-              <a:defRPr b="0" sz="2700">
+              <a:defRPr sz="2700" b="0">
+                <a:solidFill>
+                  <a:schemeClr val="accent1">
+                    <a:hueOff val="273561"/>
+                    <a:satOff val="2937"/>
+                    <a:lumOff val="-22233"/>
+                  </a:schemeClr>
+                </a:solidFill>
+                <a:latin typeface="Consolas"/>
+                <a:ea typeface="Consolas"/>
+                <a:cs typeface="Consolas"/>
+                <a:sym typeface="Consolas"/>
+              </a:defRPr>
+            </a:pPr>
+            <a:endParaRPr/>
+          </a:p>
+          <a:p>
+            <a:pPr algn="l" defTabSz="457200">
+              <a:tabLst>
+                <a:tab pos="571500" algn="l"/>
+                <a:tab pos="1155700" algn="l"/>
+                <a:tab pos="1739900" algn="l"/>
+                <a:tab pos="2324100" algn="l"/>
+                <a:tab pos="2908300" algn="l"/>
+                <a:tab pos="3479800" algn="l"/>
+                <a:tab pos="4064000" algn="l"/>
+                <a:tab pos="4648200" algn="l"/>
+                <a:tab pos="5232400" algn="l"/>
+                <a:tab pos="5816600" algn="l"/>
+                <a:tab pos="6388100" algn="l"/>
+                <a:tab pos="6972300" algn="l"/>
+                <a:tab pos="7556500" algn="l"/>
+                <a:tab pos="8140700" algn="l"/>
+                <a:tab pos="8724900" algn="l"/>
+                <a:tab pos="9296400" algn="l"/>
+              </a:tabLst>
+              <a:defRPr sz="2700" b="0">
                 <a:solidFill>
                   <a:schemeClr val="accent1">
                     <a:hueOff val="273561"/>
@@ -6100,7 +6213,7 @@
                 <a:tab pos="8724900" algn="l"/>
                 <a:tab pos="9296400" algn="l"/>
               </a:tabLst>
-              <a:defRPr b="0" sz="2700">
+              <a:defRPr sz="2700" b="0">
                 <a:solidFill>
                   <a:schemeClr val="accent1">
                     <a:hueOff val="273561"/>
@@ -6149,7 +6262,7 @@
                 <a:tab pos="8724900" algn="l"/>
                 <a:tab pos="9296400" algn="l"/>
               </a:tabLst>
-              <a:defRPr b="0" sz="2700">
+              <a:defRPr sz="2700" b="0">
                 <a:solidFill>
                   <a:schemeClr val="accent1">
                     <a:hueOff val="273561"/>
@@ -6190,20 +6303,21 @@
                 <a:tab pos="8724900" algn="l"/>
                 <a:tab pos="9296400" algn="l"/>
               </a:tabLst>
-              <a:defRPr b="0" sz="2700">
-                <a:solidFill>
-                  <a:schemeClr val="accent1">
-                    <a:hueOff val="273561"/>
-                    <a:satOff val="2937"/>
-                    <a:lumOff val="-22233"/>
-                  </a:schemeClr>
-                </a:solidFill>
-                <a:latin typeface="Consolas"/>
-                <a:ea typeface="Consolas"/>
-                <a:cs typeface="Consolas"/>
-                <a:sym typeface="Consolas"/>
-              </a:defRPr>
-            </a:pPr>
+              <a:defRPr sz="2700" b="0">
+                <a:solidFill>
+                  <a:schemeClr val="accent1">
+                    <a:hueOff val="273561"/>
+                    <a:satOff val="2937"/>
+                    <a:lumOff val="-22233"/>
+                  </a:schemeClr>
+                </a:solidFill>
+                <a:latin typeface="Consolas"/>
+                <a:ea typeface="Consolas"/>
+                <a:cs typeface="Consolas"/>
+                <a:sym typeface="Consolas"/>
+              </a:defRPr>
+            </a:pPr>
+            <a:endParaRPr/>
           </a:p>
           <a:p>
             <a:pPr algn="l" defTabSz="457200">
@@ -6228,42 +6342,43 @@
                 <a:tab pos="8724900" algn="l"/>
                 <a:tab pos="9296400" algn="l"/>
               </a:tabLst>
-              <a:defRPr b="0" sz="2700">
-                <a:solidFill>
-                  <a:schemeClr val="accent1">
-                    <a:hueOff val="273561"/>
-                    <a:satOff val="2937"/>
-                    <a:lumOff val="-22233"/>
-                  </a:schemeClr>
-                </a:solidFill>
-                <a:latin typeface="Consolas"/>
-                <a:ea typeface="Consolas"/>
-                <a:cs typeface="Consolas"/>
-                <a:sym typeface="Consolas"/>
-              </a:defRPr>
-            </a:pPr>
-          </a:p>
-          <a:p>
-            <a:pPr algn="l" defTabSz="457200">
-              <a:tabLst>
-                <a:tab pos="571500" algn="l"/>
-                <a:tab pos="1155700" algn="l"/>
-                <a:tab pos="1739900" algn="l"/>
-                <a:tab pos="2324100" algn="l"/>
-                <a:tab pos="2908300" algn="l"/>
-                <a:tab pos="3479800" algn="l"/>
-                <a:tab pos="4064000" algn="l"/>
-                <a:tab pos="4648200" algn="l"/>
-                <a:tab pos="5232400" algn="l"/>
-                <a:tab pos="5816600" algn="l"/>
-                <a:tab pos="6388100" algn="l"/>
-                <a:tab pos="6972300" algn="l"/>
-                <a:tab pos="7556500" algn="l"/>
-                <a:tab pos="8140700" algn="l"/>
-                <a:tab pos="8724900" algn="l"/>
-                <a:tab pos="9296400" algn="l"/>
-              </a:tabLst>
-              <a:defRPr b="0" sz="2700">
+              <a:defRPr sz="2700" b="0">
+                <a:solidFill>
+                  <a:schemeClr val="accent1">
+                    <a:hueOff val="273561"/>
+                    <a:satOff val="2937"/>
+                    <a:lumOff val="-22233"/>
+                  </a:schemeClr>
+                </a:solidFill>
+                <a:latin typeface="Consolas"/>
+                <a:ea typeface="Consolas"/>
+                <a:cs typeface="Consolas"/>
+                <a:sym typeface="Consolas"/>
+              </a:defRPr>
+            </a:pPr>
+            <a:endParaRPr/>
+          </a:p>
+          <a:p>
+            <a:pPr algn="l" defTabSz="457200">
+              <a:tabLst>
+                <a:tab pos="571500" algn="l"/>
+                <a:tab pos="1155700" algn="l"/>
+                <a:tab pos="1739900" algn="l"/>
+                <a:tab pos="2324100" algn="l"/>
+                <a:tab pos="2908300" algn="l"/>
+                <a:tab pos="3479800" algn="l"/>
+                <a:tab pos="4064000" algn="l"/>
+                <a:tab pos="4648200" algn="l"/>
+                <a:tab pos="5232400" algn="l"/>
+                <a:tab pos="5816600" algn="l"/>
+                <a:tab pos="6388100" algn="l"/>
+                <a:tab pos="6972300" algn="l"/>
+                <a:tab pos="7556500" algn="l"/>
+                <a:tab pos="8140700" algn="l"/>
+                <a:tab pos="8724900" algn="l"/>
+                <a:tab pos="9296400" algn="l"/>
+              </a:tabLst>
+              <a:defRPr sz="2700" b="0">
                 <a:solidFill>
                   <a:schemeClr val="accent1">
                     <a:hueOff val="273561"/>
@@ -6301,7 +6416,7 @@
                 <a:tab pos="8724900" algn="l"/>
                 <a:tab pos="9296400" algn="l"/>
               </a:tabLst>
-              <a:defRPr b="0" sz="2700">
+              <a:defRPr sz="2700" b="0">
                 <a:solidFill>
                   <a:schemeClr val="accent1">
                     <a:hueOff val="273561"/>
@@ -6350,7 +6465,7 @@
                 <a:tab pos="8724900" algn="l"/>
                 <a:tab pos="9296400" algn="l"/>
               </a:tabLst>
-              <a:defRPr b="0" sz="2700">
+              <a:defRPr sz="2700" b="0">
                 <a:solidFill>
                   <a:schemeClr val="accent1">
                     <a:hueOff val="273561"/>
@@ -6389,7 +6504,7 @@
           </a:ln>
           <a:extLst>
             <a:ext uri="{C572A759-6A51-4108-AA02-DFA0A04FC94B}">
-              <ma14:wrappingTextBoxFlag xmlns:ma14="http://schemas.microsoft.com/office/mac/drawingml/2011/main" val="1"/>
+              <ma14:wrappingTextBoxFlag xmlns="" xmlns:m="http://schemas.openxmlformats.org/officeDocument/2006/math" xmlns:a14="http://schemas.microsoft.com/office/drawing/2010/main" xmlns:ma14="http://schemas.microsoft.com/office/mac/drawingml/2011/main" val="1"/>
             </a:ext>
           </a:extLst>
         </p:spPr>
@@ -6418,7 +6533,7 @@
                 <a:tab pos="8724900" algn="l"/>
                 <a:tab pos="9296400" algn="l"/>
               </a:tabLst>
-              <a:defRPr b="0" sz="2700">
+              <a:defRPr sz="2700" b="0">
                 <a:solidFill>
                   <a:schemeClr val="accent1">
                     <a:hueOff val="273561"/>
@@ -6456,7 +6571,7 @@
                 <a:tab pos="8724900" algn="l"/>
                 <a:tab pos="9296400" algn="l"/>
               </a:tabLst>
-              <a:defRPr b="0" sz="2900">
+              <a:defRPr sz="2900" b="0">
                 <a:solidFill>
                   <a:srgbClr val="53585F"/>
                 </a:solidFill>
@@ -6493,42 +6608,43 @@
                 <a:tab pos="8724900" algn="l"/>
                 <a:tab pos="9296400" algn="l"/>
               </a:tabLst>
-              <a:defRPr b="0" sz="2700">
-                <a:solidFill>
-                  <a:schemeClr val="accent1">
-                    <a:hueOff val="273561"/>
-                    <a:satOff val="2937"/>
-                    <a:lumOff val="-22233"/>
-                  </a:schemeClr>
-                </a:solidFill>
-                <a:latin typeface="Consolas"/>
-                <a:ea typeface="Consolas"/>
-                <a:cs typeface="Consolas"/>
-                <a:sym typeface="Consolas"/>
-              </a:defRPr>
-            </a:pPr>
-          </a:p>
-          <a:p>
-            <a:pPr algn="l" defTabSz="457200">
-              <a:tabLst>
-                <a:tab pos="571500" algn="l"/>
-                <a:tab pos="1155700" algn="l"/>
-                <a:tab pos="1739900" algn="l"/>
-                <a:tab pos="2324100" algn="l"/>
-                <a:tab pos="2908300" algn="l"/>
-                <a:tab pos="3479800" algn="l"/>
-                <a:tab pos="4064000" algn="l"/>
-                <a:tab pos="4648200" algn="l"/>
-                <a:tab pos="5232400" algn="l"/>
-                <a:tab pos="5816600" algn="l"/>
-                <a:tab pos="6388100" algn="l"/>
-                <a:tab pos="6972300" algn="l"/>
-                <a:tab pos="7556500" algn="l"/>
-                <a:tab pos="8140700" algn="l"/>
-                <a:tab pos="8724900" algn="l"/>
-                <a:tab pos="9296400" algn="l"/>
-              </a:tabLst>
-              <a:defRPr b="0" sz="2700">
+              <a:defRPr sz="2700" b="0">
+                <a:solidFill>
+                  <a:schemeClr val="accent1">
+                    <a:hueOff val="273561"/>
+                    <a:satOff val="2937"/>
+                    <a:lumOff val="-22233"/>
+                  </a:schemeClr>
+                </a:solidFill>
+                <a:latin typeface="Consolas"/>
+                <a:ea typeface="Consolas"/>
+                <a:cs typeface="Consolas"/>
+                <a:sym typeface="Consolas"/>
+              </a:defRPr>
+            </a:pPr>
+            <a:endParaRPr/>
+          </a:p>
+          <a:p>
+            <a:pPr algn="l" defTabSz="457200">
+              <a:tabLst>
+                <a:tab pos="571500" algn="l"/>
+                <a:tab pos="1155700" algn="l"/>
+                <a:tab pos="1739900" algn="l"/>
+                <a:tab pos="2324100" algn="l"/>
+                <a:tab pos="2908300" algn="l"/>
+                <a:tab pos="3479800" algn="l"/>
+                <a:tab pos="4064000" algn="l"/>
+                <a:tab pos="4648200" algn="l"/>
+                <a:tab pos="5232400" algn="l"/>
+                <a:tab pos="5816600" algn="l"/>
+                <a:tab pos="6388100" algn="l"/>
+                <a:tab pos="6972300" algn="l"/>
+                <a:tab pos="7556500" algn="l"/>
+                <a:tab pos="8140700" algn="l"/>
+                <a:tab pos="8724900" algn="l"/>
+                <a:tab pos="9296400" algn="l"/>
+              </a:tabLst>
+              <a:defRPr sz="2700" b="0">
                 <a:solidFill>
                   <a:schemeClr val="accent1">
                     <a:hueOff val="273561"/>
@@ -6566,7 +6682,7 @@
                 <a:tab pos="8724900" algn="l"/>
                 <a:tab pos="9296400" algn="l"/>
               </a:tabLst>
-              <a:defRPr b="0" sz="2900">
+              <a:defRPr sz="2900" b="0">
                 <a:solidFill>
                   <a:srgbClr val="53585F"/>
                 </a:solidFill>
@@ -6587,12 +6703,12 @@
   <p:clrMapOvr>
     <a:masterClrMapping/>
   </p:clrMapOvr>
-  <p:transition xmlns:p14="http://schemas.microsoft.com/office/powerpoint/2010/main" spd="med" advClick="1"/>
+  <p:transition spd="med"/>
 </p:sld>
 </file>
 
 <file path=ppt/slides/slide15.xml><?xml version="1.0" encoding="utf-8"?>
-<p:sld xmlns:a="http://schemas.openxmlformats.org/drawingml/2006/main" xmlns:r="http://schemas.openxmlformats.org/officeDocument/2006/relationships" xmlns:p="http://schemas.openxmlformats.org/presentationml/2006/main" xmlns:m="http://schemas.openxmlformats.org/officeDocument/2006/math" xmlns:a14="http://schemas.microsoft.com/office/drawing/2010/main" showMasterSp="1" showMasterPhAnim="1">
+<p:sld xmlns:a="http://schemas.openxmlformats.org/drawingml/2006/main" xmlns:r="http://schemas.openxmlformats.org/officeDocument/2006/relationships" xmlns:p="http://schemas.openxmlformats.org/presentationml/2006/main">
   <p:cSld>
     <p:spTree>
       <p:nvGrpSpPr>
@@ -6644,7 +6760,7 @@
             <a:effectLst/>
             <a:extLst>
               <a:ext uri="{C572A759-6A51-4108-AA02-DFA0A04FC94B}">
-                <ma14:wrappingTextBoxFlag xmlns:ma14="http://schemas.microsoft.com/office/mac/drawingml/2011/main" val="1"/>
+                <ma14:wrappingTextBoxFlag xmlns="" xmlns:m="http://schemas.openxmlformats.org/officeDocument/2006/math" xmlns:a14="http://schemas.microsoft.com/office/drawing/2010/main" xmlns:ma14="http://schemas.microsoft.com/office/mac/drawingml/2011/main" val="1"/>
               </a:ext>
             </a:extLst>
           </p:spPr>
@@ -6654,7 +6770,7 @@
             </a:bodyPr>
             <a:lstStyle>
               <a:lvl1pPr defTabSz="825500">
-                <a:defRPr b="0" sz="11000">
+                <a:defRPr sz="11000" b="0">
                   <a:solidFill>
                     <a:srgbClr val="000000"/>
                   </a:solidFill>
@@ -6666,7 +6782,6 @@
               </a:lvl1pPr>
             </a:lstStyle>
             <a:p>
-              <a:pPr/>
               <a:r>
                 <a:t>Thank</a:t>
               </a:r>
@@ -6699,7 +6814,7 @@
             <a:effectLst/>
             <a:extLst>
               <a:ext uri="{C572A759-6A51-4108-AA02-DFA0A04FC94B}">
-                <ma14:wrappingTextBoxFlag xmlns:ma14="http://schemas.microsoft.com/office/mac/drawingml/2011/main" val="1"/>
+                <ma14:wrappingTextBoxFlag xmlns="" xmlns:m="http://schemas.openxmlformats.org/officeDocument/2006/math" xmlns:a14="http://schemas.microsoft.com/office/drawing/2010/main" xmlns:ma14="http://schemas.microsoft.com/office/mac/drawingml/2011/main" val="1"/>
               </a:ext>
             </a:extLst>
           </p:spPr>
@@ -6709,7 +6824,7 @@
             </a:bodyPr>
             <a:lstStyle>
               <a:lvl1pPr defTabSz="825500">
-                <a:defRPr b="0" sz="11000">
+                <a:defRPr sz="11000" b="0">
                   <a:solidFill>
                     <a:srgbClr val="FD1015"/>
                   </a:solidFill>
@@ -6721,7 +6836,6 @@
               </a:lvl1pPr>
             </a:lstStyle>
             <a:p>
-              <a:pPr/>
               <a:r>
                 <a:t>you.</a:t>
               </a:r>
@@ -6738,9 +6852,7 @@
           <p:nvPr/>
         </p:nvPicPr>
         <p:blipFill>
-          <a:blip r:embed="rId2">
-            <a:extLst/>
-          </a:blip>
+          <a:blip r:embed="rId2"/>
           <a:stretch>
             <a:fillRect/>
           </a:stretch>
@@ -6763,12 +6875,12 @@
   <p:clrMapOvr>
     <a:masterClrMapping/>
   </p:clrMapOvr>
-  <p:transition xmlns:p14="http://schemas.microsoft.com/office/powerpoint/2010/main" spd="med" advClick="1"/>
+  <p:transition spd="med"/>
 </p:sld>
 </file>
 
 <file path=ppt/slides/slide2.xml><?xml version="1.0" encoding="utf-8"?>
-<p:sld xmlns:a="http://schemas.openxmlformats.org/drawingml/2006/main" xmlns:r="http://schemas.openxmlformats.org/officeDocument/2006/relationships" xmlns:p="http://schemas.openxmlformats.org/presentationml/2006/main" xmlns:m="http://schemas.openxmlformats.org/officeDocument/2006/math" xmlns:a14="http://schemas.microsoft.com/office/drawing/2010/main" showMasterSp="1" showMasterPhAnim="1">
+<p:sld xmlns:a="http://schemas.openxmlformats.org/drawingml/2006/main" xmlns:r="http://schemas.openxmlformats.org/officeDocument/2006/relationships" xmlns:p="http://schemas.openxmlformats.org/presentationml/2006/main">
   <p:cSld>
     <p:spTree>
       <p:nvGrpSpPr>
@@ -6803,7 +6915,7 @@
           </a:ln>
           <a:extLst>
             <a:ext uri="{C572A759-6A51-4108-AA02-DFA0A04FC94B}">
-              <ma14:wrappingTextBoxFlag xmlns:ma14="http://schemas.microsoft.com/office/mac/drawingml/2011/main" val="1"/>
+              <ma14:wrappingTextBoxFlag xmlns="" xmlns:m="http://schemas.openxmlformats.org/officeDocument/2006/math" xmlns:a14="http://schemas.microsoft.com/office/drawing/2010/main" xmlns:ma14="http://schemas.microsoft.com/office/mac/drawingml/2011/main" val="1"/>
             </a:ext>
           </a:extLst>
         </p:spPr>
@@ -6825,7 +6937,7 @@
               </a:defRPr>
             </a:pPr>
             <a:r>
-              <a:rPr>
+              <a:rPr dirty="0">
                 <a:solidFill>
                   <a:srgbClr val="FA1116"/>
                 </a:solidFill>
@@ -6833,12 +6945,38 @@
               <a:t>P</a:t>
             </a:r>
             <a:r>
-              <a:rPr>
+              <a:rPr dirty="0">
                 <a:solidFill>
                   <a:srgbClr val="000000"/>
                 </a:solidFill>
               </a:rPr>
-              <a:t>rivate and public class methods</a:t>
+              <a:t>rivate and public class </a:t>
+            </a:r>
+            <a:endParaRPr lang="en-CA" dirty="0">
+              <a:solidFill>
+                <a:srgbClr val="000000"/>
+              </a:solidFill>
+            </a:endParaRPr>
+          </a:p>
+          <a:p>
+            <a:pPr>
+              <a:defRPr sz="8000">
+                <a:solidFill>
+                  <a:schemeClr val="accent5">
+                    <a:hueOff val="-444211"/>
+                    <a:satOff val="-14915"/>
+                    <a:lumOff val="22857"/>
+                  </a:schemeClr>
+                </a:solidFill>
+              </a:defRPr>
+            </a:pPr>
+            <a:r>
+              <a:rPr dirty="0">
+                <a:solidFill>
+                  <a:srgbClr val="000000"/>
+                </a:solidFill>
+              </a:rPr>
+              <a:t>methods</a:t>
             </a:r>
           </a:p>
         </p:txBody>
@@ -6862,7 +7000,7 @@
           </a:ln>
           <a:extLst>
             <a:ext uri="{C572A759-6A51-4108-AA02-DFA0A04FC94B}">
-              <ma14:wrappingTextBoxFlag xmlns:ma14="http://schemas.microsoft.com/office/mac/drawingml/2011/main" val="1"/>
+              <ma14:wrappingTextBoxFlag xmlns="" xmlns:m="http://schemas.openxmlformats.org/officeDocument/2006/math" xmlns:a14="http://schemas.microsoft.com/office/drawing/2010/main" xmlns:ma14="http://schemas.microsoft.com/office/mac/drawingml/2011/main" val="1"/>
             </a:ext>
           </a:extLst>
         </p:spPr>
@@ -6876,7 +7014,7 @@
               <a:spcBef>
                 <a:spcPts val="500"/>
               </a:spcBef>
-              <a:defRPr b="0" sz="3500">
+              <a:defRPr sz="3500" b="0">
                 <a:latin typeface="Helvetica"/>
                 <a:ea typeface="Helvetica"/>
                 <a:cs typeface="Helvetica"/>
@@ -6892,20 +7030,21 @@
               <a:spcBef>
                 <a:spcPts val="500"/>
               </a:spcBef>
-              <a:defRPr b="0" sz="3500">
+              <a:defRPr sz="3500" b="0">
                 <a:latin typeface="Helvetica"/>
                 <a:ea typeface="Helvetica"/>
                 <a:cs typeface="Helvetica"/>
                 <a:sym typeface="Helvetica"/>
               </a:defRPr>
             </a:pPr>
+            <a:endParaRPr/>
           </a:p>
           <a:p>
             <a:pPr algn="l" defTabSz="457200">
               <a:spcBef>
                 <a:spcPts val="500"/>
               </a:spcBef>
-              <a:defRPr b="0" sz="3500">
+              <a:defRPr sz="3500" b="0">
                 <a:latin typeface="Helvetica"/>
                 <a:ea typeface="Helvetica"/>
                 <a:cs typeface="Helvetica"/>
@@ -6935,20 +7074,21 @@
               <a:spcBef>
                 <a:spcPts val="500"/>
               </a:spcBef>
-              <a:defRPr b="0" sz="3500">
+              <a:defRPr sz="3500" b="0">
                 <a:latin typeface="Helvetica"/>
                 <a:ea typeface="Helvetica"/>
                 <a:cs typeface="Helvetica"/>
                 <a:sym typeface="Helvetica"/>
               </a:defRPr>
             </a:pPr>
+            <a:endParaRPr/>
           </a:p>
           <a:p>
             <a:pPr algn="l" defTabSz="457200">
               <a:spcBef>
                 <a:spcPts val="500"/>
               </a:spcBef>
-              <a:defRPr b="0" sz="3500">
+              <a:defRPr sz="3500" b="0">
                 <a:latin typeface="Helvetica"/>
                 <a:ea typeface="Helvetica"/>
                 <a:cs typeface="Helvetica"/>
@@ -6973,12 +7113,12 @@
   <p:clrMapOvr>
     <a:masterClrMapping/>
   </p:clrMapOvr>
-  <p:transition xmlns:p14="http://schemas.microsoft.com/office/powerpoint/2010/main" spd="med" advClick="1"/>
+  <p:transition spd="med"/>
 </p:sld>
 </file>
 
 <file path=ppt/slides/slide3.xml><?xml version="1.0" encoding="utf-8"?>
-<p:sld xmlns:a="http://schemas.openxmlformats.org/drawingml/2006/main" xmlns:r="http://schemas.openxmlformats.org/officeDocument/2006/relationships" xmlns:p="http://schemas.openxmlformats.org/presentationml/2006/main" xmlns:m="http://schemas.openxmlformats.org/officeDocument/2006/math" xmlns:a14="http://schemas.microsoft.com/office/drawing/2010/main" showMasterSp="1" showMasterPhAnim="1">
+<p:sld xmlns:a="http://schemas.openxmlformats.org/drawingml/2006/main" xmlns:r="http://schemas.openxmlformats.org/officeDocument/2006/relationships" xmlns:p="http://schemas.openxmlformats.org/presentationml/2006/main">
   <p:cSld>
     <p:spTree>
       <p:nvGrpSpPr>
@@ -7013,7 +7153,7 @@
           </a:ln>
           <a:extLst>
             <a:ext uri="{C572A759-6A51-4108-AA02-DFA0A04FC94B}">
-              <ma14:wrappingTextBoxFlag xmlns:ma14="http://schemas.microsoft.com/office/mac/drawingml/2011/main" val="1"/>
+              <ma14:wrappingTextBoxFlag xmlns="" xmlns:m="http://schemas.openxmlformats.org/officeDocument/2006/math" xmlns:a14="http://schemas.microsoft.com/office/drawing/2010/main" xmlns:ma14="http://schemas.microsoft.com/office/mac/drawingml/2011/main" val="1"/>
             </a:ext>
           </a:extLst>
         </p:spPr>
@@ -7072,7 +7212,7 @@
           </a:ln>
           <a:extLst>
             <a:ext uri="{C572A759-6A51-4108-AA02-DFA0A04FC94B}">
-              <ma14:wrappingTextBoxFlag xmlns:ma14="http://schemas.microsoft.com/office/mac/drawingml/2011/main" val="1"/>
+              <ma14:wrappingTextBoxFlag xmlns="" xmlns:m="http://schemas.openxmlformats.org/officeDocument/2006/math" xmlns:a14="http://schemas.microsoft.com/office/drawing/2010/main" xmlns:ma14="http://schemas.microsoft.com/office/mac/drawingml/2011/main" val="1"/>
             </a:ext>
           </a:extLst>
         </p:spPr>
@@ -7086,7 +7226,7 @@
               <a:spcBef>
                 <a:spcPts val="500"/>
               </a:spcBef>
-              <a:defRPr b="0" sz="3500">
+              <a:defRPr sz="3500" b="0">
                 <a:latin typeface="Helvetica"/>
                 <a:ea typeface="Helvetica"/>
                 <a:cs typeface="Helvetica"/>
@@ -7094,7 +7234,7 @@
               </a:defRPr>
             </a:pPr>
             <a:r>
-              <a:rPr b="1" sz="3600">
+              <a:rPr sz="3600" b="1">
                 <a:solidFill>
                   <a:srgbClr val="FA1116"/>
                 </a:solidFill>
@@ -7126,7 +7266,7 @@
           </a:ln>
           <a:extLst>
             <a:ext uri="{C572A759-6A51-4108-AA02-DFA0A04FC94B}">
-              <ma14:wrappingTextBoxFlag xmlns:ma14="http://schemas.microsoft.com/office/mac/drawingml/2011/main" val="1"/>
+              <ma14:wrappingTextBoxFlag xmlns="" xmlns:m="http://schemas.openxmlformats.org/officeDocument/2006/math" xmlns:a14="http://schemas.microsoft.com/office/drawing/2010/main" xmlns:ma14="http://schemas.microsoft.com/office/mac/drawingml/2011/main" val="1"/>
             </a:ext>
           </a:extLst>
         </p:spPr>
@@ -7155,7 +7295,7 @@
                 <a:tab pos="8724900" algn="l"/>
                 <a:tab pos="9296400" algn="l"/>
               </a:tabLst>
-              <a:defRPr b="0" sz="3000">
+              <a:defRPr sz="3000" b="0">
                 <a:solidFill>
                   <a:schemeClr val="accent1">
                     <a:hueOff val="273561"/>
@@ -7193,7 +7333,7 @@
                 <a:tab pos="8724900" algn="l"/>
                 <a:tab pos="9296400" algn="l"/>
               </a:tabLst>
-              <a:defRPr b="0" sz="3000">
+              <a:defRPr sz="3000" b="0">
                 <a:solidFill>
                   <a:schemeClr val="accent1">
                     <a:hueOff val="273561"/>
@@ -7231,7 +7371,7 @@
                 <a:tab pos="8724900" algn="l"/>
                 <a:tab pos="9296400" algn="l"/>
               </a:tabLst>
-              <a:defRPr b="0" sz="3000">
+              <a:defRPr sz="3000" b="0">
                 <a:solidFill>
                   <a:schemeClr val="accent1">
                     <a:hueOff val="273561"/>
@@ -7269,7 +7409,7 @@
                 <a:tab pos="8724900" algn="l"/>
                 <a:tab pos="9296400" algn="l"/>
               </a:tabLst>
-              <a:defRPr b="0" sz="3000">
+              <a:defRPr sz="3000" b="0">
                 <a:solidFill>
                   <a:schemeClr val="accent1">
                     <a:hueOff val="273561"/>
@@ -7307,42 +7447,43 @@
                 <a:tab pos="8724900" algn="l"/>
                 <a:tab pos="9296400" algn="l"/>
               </a:tabLst>
-              <a:defRPr b="0" sz="2600">
-                <a:solidFill>
-                  <a:schemeClr val="accent1">
-                    <a:hueOff val="273561"/>
-                    <a:satOff val="2937"/>
-                    <a:lumOff val="-22233"/>
-                  </a:schemeClr>
-                </a:solidFill>
-                <a:latin typeface="Consolas"/>
-                <a:ea typeface="Consolas"/>
-                <a:cs typeface="Consolas"/>
-                <a:sym typeface="Consolas"/>
-              </a:defRPr>
-            </a:pPr>
-          </a:p>
-          <a:p>
-            <a:pPr algn="l" defTabSz="457200">
-              <a:tabLst>
-                <a:tab pos="571500" algn="l"/>
-                <a:tab pos="1155700" algn="l"/>
-                <a:tab pos="1739900" algn="l"/>
-                <a:tab pos="2324100" algn="l"/>
-                <a:tab pos="2908300" algn="l"/>
-                <a:tab pos="3479800" algn="l"/>
-                <a:tab pos="4064000" algn="l"/>
-                <a:tab pos="4648200" algn="l"/>
-                <a:tab pos="5232400" algn="l"/>
-                <a:tab pos="5816600" algn="l"/>
-                <a:tab pos="6388100" algn="l"/>
-                <a:tab pos="6972300" algn="l"/>
-                <a:tab pos="7556500" algn="l"/>
-                <a:tab pos="8140700" algn="l"/>
-                <a:tab pos="8724900" algn="l"/>
-                <a:tab pos="9296400" algn="l"/>
-              </a:tabLst>
-              <a:defRPr b="0" sz="3000">
+              <a:defRPr sz="2600" b="0">
+                <a:solidFill>
+                  <a:schemeClr val="accent1">
+                    <a:hueOff val="273561"/>
+                    <a:satOff val="2937"/>
+                    <a:lumOff val="-22233"/>
+                  </a:schemeClr>
+                </a:solidFill>
+                <a:latin typeface="Consolas"/>
+                <a:ea typeface="Consolas"/>
+                <a:cs typeface="Consolas"/>
+                <a:sym typeface="Consolas"/>
+              </a:defRPr>
+            </a:pPr>
+            <a:endParaRPr/>
+          </a:p>
+          <a:p>
+            <a:pPr algn="l" defTabSz="457200">
+              <a:tabLst>
+                <a:tab pos="571500" algn="l"/>
+                <a:tab pos="1155700" algn="l"/>
+                <a:tab pos="1739900" algn="l"/>
+                <a:tab pos="2324100" algn="l"/>
+                <a:tab pos="2908300" algn="l"/>
+                <a:tab pos="3479800" algn="l"/>
+                <a:tab pos="4064000" algn="l"/>
+                <a:tab pos="4648200" algn="l"/>
+                <a:tab pos="5232400" algn="l"/>
+                <a:tab pos="5816600" algn="l"/>
+                <a:tab pos="6388100" algn="l"/>
+                <a:tab pos="6972300" algn="l"/>
+                <a:tab pos="7556500" algn="l"/>
+                <a:tab pos="8140700" algn="l"/>
+                <a:tab pos="8724900" algn="l"/>
+                <a:tab pos="9296400" algn="l"/>
+              </a:tabLst>
+              <a:defRPr sz="3000" b="0">
                 <a:solidFill>
                   <a:schemeClr val="accent1">
                     <a:hueOff val="273561"/>
@@ -7380,7 +7521,7 @@
                 <a:tab pos="8724900" algn="l"/>
                 <a:tab pos="9296400" algn="l"/>
               </a:tabLst>
-              <a:defRPr b="0" sz="3000">
+              <a:defRPr sz="3000" b="0">
                 <a:solidFill>
                   <a:schemeClr val="accent1">
                     <a:hueOff val="273561"/>
@@ -7418,7 +7559,7 @@
                 <a:tab pos="8724900" algn="l"/>
                 <a:tab pos="9296400" algn="l"/>
               </a:tabLst>
-              <a:defRPr b="0" sz="3000">
+              <a:defRPr sz="3000" b="0">
                 <a:solidFill>
                   <a:schemeClr val="accent1">
                     <a:hueOff val="273561"/>
@@ -7456,7 +7597,7 @@
                 <a:tab pos="8724900" algn="l"/>
                 <a:tab pos="9296400" algn="l"/>
               </a:tabLst>
-              <a:defRPr b="0" sz="3000">
+              <a:defRPr sz="3000" b="0">
                 <a:solidFill>
                   <a:schemeClr val="accent1">
                     <a:hueOff val="273561"/>
@@ -7476,34 +7617,35 @@
           </a:p>
           <a:p>
             <a:pPr algn="l">
-              <a:defRPr b="0" sz="2500">
+              <a:defRPr sz="2500" b="0">
                 <a:solidFill>
                   <a:srgbClr val="C0C0C0"/>
                 </a:solidFill>
               </a:defRPr>
             </a:pPr>
-          </a:p>
-          <a:p>
-            <a:pPr algn="l" defTabSz="457200">
-              <a:tabLst>
-                <a:tab pos="571500" algn="l"/>
-                <a:tab pos="1155700" algn="l"/>
-                <a:tab pos="1739900" algn="l"/>
-                <a:tab pos="2324100" algn="l"/>
-                <a:tab pos="2908300" algn="l"/>
-                <a:tab pos="3479800" algn="l"/>
-                <a:tab pos="4064000" algn="l"/>
-                <a:tab pos="4648200" algn="l"/>
-                <a:tab pos="5232400" algn="l"/>
-                <a:tab pos="5816600" algn="l"/>
-                <a:tab pos="6388100" algn="l"/>
-                <a:tab pos="6972300" algn="l"/>
-                <a:tab pos="7556500" algn="l"/>
-                <a:tab pos="8140700" algn="l"/>
-                <a:tab pos="8724900" algn="l"/>
-                <a:tab pos="9296400" algn="l"/>
-              </a:tabLst>
-              <a:defRPr b="0" sz="3000">
+            <a:endParaRPr/>
+          </a:p>
+          <a:p>
+            <a:pPr algn="l" defTabSz="457200">
+              <a:tabLst>
+                <a:tab pos="571500" algn="l"/>
+                <a:tab pos="1155700" algn="l"/>
+                <a:tab pos="1739900" algn="l"/>
+                <a:tab pos="2324100" algn="l"/>
+                <a:tab pos="2908300" algn="l"/>
+                <a:tab pos="3479800" algn="l"/>
+                <a:tab pos="4064000" algn="l"/>
+                <a:tab pos="4648200" algn="l"/>
+                <a:tab pos="5232400" algn="l"/>
+                <a:tab pos="5816600" algn="l"/>
+                <a:tab pos="6388100" algn="l"/>
+                <a:tab pos="6972300" algn="l"/>
+                <a:tab pos="7556500" algn="l"/>
+                <a:tab pos="8140700" algn="l"/>
+                <a:tab pos="8724900" algn="l"/>
+                <a:tab pos="9296400" algn="l"/>
+              </a:tabLst>
+              <a:defRPr sz="3000" b="0">
                 <a:solidFill>
                   <a:schemeClr val="accent1">
                     <a:hueOff val="273561"/>
@@ -7541,7 +7683,7 @@
                 <a:tab pos="8724900" algn="l"/>
                 <a:tab pos="9296400" algn="l"/>
               </a:tabLst>
-              <a:defRPr b="0" sz="3000">
+              <a:defRPr sz="3000" b="0">
                 <a:solidFill>
                   <a:schemeClr val="accent1">
                     <a:hueOff val="273561"/>
@@ -7579,42 +7721,43 @@
                 <a:tab pos="8724900" algn="l"/>
                 <a:tab pos="9296400" algn="l"/>
               </a:tabLst>
-              <a:defRPr b="0" sz="3000">
-                <a:solidFill>
-                  <a:schemeClr val="accent1">
-                    <a:hueOff val="273561"/>
-                    <a:satOff val="2937"/>
-                    <a:lumOff val="-22233"/>
-                  </a:schemeClr>
-                </a:solidFill>
-                <a:latin typeface="Consolas"/>
-                <a:ea typeface="Consolas"/>
-                <a:cs typeface="Consolas"/>
-                <a:sym typeface="Consolas"/>
-              </a:defRPr>
-            </a:pPr>
-          </a:p>
-          <a:p>
-            <a:pPr algn="l" defTabSz="457200">
-              <a:tabLst>
-                <a:tab pos="571500" algn="l"/>
-                <a:tab pos="1155700" algn="l"/>
-                <a:tab pos="1739900" algn="l"/>
-                <a:tab pos="2324100" algn="l"/>
-                <a:tab pos="2908300" algn="l"/>
-                <a:tab pos="3479800" algn="l"/>
-                <a:tab pos="4064000" algn="l"/>
-                <a:tab pos="4648200" algn="l"/>
-                <a:tab pos="5232400" algn="l"/>
-                <a:tab pos="5816600" algn="l"/>
-                <a:tab pos="6388100" algn="l"/>
-                <a:tab pos="6972300" algn="l"/>
-                <a:tab pos="7556500" algn="l"/>
-                <a:tab pos="8140700" algn="l"/>
-                <a:tab pos="8724900" algn="l"/>
-                <a:tab pos="9296400" algn="l"/>
-              </a:tabLst>
-              <a:defRPr b="0" sz="3000">
+              <a:defRPr sz="3000" b="0">
+                <a:solidFill>
+                  <a:schemeClr val="accent1">
+                    <a:hueOff val="273561"/>
+                    <a:satOff val="2937"/>
+                    <a:lumOff val="-22233"/>
+                  </a:schemeClr>
+                </a:solidFill>
+                <a:latin typeface="Consolas"/>
+                <a:ea typeface="Consolas"/>
+                <a:cs typeface="Consolas"/>
+                <a:sym typeface="Consolas"/>
+              </a:defRPr>
+            </a:pPr>
+            <a:endParaRPr/>
+          </a:p>
+          <a:p>
+            <a:pPr algn="l" defTabSz="457200">
+              <a:tabLst>
+                <a:tab pos="571500" algn="l"/>
+                <a:tab pos="1155700" algn="l"/>
+                <a:tab pos="1739900" algn="l"/>
+                <a:tab pos="2324100" algn="l"/>
+                <a:tab pos="2908300" algn="l"/>
+                <a:tab pos="3479800" algn="l"/>
+                <a:tab pos="4064000" algn="l"/>
+                <a:tab pos="4648200" algn="l"/>
+                <a:tab pos="5232400" algn="l"/>
+                <a:tab pos="5816600" algn="l"/>
+                <a:tab pos="6388100" algn="l"/>
+                <a:tab pos="6972300" algn="l"/>
+                <a:tab pos="7556500" algn="l"/>
+                <a:tab pos="8140700" algn="l"/>
+                <a:tab pos="8724900" algn="l"/>
+                <a:tab pos="9296400" algn="l"/>
+              </a:tabLst>
+              <a:defRPr sz="3000" b="0">
                 <a:solidFill>
                   <a:srgbClr val="53585F"/>
                 </a:solidFill>
@@ -7657,7 +7800,7 @@
           <a:lstStyle/>
           <a:p>
             <a:pPr>
-              <a:defRPr b="0" sz="2200">
+              <a:defRPr sz="2200" b="0">
                 <a:solidFill>
                   <a:srgbClr val="000000"/>
                 </a:solidFill>
@@ -7667,6 +7810,7 @@
                 <a:sym typeface="Helvetica Light"/>
               </a:defRPr>
             </a:pPr>
+            <a:endParaRPr/>
           </a:p>
         </p:txBody>
       </p:sp>
@@ -7689,7 +7833,7 @@
           </a:ln>
           <a:extLst>
             <a:ext uri="{C572A759-6A51-4108-AA02-DFA0A04FC94B}">
-              <ma14:wrappingTextBoxFlag xmlns:ma14="http://schemas.microsoft.com/office/mac/drawingml/2011/main" val="1"/>
+              <ma14:wrappingTextBoxFlag xmlns="" xmlns:m="http://schemas.openxmlformats.org/officeDocument/2006/math" xmlns:a14="http://schemas.microsoft.com/office/drawing/2010/main" xmlns:ma14="http://schemas.microsoft.com/office/mac/drawingml/2011/main" val="1"/>
             </a:ext>
           </a:extLst>
         </p:spPr>
@@ -7699,11 +7843,10 @@
           </a:bodyPr>
           <a:lstStyle>
             <a:lvl1pPr algn="l">
-              <a:defRPr b="0" sz="1900"/>
+              <a:defRPr sz="1900" b="0"/>
             </a:lvl1pPr>
           </a:lstStyle>
           <a:p>
-            <a:pPr/>
             <a:r>
               <a:t>the “cat” instance managed to access the .speak method from within the Animal Class definition scope</a:t>
             </a:r>
@@ -7715,12 +7858,12 @@
   <p:clrMapOvr>
     <a:masterClrMapping/>
   </p:clrMapOvr>
-  <p:transition xmlns:p14="http://schemas.microsoft.com/office/powerpoint/2010/main" spd="med" advClick="1"/>
+  <p:transition spd="med"/>
 </p:sld>
 </file>
 
 <file path=ppt/slides/slide4.xml><?xml version="1.0" encoding="utf-8"?>
-<p:sld xmlns:a="http://schemas.openxmlformats.org/drawingml/2006/main" xmlns:r="http://schemas.openxmlformats.org/officeDocument/2006/relationships" xmlns:p="http://schemas.openxmlformats.org/presentationml/2006/main" xmlns:m="http://schemas.openxmlformats.org/officeDocument/2006/math" xmlns:a14="http://schemas.microsoft.com/office/drawing/2010/main" showMasterSp="1" showMasterPhAnim="1">
+<p:sld xmlns:a="http://schemas.openxmlformats.org/drawingml/2006/main" xmlns:r="http://schemas.openxmlformats.org/officeDocument/2006/relationships" xmlns:p="http://schemas.openxmlformats.org/presentationml/2006/main">
   <p:cSld>
     <p:spTree>
       <p:nvGrpSpPr>
@@ -7755,7 +7898,7 @@
           </a:ln>
           <a:extLst>
             <a:ext uri="{C572A759-6A51-4108-AA02-DFA0A04FC94B}">
-              <ma14:wrappingTextBoxFlag xmlns:ma14="http://schemas.microsoft.com/office/mac/drawingml/2011/main" val="1"/>
+              <ma14:wrappingTextBoxFlag xmlns="" xmlns:m="http://schemas.openxmlformats.org/officeDocument/2006/math" xmlns:a14="http://schemas.microsoft.com/office/drawing/2010/main" xmlns:ma14="http://schemas.microsoft.com/office/mac/drawingml/2011/main" val="1"/>
             </a:ext>
           </a:extLst>
         </p:spPr>
@@ -7814,7 +7957,7 @@
           </a:ln>
           <a:extLst>
             <a:ext uri="{C572A759-6A51-4108-AA02-DFA0A04FC94B}">
-              <ma14:wrappingTextBoxFlag xmlns:ma14="http://schemas.microsoft.com/office/mac/drawingml/2011/main" val="1"/>
+              <ma14:wrappingTextBoxFlag xmlns="" xmlns:m="http://schemas.openxmlformats.org/officeDocument/2006/math" xmlns:a14="http://schemas.microsoft.com/office/drawing/2010/main" xmlns:ma14="http://schemas.microsoft.com/office/mac/drawingml/2011/main" val="1"/>
             </a:ext>
           </a:extLst>
         </p:spPr>
@@ -7828,7 +7971,7 @@
               <a:spcBef>
                 <a:spcPts val="500"/>
               </a:spcBef>
-              <a:defRPr b="0" sz="3500">
+              <a:defRPr sz="3500" b="0">
                 <a:latin typeface="Helvetica"/>
                 <a:ea typeface="Helvetica"/>
                 <a:cs typeface="Helvetica"/>
@@ -7836,7 +7979,7 @@
               </a:defRPr>
             </a:pPr>
             <a:r>
-              <a:rPr b="1" sz="3600">
+              <a:rPr sz="3600" b="1">
                 <a:solidFill>
                   <a:srgbClr val="FA1116"/>
                 </a:solidFill>
@@ -7847,7 +7990,7 @@
               <a:t> are preceded by the word </a:t>
             </a:r>
             <a:r>
-              <a:rPr b="1" sz="3600">
+              <a:rPr sz="3600" b="1">
                 <a:solidFill>
                   <a:srgbClr val="FA1116"/>
                 </a:solidFill>
@@ -7863,20 +8006,21 @@
               <a:spcBef>
                 <a:spcPts val="500"/>
               </a:spcBef>
-              <a:defRPr b="0" sz="3000">
+              <a:defRPr sz="3000" b="0">
                 <a:latin typeface="Helvetica"/>
                 <a:ea typeface="Helvetica"/>
                 <a:cs typeface="Helvetica"/>
                 <a:sym typeface="Helvetica"/>
               </a:defRPr>
             </a:pPr>
+            <a:endParaRPr/>
           </a:p>
           <a:p>
             <a:pPr algn="l" defTabSz="457200">
               <a:spcBef>
                 <a:spcPts val="500"/>
               </a:spcBef>
-              <a:defRPr b="0" sz="3500">
+              <a:defRPr sz="3500" b="0">
                 <a:latin typeface="Helvetica"/>
                 <a:ea typeface="Helvetica"/>
                 <a:cs typeface="Helvetica"/>
@@ -7899,20 +8043,21 @@
               <a:spcBef>
                 <a:spcPts val="500"/>
               </a:spcBef>
-              <a:defRPr b="0" sz="3500">
+              <a:defRPr sz="3500" b="0">
                 <a:latin typeface="Helvetica"/>
                 <a:ea typeface="Helvetica"/>
                 <a:cs typeface="Helvetica"/>
                 <a:sym typeface="Helvetica"/>
               </a:defRPr>
             </a:pPr>
+            <a:endParaRPr/>
           </a:p>
           <a:p>
             <a:pPr algn="l" defTabSz="457200">
               <a:spcBef>
                 <a:spcPts val="500"/>
               </a:spcBef>
-              <a:defRPr b="0" sz="3500">
+              <a:defRPr sz="3500" b="0">
                 <a:latin typeface="Helvetica"/>
                 <a:ea typeface="Helvetica"/>
                 <a:cs typeface="Helvetica"/>
@@ -7923,7 +8068,7 @@
               <a:t>The only way to have external access to a </a:t>
             </a:r>
             <a:r>
-              <a:rPr b="1" sz="3600">
+              <a:rPr sz="3600" b="1">
                 <a:solidFill>
                   <a:srgbClr val="FA1116"/>
                 </a:solidFill>
@@ -7941,12 +8086,12 @@
   <p:clrMapOvr>
     <a:masterClrMapping/>
   </p:clrMapOvr>
-  <p:transition xmlns:p14="http://schemas.microsoft.com/office/powerpoint/2010/main" spd="med" advClick="1"/>
+  <p:transition spd="med"/>
 </p:sld>
 </file>
 
 <file path=ppt/slides/slide5.xml><?xml version="1.0" encoding="utf-8"?>
-<p:sld xmlns:a="http://schemas.openxmlformats.org/drawingml/2006/main" xmlns:r="http://schemas.openxmlformats.org/officeDocument/2006/relationships" xmlns:p="http://schemas.openxmlformats.org/presentationml/2006/main" xmlns:m="http://schemas.openxmlformats.org/officeDocument/2006/math" xmlns:a14="http://schemas.microsoft.com/office/drawing/2010/main" showMasterSp="1" showMasterPhAnim="1">
+<p:sld xmlns:a="http://schemas.openxmlformats.org/drawingml/2006/main" xmlns:r="http://schemas.openxmlformats.org/officeDocument/2006/relationships" xmlns:p="http://schemas.openxmlformats.org/presentationml/2006/main">
   <p:cSld>
     <p:spTree>
       <p:nvGrpSpPr>
@@ -7981,7 +8126,7 @@
           </a:ln>
           <a:extLst>
             <a:ext uri="{C572A759-6A51-4108-AA02-DFA0A04FC94B}">
-              <ma14:wrappingTextBoxFlag xmlns:ma14="http://schemas.microsoft.com/office/mac/drawingml/2011/main" val="1"/>
+              <ma14:wrappingTextBoxFlag xmlns="" xmlns:m="http://schemas.openxmlformats.org/officeDocument/2006/math" xmlns:a14="http://schemas.microsoft.com/office/drawing/2010/main" xmlns:ma14="http://schemas.microsoft.com/office/mac/drawingml/2011/main" val="1"/>
             </a:ext>
           </a:extLst>
         </p:spPr>
@@ -8040,7 +8185,7 @@
           </a:ln>
           <a:extLst>
             <a:ext uri="{C572A759-6A51-4108-AA02-DFA0A04FC94B}">
-              <ma14:wrappingTextBoxFlag xmlns:ma14="http://schemas.microsoft.com/office/mac/drawingml/2011/main" val="1"/>
+              <ma14:wrappingTextBoxFlag xmlns="" xmlns:m="http://schemas.openxmlformats.org/officeDocument/2006/math" xmlns:a14="http://schemas.microsoft.com/office/drawing/2010/main" xmlns:ma14="http://schemas.microsoft.com/office/mac/drawingml/2011/main" val="1"/>
             </a:ext>
           </a:extLst>
         </p:spPr>
@@ -8069,7 +8214,7 @@
                 <a:tab pos="8724900" algn="l"/>
                 <a:tab pos="9296400" algn="l"/>
               </a:tabLst>
-              <a:defRPr b="0" sz="2800">
+              <a:defRPr sz="2800" b="0">
                 <a:solidFill>
                   <a:schemeClr val="accent1">
                     <a:hueOff val="273561"/>
@@ -8107,7 +8252,7 @@
                 <a:tab pos="8724900" algn="l"/>
                 <a:tab pos="9296400" algn="l"/>
               </a:tabLst>
-              <a:defRPr b="0" sz="2800">
+              <a:defRPr sz="2800" b="0">
                 <a:solidFill>
                   <a:schemeClr val="accent1">
                     <a:hueOff val="273561"/>
@@ -8145,7 +8290,7 @@
                 <a:tab pos="8724900" algn="l"/>
                 <a:tab pos="9296400" algn="l"/>
               </a:tabLst>
-              <a:defRPr b="0" sz="2800">
+              <a:defRPr sz="2800" b="0">
                 <a:solidFill>
                   <a:schemeClr val="accent1">
                     <a:hueOff val="273561"/>
@@ -8183,7 +8328,7 @@
                 <a:tab pos="8724900" algn="l"/>
                 <a:tab pos="9296400" algn="l"/>
               </a:tabLst>
-              <a:defRPr b="0" sz="2800">
+              <a:defRPr sz="2800" b="0">
                 <a:solidFill>
                   <a:schemeClr val="accent1">
                     <a:hueOff val="273561"/>
@@ -8221,42 +8366,43 @@
                 <a:tab pos="8724900" algn="l"/>
                 <a:tab pos="9296400" algn="l"/>
               </a:tabLst>
-              <a:defRPr b="0" sz="2000">
-                <a:solidFill>
-                  <a:schemeClr val="accent1">
-                    <a:hueOff val="273561"/>
-                    <a:satOff val="2937"/>
-                    <a:lumOff val="-22233"/>
-                  </a:schemeClr>
-                </a:solidFill>
-                <a:latin typeface="Consolas"/>
-                <a:ea typeface="Consolas"/>
-                <a:cs typeface="Consolas"/>
-                <a:sym typeface="Consolas"/>
-              </a:defRPr>
-            </a:pPr>
-          </a:p>
-          <a:p>
-            <a:pPr algn="l" defTabSz="457200">
-              <a:tabLst>
-                <a:tab pos="571500" algn="l"/>
-                <a:tab pos="1155700" algn="l"/>
-                <a:tab pos="1739900" algn="l"/>
-                <a:tab pos="2324100" algn="l"/>
-                <a:tab pos="2908300" algn="l"/>
-                <a:tab pos="3479800" algn="l"/>
-                <a:tab pos="4064000" algn="l"/>
-                <a:tab pos="4648200" algn="l"/>
-                <a:tab pos="5232400" algn="l"/>
-                <a:tab pos="5816600" algn="l"/>
-                <a:tab pos="6388100" algn="l"/>
-                <a:tab pos="6972300" algn="l"/>
-                <a:tab pos="7556500" algn="l"/>
-                <a:tab pos="8140700" algn="l"/>
-                <a:tab pos="8724900" algn="l"/>
-                <a:tab pos="9296400" algn="l"/>
-              </a:tabLst>
-              <a:defRPr b="0" sz="2800">
+              <a:defRPr sz="2000" b="0">
+                <a:solidFill>
+                  <a:schemeClr val="accent1">
+                    <a:hueOff val="273561"/>
+                    <a:satOff val="2937"/>
+                    <a:lumOff val="-22233"/>
+                  </a:schemeClr>
+                </a:solidFill>
+                <a:latin typeface="Consolas"/>
+                <a:ea typeface="Consolas"/>
+                <a:cs typeface="Consolas"/>
+                <a:sym typeface="Consolas"/>
+              </a:defRPr>
+            </a:pPr>
+            <a:endParaRPr/>
+          </a:p>
+          <a:p>
+            <a:pPr algn="l" defTabSz="457200">
+              <a:tabLst>
+                <a:tab pos="571500" algn="l"/>
+                <a:tab pos="1155700" algn="l"/>
+                <a:tab pos="1739900" algn="l"/>
+                <a:tab pos="2324100" algn="l"/>
+                <a:tab pos="2908300" algn="l"/>
+                <a:tab pos="3479800" algn="l"/>
+                <a:tab pos="4064000" algn="l"/>
+                <a:tab pos="4648200" algn="l"/>
+                <a:tab pos="5232400" algn="l"/>
+                <a:tab pos="5816600" algn="l"/>
+                <a:tab pos="6388100" algn="l"/>
+                <a:tab pos="6972300" algn="l"/>
+                <a:tab pos="7556500" algn="l"/>
+                <a:tab pos="8140700" algn="l"/>
+                <a:tab pos="8724900" algn="l"/>
+                <a:tab pos="9296400" algn="l"/>
+              </a:tabLst>
+              <a:defRPr sz="2800" b="0">
                 <a:solidFill>
                   <a:schemeClr val="accent1">
                     <a:hueOff val="273561"/>
@@ -8302,42 +8448,47 @@
                 <a:tab pos="8724900" algn="l"/>
                 <a:tab pos="9296400" algn="l"/>
               </a:tabLst>
-              <a:defRPr b="0" sz="2800">
-                <a:solidFill>
-                  <a:schemeClr val="accent1">
-                    <a:hueOff val="273561"/>
-                    <a:satOff val="2937"/>
-                    <a:lumOff val="-22233"/>
-                  </a:schemeClr>
-                </a:solidFill>
-                <a:latin typeface="Consolas"/>
-                <a:ea typeface="Consolas"/>
-                <a:cs typeface="Consolas"/>
-                <a:sym typeface="Consolas"/>
-              </a:defRPr>
-            </a:pPr>
-          </a:p>
-          <a:p>
-            <a:pPr algn="l" defTabSz="457200">
-              <a:tabLst>
-                <a:tab pos="571500" algn="l"/>
-                <a:tab pos="1155700" algn="l"/>
-                <a:tab pos="1739900" algn="l"/>
-                <a:tab pos="2324100" algn="l"/>
-                <a:tab pos="2908300" algn="l"/>
-                <a:tab pos="3479800" algn="l"/>
-                <a:tab pos="4064000" algn="l"/>
-                <a:tab pos="4648200" algn="l"/>
-                <a:tab pos="5232400" algn="l"/>
-                <a:tab pos="5816600" algn="l"/>
-                <a:tab pos="6388100" algn="l"/>
-                <a:tab pos="6972300" algn="l"/>
-                <a:tab pos="7556500" algn="l"/>
-                <a:tab pos="8140700" algn="l"/>
-                <a:tab pos="8724900" algn="l"/>
-                <a:tab pos="9296400" algn="l"/>
-              </a:tabLst>
-              <a:defRPr b="0" sz="2800">
+              <a:defRPr sz="2800" b="0">
+                <a:solidFill>
+                  <a:schemeClr val="accent1">
+                    <a:hueOff val="273561"/>
+                    <a:satOff val="2937"/>
+                    <a:lumOff val="-22233"/>
+                  </a:schemeClr>
+                </a:solidFill>
+                <a:latin typeface="Consolas"/>
+                <a:ea typeface="Consolas"/>
+                <a:cs typeface="Consolas"/>
+                <a:sym typeface="Consolas"/>
+              </a:defRPr>
+            </a:pPr>
+            <a:endParaRPr>
+              <a:solidFill>
+                <a:srgbClr val="FA1116"/>
+              </a:solidFill>
+            </a:endParaRPr>
+          </a:p>
+          <a:p>
+            <a:pPr algn="l" defTabSz="457200">
+              <a:tabLst>
+                <a:tab pos="571500" algn="l"/>
+                <a:tab pos="1155700" algn="l"/>
+                <a:tab pos="1739900" algn="l"/>
+                <a:tab pos="2324100" algn="l"/>
+                <a:tab pos="2908300" algn="l"/>
+                <a:tab pos="3479800" algn="l"/>
+                <a:tab pos="4064000" algn="l"/>
+                <a:tab pos="4648200" algn="l"/>
+                <a:tab pos="5232400" algn="l"/>
+                <a:tab pos="5816600" algn="l"/>
+                <a:tab pos="6388100" algn="l"/>
+                <a:tab pos="6972300" algn="l"/>
+                <a:tab pos="7556500" algn="l"/>
+                <a:tab pos="8140700" algn="l"/>
+                <a:tab pos="8724900" algn="l"/>
+                <a:tab pos="9296400" algn="l"/>
+              </a:tabLst>
+              <a:defRPr sz="2800" b="0">
                 <a:solidFill>
                   <a:schemeClr val="accent1">
                     <a:hueOff val="273561"/>
@@ -8375,7 +8526,7 @@
                 <a:tab pos="8724900" algn="l"/>
                 <a:tab pos="9296400" algn="l"/>
               </a:tabLst>
-              <a:defRPr b="0" sz="2800">
+              <a:defRPr sz="2800" b="0">
                 <a:solidFill>
                   <a:schemeClr val="accent1">
                     <a:hueOff val="273561"/>
@@ -8413,7 +8564,7 @@
                 <a:tab pos="8724900" algn="l"/>
                 <a:tab pos="9296400" algn="l"/>
               </a:tabLst>
-              <a:defRPr b="0" sz="2800">
+              <a:defRPr sz="2800" b="0">
                 <a:solidFill>
                   <a:schemeClr val="accent1">
                     <a:hueOff val="273561"/>
@@ -8451,7 +8602,7 @@
                 <a:tab pos="8724900" algn="l"/>
                 <a:tab pos="9296400" algn="l"/>
               </a:tabLst>
-              <a:defRPr b="0" sz="2800">
+              <a:defRPr sz="2800" b="0">
                 <a:solidFill>
                   <a:schemeClr val="accent1">
                     <a:hueOff val="273561"/>
@@ -8489,42 +8640,43 @@
                 <a:tab pos="8724900" algn="l"/>
                 <a:tab pos="9296400" algn="l"/>
               </a:tabLst>
-              <a:defRPr b="0" sz="1100">
-                <a:solidFill>
-                  <a:schemeClr val="accent1">
-                    <a:hueOff val="273561"/>
-                    <a:satOff val="2937"/>
-                    <a:lumOff val="-22233"/>
-                  </a:schemeClr>
-                </a:solidFill>
-                <a:latin typeface="Consolas"/>
-                <a:ea typeface="Consolas"/>
-                <a:cs typeface="Consolas"/>
-                <a:sym typeface="Consolas"/>
-              </a:defRPr>
-            </a:pPr>
-          </a:p>
-          <a:p>
-            <a:pPr algn="l" defTabSz="457200">
-              <a:tabLst>
-                <a:tab pos="571500" algn="l"/>
-                <a:tab pos="1155700" algn="l"/>
-                <a:tab pos="1739900" algn="l"/>
-                <a:tab pos="2324100" algn="l"/>
-                <a:tab pos="2908300" algn="l"/>
-                <a:tab pos="3479800" algn="l"/>
-                <a:tab pos="4064000" algn="l"/>
-                <a:tab pos="4648200" algn="l"/>
-                <a:tab pos="5232400" algn="l"/>
-                <a:tab pos="5816600" algn="l"/>
-                <a:tab pos="6388100" algn="l"/>
-                <a:tab pos="6972300" algn="l"/>
-                <a:tab pos="7556500" algn="l"/>
-                <a:tab pos="8140700" algn="l"/>
-                <a:tab pos="8724900" algn="l"/>
-                <a:tab pos="9296400" algn="l"/>
-              </a:tabLst>
-              <a:defRPr b="0" sz="2800">
+              <a:defRPr sz="1100" b="0">
+                <a:solidFill>
+                  <a:schemeClr val="accent1">
+                    <a:hueOff val="273561"/>
+                    <a:satOff val="2937"/>
+                    <a:lumOff val="-22233"/>
+                  </a:schemeClr>
+                </a:solidFill>
+                <a:latin typeface="Consolas"/>
+                <a:ea typeface="Consolas"/>
+                <a:cs typeface="Consolas"/>
+                <a:sym typeface="Consolas"/>
+              </a:defRPr>
+            </a:pPr>
+            <a:endParaRPr/>
+          </a:p>
+          <a:p>
+            <a:pPr algn="l" defTabSz="457200">
+              <a:tabLst>
+                <a:tab pos="571500" algn="l"/>
+                <a:tab pos="1155700" algn="l"/>
+                <a:tab pos="1739900" algn="l"/>
+                <a:tab pos="2324100" algn="l"/>
+                <a:tab pos="2908300" algn="l"/>
+                <a:tab pos="3479800" algn="l"/>
+                <a:tab pos="4064000" algn="l"/>
+                <a:tab pos="4648200" algn="l"/>
+                <a:tab pos="5232400" algn="l"/>
+                <a:tab pos="5816600" algn="l"/>
+                <a:tab pos="6388100" algn="l"/>
+                <a:tab pos="6972300" algn="l"/>
+                <a:tab pos="7556500" algn="l"/>
+                <a:tab pos="8140700" algn="l"/>
+                <a:tab pos="8724900" algn="l"/>
+                <a:tab pos="9296400" algn="l"/>
+              </a:tabLst>
+              <a:defRPr sz="2800" b="0">
                 <a:solidFill>
                   <a:schemeClr val="accent1">
                     <a:hueOff val="273561"/>
@@ -8562,7 +8714,7 @@
                 <a:tab pos="8724900" algn="l"/>
                 <a:tab pos="9296400" algn="l"/>
               </a:tabLst>
-              <a:defRPr b="0" sz="2800">
+              <a:defRPr sz="2800" b="0">
                 <a:solidFill>
                   <a:schemeClr val="accent1">
                     <a:hueOff val="273561"/>
@@ -8601,7 +8753,7 @@
           </a:ln>
           <a:extLst>
             <a:ext uri="{C572A759-6A51-4108-AA02-DFA0A04FC94B}">
-              <ma14:wrappingTextBoxFlag xmlns:ma14="http://schemas.microsoft.com/office/mac/drawingml/2011/main" val="1"/>
+              <ma14:wrappingTextBoxFlag xmlns="" xmlns:m="http://schemas.openxmlformats.org/officeDocument/2006/math" xmlns:a14="http://schemas.microsoft.com/office/drawing/2010/main" xmlns:ma14="http://schemas.microsoft.com/office/mac/drawingml/2011/main" val="1"/>
             </a:ext>
           </a:extLst>
         </p:spPr>
@@ -8630,7 +8782,7 @@
                 <a:tab pos="8724900" algn="l"/>
                 <a:tab pos="9296400" algn="l"/>
               </a:tabLst>
-              <a:defRPr b="0" sz="2800">
+              <a:defRPr sz="2800" b="0">
                 <a:solidFill>
                   <a:schemeClr val="accent1">
                     <a:hueOff val="273561"/>
@@ -8668,7 +8820,7 @@
                 <a:tab pos="8724900" algn="l"/>
                 <a:tab pos="9296400" algn="l"/>
               </a:tabLst>
-              <a:defRPr b="0" sz="2800">
+              <a:defRPr sz="2800" b="0">
                 <a:solidFill>
                   <a:schemeClr val="accent1">
                     <a:hueOff val="273561"/>
@@ -8706,7 +8858,7 @@
                 <a:tab pos="8724900" algn="l"/>
                 <a:tab pos="9296400" algn="l"/>
               </a:tabLst>
-              <a:defRPr b="0" sz="2800">
+              <a:defRPr sz="2800" b="0">
                 <a:solidFill>
                   <a:schemeClr val="accent1">
                     <a:hueOff val="273561"/>
@@ -8744,7 +8896,7 @@
                 <a:tab pos="8724900" algn="l"/>
                 <a:tab pos="9296400" algn="l"/>
               </a:tabLst>
-              <a:defRPr b="0" sz="2800">
+              <a:defRPr sz="2800" b="0">
                 <a:solidFill>
                   <a:schemeClr val="accent1">
                     <a:hueOff val="273561"/>
@@ -8782,42 +8934,43 @@
                 <a:tab pos="8724900" algn="l"/>
                 <a:tab pos="9296400" algn="l"/>
               </a:tabLst>
-              <a:defRPr b="0" sz="1000">
-                <a:solidFill>
-                  <a:schemeClr val="accent1">
-                    <a:hueOff val="273561"/>
-                    <a:satOff val="2937"/>
-                    <a:lumOff val="-22233"/>
-                  </a:schemeClr>
-                </a:solidFill>
-                <a:latin typeface="Consolas"/>
-                <a:ea typeface="Consolas"/>
-                <a:cs typeface="Consolas"/>
-                <a:sym typeface="Consolas"/>
-              </a:defRPr>
-            </a:pPr>
-          </a:p>
-          <a:p>
-            <a:pPr algn="l" defTabSz="457200">
-              <a:tabLst>
-                <a:tab pos="571500" algn="l"/>
-                <a:tab pos="1155700" algn="l"/>
-                <a:tab pos="1739900" algn="l"/>
-                <a:tab pos="2324100" algn="l"/>
-                <a:tab pos="2908300" algn="l"/>
-                <a:tab pos="3479800" algn="l"/>
-                <a:tab pos="4064000" algn="l"/>
-                <a:tab pos="4648200" algn="l"/>
-                <a:tab pos="5232400" algn="l"/>
-                <a:tab pos="5816600" algn="l"/>
-                <a:tab pos="6388100" algn="l"/>
-                <a:tab pos="6972300" algn="l"/>
-                <a:tab pos="7556500" algn="l"/>
-                <a:tab pos="8140700" algn="l"/>
-                <a:tab pos="8724900" algn="l"/>
-                <a:tab pos="9296400" algn="l"/>
-              </a:tabLst>
-              <a:defRPr b="0" sz="2800">
+              <a:defRPr sz="1000" b="0">
+                <a:solidFill>
+                  <a:schemeClr val="accent1">
+                    <a:hueOff val="273561"/>
+                    <a:satOff val="2937"/>
+                    <a:lumOff val="-22233"/>
+                  </a:schemeClr>
+                </a:solidFill>
+                <a:latin typeface="Consolas"/>
+                <a:ea typeface="Consolas"/>
+                <a:cs typeface="Consolas"/>
+                <a:sym typeface="Consolas"/>
+              </a:defRPr>
+            </a:pPr>
+            <a:endParaRPr/>
+          </a:p>
+          <a:p>
+            <a:pPr algn="l" defTabSz="457200">
+              <a:tabLst>
+                <a:tab pos="571500" algn="l"/>
+                <a:tab pos="1155700" algn="l"/>
+                <a:tab pos="1739900" algn="l"/>
+                <a:tab pos="2324100" algn="l"/>
+                <a:tab pos="2908300" algn="l"/>
+                <a:tab pos="3479800" algn="l"/>
+                <a:tab pos="4064000" algn="l"/>
+                <a:tab pos="4648200" algn="l"/>
+                <a:tab pos="5232400" algn="l"/>
+                <a:tab pos="5816600" algn="l"/>
+                <a:tab pos="6388100" algn="l"/>
+                <a:tab pos="6972300" algn="l"/>
+                <a:tab pos="7556500" algn="l"/>
+                <a:tab pos="8140700" algn="l"/>
+                <a:tab pos="8724900" algn="l"/>
+                <a:tab pos="9296400" algn="l"/>
+              </a:tabLst>
+              <a:defRPr sz="2800" b="0">
                 <a:solidFill>
                   <a:schemeClr val="accent1">
                     <a:hueOff val="273561"/>
@@ -8855,7 +9008,7 @@
                 <a:tab pos="8724900" algn="l"/>
                 <a:tab pos="9296400" algn="l"/>
               </a:tabLst>
-              <a:defRPr b="0" sz="2800">
+              <a:defRPr sz="2800" b="0">
                 <a:solidFill>
                   <a:schemeClr val="accent1">
                     <a:hueOff val="273561"/>
@@ -8893,7 +9046,7 @@
                 <a:tab pos="8724900" algn="l"/>
                 <a:tab pos="9296400" algn="l"/>
               </a:tabLst>
-              <a:defRPr b="0" sz="2800">
+              <a:defRPr sz="2800" b="0">
                 <a:solidFill>
                   <a:schemeClr val="accent1">
                     <a:hueOff val="273561"/>
@@ -8931,42 +9084,43 @@
                 <a:tab pos="8724900" algn="l"/>
                 <a:tab pos="9296400" algn="l"/>
               </a:tabLst>
-              <a:defRPr b="0" sz="1000">
-                <a:solidFill>
-                  <a:schemeClr val="accent1">
-                    <a:hueOff val="273561"/>
-                    <a:satOff val="2937"/>
-                    <a:lumOff val="-22233"/>
-                  </a:schemeClr>
-                </a:solidFill>
-                <a:latin typeface="Consolas"/>
-                <a:ea typeface="Consolas"/>
-                <a:cs typeface="Consolas"/>
-                <a:sym typeface="Consolas"/>
-              </a:defRPr>
-            </a:pPr>
-          </a:p>
-          <a:p>
-            <a:pPr algn="l" defTabSz="457200">
-              <a:tabLst>
-                <a:tab pos="571500" algn="l"/>
-                <a:tab pos="1155700" algn="l"/>
-                <a:tab pos="1739900" algn="l"/>
-                <a:tab pos="2324100" algn="l"/>
-                <a:tab pos="2908300" algn="l"/>
-                <a:tab pos="3479800" algn="l"/>
-                <a:tab pos="4064000" algn="l"/>
-                <a:tab pos="4648200" algn="l"/>
-                <a:tab pos="5232400" algn="l"/>
-                <a:tab pos="5816600" algn="l"/>
-                <a:tab pos="6388100" algn="l"/>
-                <a:tab pos="6972300" algn="l"/>
-                <a:tab pos="7556500" algn="l"/>
-                <a:tab pos="8140700" algn="l"/>
-                <a:tab pos="8724900" algn="l"/>
-                <a:tab pos="9296400" algn="l"/>
-              </a:tabLst>
-              <a:defRPr b="0" sz="2800">
+              <a:defRPr sz="1000" b="0">
+                <a:solidFill>
+                  <a:schemeClr val="accent1">
+                    <a:hueOff val="273561"/>
+                    <a:satOff val="2937"/>
+                    <a:lumOff val="-22233"/>
+                  </a:schemeClr>
+                </a:solidFill>
+                <a:latin typeface="Consolas"/>
+                <a:ea typeface="Consolas"/>
+                <a:cs typeface="Consolas"/>
+                <a:sym typeface="Consolas"/>
+              </a:defRPr>
+            </a:pPr>
+            <a:endParaRPr/>
+          </a:p>
+          <a:p>
+            <a:pPr algn="l" defTabSz="457200">
+              <a:tabLst>
+                <a:tab pos="571500" algn="l"/>
+                <a:tab pos="1155700" algn="l"/>
+                <a:tab pos="1739900" algn="l"/>
+                <a:tab pos="2324100" algn="l"/>
+                <a:tab pos="2908300" algn="l"/>
+                <a:tab pos="3479800" algn="l"/>
+                <a:tab pos="4064000" algn="l"/>
+                <a:tab pos="4648200" algn="l"/>
+                <a:tab pos="5232400" algn="l"/>
+                <a:tab pos="5816600" algn="l"/>
+                <a:tab pos="6388100" algn="l"/>
+                <a:tab pos="6972300" algn="l"/>
+                <a:tab pos="7556500" algn="l"/>
+                <a:tab pos="8140700" algn="l"/>
+                <a:tab pos="8724900" algn="l"/>
+                <a:tab pos="9296400" algn="l"/>
+              </a:tabLst>
+              <a:defRPr sz="2800" b="0">
                 <a:solidFill>
                   <a:schemeClr val="accent1">
                     <a:hueOff val="273561"/>
@@ -9012,42 +9166,47 @@
                 <a:tab pos="8724900" algn="l"/>
                 <a:tab pos="9296400" algn="l"/>
               </a:tabLst>
-              <a:defRPr b="0" sz="2800">
-                <a:solidFill>
-                  <a:schemeClr val="accent1">
-                    <a:hueOff val="273561"/>
-                    <a:satOff val="2937"/>
-                    <a:lumOff val="-22233"/>
-                  </a:schemeClr>
-                </a:solidFill>
-                <a:latin typeface="Consolas"/>
-                <a:ea typeface="Consolas"/>
-                <a:cs typeface="Consolas"/>
-                <a:sym typeface="Consolas"/>
-              </a:defRPr>
-            </a:pPr>
-          </a:p>
-          <a:p>
-            <a:pPr algn="l" defTabSz="457200">
-              <a:tabLst>
-                <a:tab pos="571500" algn="l"/>
-                <a:tab pos="1155700" algn="l"/>
-                <a:tab pos="1739900" algn="l"/>
-                <a:tab pos="2324100" algn="l"/>
-                <a:tab pos="2908300" algn="l"/>
-                <a:tab pos="3479800" algn="l"/>
-                <a:tab pos="4064000" algn="l"/>
-                <a:tab pos="4648200" algn="l"/>
-                <a:tab pos="5232400" algn="l"/>
-                <a:tab pos="5816600" algn="l"/>
-                <a:tab pos="6388100" algn="l"/>
-                <a:tab pos="6972300" algn="l"/>
-                <a:tab pos="7556500" algn="l"/>
-                <a:tab pos="8140700" algn="l"/>
-                <a:tab pos="8724900" algn="l"/>
-                <a:tab pos="9296400" algn="l"/>
-              </a:tabLst>
-              <a:defRPr b="0" sz="2800">
+              <a:defRPr sz="2800" b="0">
+                <a:solidFill>
+                  <a:schemeClr val="accent1">
+                    <a:hueOff val="273561"/>
+                    <a:satOff val="2937"/>
+                    <a:lumOff val="-22233"/>
+                  </a:schemeClr>
+                </a:solidFill>
+                <a:latin typeface="Consolas"/>
+                <a:ea typeface="Consolas"/>
+                <a:cs typeface="Consolas"/>
+                <a:sym typeface="Consolas"/>
+              </a:defRPr>
+            </a:pPr>
+            <a:endParaRPr>
+              <a:solidFill>
+                <a:srgbClr val="FA1116"/>
+              </a:solidFill>
+            </a:endParaRPr>
+          </a:p>
+          <a:p>
+            <a:pPr algn="l" defTabSz="457200">
+              <a:tabLst>
+                <a:tab pos="571500" algn="l"/>
+                <a:tab pos="1155700" algn="l"/>
+                <a:tab pos="1739900" algn="l"/>
+                <a:tab pos="2324100" algn="l"/>
+                <a:tab pos="2908300" algn="l"/>
+                <a:tab pos="3479800" algn="l"/>
+                <a:tab pos="4064000" algn="l"/>
+                <a:tab pos="4648200" algn="l"/>
+                <a:tab pos="5232400" algn="l"/>
+                <a:tab pos="5816600" algn="l"/>
+                <a:tab pos="6388100" algn="l"/>
+                <a:tab pos="6972300" algn="l"/>
+                <a:tab pos="7556500" algn="l"/>
+                <a:tab pos="8140700" algn="l"/>
+                <a:tab pos="8724900" algn="l"/>
+                <a:tab pos="9296400" algn="l"/>
+              </a:tabLst>
+              <a:defRPr sz="2800" b="0">
                 <a:solidFill>
                   <a:schemeClr val="accent1">
                     <a:hueOff val="273561"/>
@@ -9085,7 +9244,7 @@
                 <a:tab pos="8724900" algn="l"/>
                 <a:tab pos="9296400" algn="l"/>
               </a:tabLst>
-              <a:defRPr b="0" sz="2800">
+              <a:defRPr sz="2800" b="0">
                 <a:solidFill>
                   <a:schemeClr val="accent1">
                     <a:hueOff val="273561"/>
@@ -9123,7 +9282,7 @@
                 <a:tab pos="8724900" algn="l"/>
                 <a:tab pos="9296400" algn="l"/>
               </a:tabLst>
-              <a:defRPr b="0" sz="2800">
+              <a:defRPr sz="2800" b="0">
                 <a:solidFill>
                   <a:schemeClr val="accent1">
                     <a:hueOff val="273561"/>
@@ -9161,7 +9320,7 @@
                 <a:tab pos="8724900" algn="l"/>
                 <a:tab pos="9296400" algn="l"/>
               </a:tabLst>
-              <a:defRPr b="0" sz="2800">
+              <a:defRPr sz="2800" b="0">
                 <a:solidFill>
                   <a:schemeClr val="accent1">
                     <a:hueOff val="273561"/>
@@ -9199,42 +9358,43 @@
                 <a:tab pos="8724900" algn="l"/>
                 <a:tab pos="9296400" algn="l"/>
               </a:tabLst>
-              <a:defRPr b="0" sz="1000">
-                <a:solidFill>
-                  <a:schemeClr val="accent1">
-                    <a:hueOff val="273561"/>
-                    <a:satOff val="2937"/>
-                    <a:lumOff val="-22233"/>
-                  </a:schemeClr>
-                </a:solidFill>
-                <a:latin typeface="Consolas"/>
-                <a:ea typeface="Consolas"/>
-                <a:cs typeface="Consolas"/>
-                <a:sym typeface="Consolas"/>
-              </a:defRPr>
-            </a:pPr>
-          </a:p>
-          <a:p>
-            <a:pPr algn="l" defTabSz="457200">
-              <a:tabLst>
-                <a:tab pos="571500" algn="l"/>
-                <a:tab pos="1155700" algn="l"/>
-                <a:tab pos="1739900" algn="l"/>
-                <a:tab pos="2324100" algn="l"/>
-                <a:tab pos="2908300" algn="l"/>
-                <a:tab pos="3479800" algn="l"/>
-                <a:tab pos="4064000" algn="l"/>
-                <a:tab pos="4648200" algn="l"/>
-                <a:tab pos="5232400" algn="l"/>
-                <a:tab pos="5816600" algn="l"/>
-                <a:tab pos="6388100" algn="l"/>
-                <a:tab pos="6972300" algn="l"/>
-                <a:tab pos="7556500" algn="l"/>
-                <a:tab pos="8140700" algn="l"/>
-                <a:tab pos="8724900" algn="l"/>
-                <a:tab pos="9296400" algn="l"/>
-              </a:tabLst>
-              <a:defRPr b="0" sz="2800">
+              <a:defRPr sz="1000" b="0">
+                <a:solidFill>
+                  <a:schemeClr val="accent1">
+                    <a:hueOff val="273561"/>
+                    <a:satOff val="2937"/>
+                    <a:lumOff val="-22233"/>
+                  </a:schemeClr>
+                </a:solidFill>
+                <a:latin typeface="Consolas"/>
+                <a:ea typeface="Consolas"/>
+                <a:cs typeface="Consolas"/>
+                <a:sym typeface="Consolas"/>
+              </a:defRPr>
+            </a:pPr>
+            <a:endParaRPr/>
+          </a:p>
+          <a:p>
+            <a:pPr algn="l" defTabSz="457200">
+              <a:tabLst>
+                <a:tab pos="571500" algn="l"/>
+                <a:tab pos="1155700" algn="l"/>
+                <a:tab pos="1739900" algn="l"/>
+                <a:tab pos="2324100" algn="l"/>
+                <a:tab pos="2908300" algn="l"/>
+                <a:tab pos="3479800" algn="l"/>
+                <a:tab pos="4064000" algn="l"/>
+                <a:tab pos="4648200" algn="l"/>
+                <a:tab pos="5232400" algn="l"/>
+                <a:tab pos="5816600" algn="l"/>
+                <a:tab pos="6388100" algn="l"/>
+                <a:tab pos="6972300" algn="l"/>
+                <a:tab pos="7556500" algn="l"/>
+                <a:tab pos="8140700" algn="l"/>
+                <a:tab pos="8724900" algn="l"/>
+                <a:tab pos="9296400" algn="l"/>
+              </a:tabLst>
+              <a:defRPr sz="2800" b="0">
                 <a:solidFill>
                   <a:schemeClr val="accent1">
                     <a:hueOff val="273561"/>
@@ -9272,7 +9432,7 @@
                 <a:tab pos="8724900" algn="l"/>
                 <a:tab pos="9296400" algn="l"/>
               </a:tabLst>
-              <a:defRPr b="0" sz="2800">
+              <a:defRPr sz="2800" b="0">
                 <a:solidFill>
                   <a:schemeClr val="accent1">
                     <a:hueOff val="273561"/>
@@ -9323,7 +9483,7 @@
             </a:cxnLst>
             <a:rect l="0" t="0" r="r" b="b"/>
             <a:pathLst>
-              <a:path w="21452" h="20404" fill="norm" stroke="1" extrusionOk="0">
+              <a:path w="21452" h="20404" extrusionOk="0">
                 <a:moveTo>
                   <a:pt x="19340" y="6"/>
                 </a:moveTo>
@@ -9443,7 +9603,7 @@
             <a:miter lim="400000"/>
           </a:ln>
           <a:effectLst>
-            <a:outerShdw sx="100000" sy="100000" kx="0" ky="0" algn="b" rotWithShape="0" blurRad="25400" dist="12700" dir="5400000">
+            <a:outerShdw blurRad="25400" dist="12700" dir="5400000" rotWithShape="0">
               <a:srgbClr val="000000">
                 <a:alpha val="50000"/>
               </a:srgbClr>
@@ -9455,7 +9615,7 @@
           <a:lstStyle/>
           <a:p>
             <a:pPr>
-              <a:defRPr b="0" sz="2200">
+              <a:defRPr sz="2200" b="0">
                 <a:solidFill>
                   <a:srgbClr val="4BAA3A"/>
                 </a:solidFill>
@@ -9465,6 +9625,7 @@
                 <a:sym typeface="Helvetica Light"/>
               </a:defRPr>
             </a:pPr>
+            <a:endParaRPr/>
           </a:p>
         </p:txBody>
       </p:sp>
@@ -9499,7 +9660,7 @@
             </a:cxnLst>
             <a:rect l="0" t="0" r="r" b="b"/>
             <a:pathLst>
-              <a:path w="21484" h="21548" fill="norm" stroke="1" extrusionOk="0">
+              <a:path w="21484" h="21548" extrusionOk="0">
                 <a:moveTo>
                   <a:pt x="18655" y="0"/>
                 </a:moveTo>
@@ -9749,7 +9910,7 @@
             <a:miter lim="400000"/>
           </a:ln>
           <a:effectLst>
-            <a:outerShdw sx="100000" sy="100000" kx="0" ky="0" algn="b" rotWithShape="0" blurRad="25400" dist="12700" dir="5400000">
+            <a:outerShdw blurRad="25400" dist="12700" dir="5400000" rotWithShape="0">
               <a:srgbClr val="000000">
                 <a:alpha val="50000"/>
               </a:srgbClr>
@@ -9761,7 +9922,7 @@
           <a:lstStyle/>
           <a:p>
             <a:pPr>
-              <a:defRPr b="0" sz="2200">
+              <a:defRPr sz="2200" b="0">
                 <a:solidFill>
                   <a:srgbClr val="FFFFFF"/>
                 </a:solidFill>
@@ -9771,6 +9932,7 @@
                 <a:sym typeface="Helvetica Light"/>
               </a:defRPr>
             </a:pPr>
+            <a:endParaRPr/>
           </a:p>
         </p:txBody>
       </p:sp>
@@ -9779,12 +9941,12 @@
   <p:clrMapOvr>
     <a:masterClrMapping/>
   </p:clrMapOvr>
-  <p:transition xmlns:p14="http://schemas.microsoft.com/office/powerpoint/2010/main" spd="med" advClick="1"/>
+  <p:transition spd="med"/>
 </p:sld>
 </file>
 
 <file path=ppt/slides/slide6.xml><?xml version="1.0" encoding="utf-8"?>
-<p:sld xmlns:a="http://schemas.openxmlformats.org/drawingml/2006/main" xmlns:r="http://schemas.openxmlformats.org/officeDocument/2006/relationships" xmlns:p="http://schemas.openxmlformats.org/presentationml/2006/main" xmlns:m="http://schemas.openxmlformats.org/officeDocument/2006/math" xmlns:a14="http://schemas.microsoft.com/office/drawing/2010/main" showMasterSp="1" showMasterPhAnim="1">
+<p:sld xmlns:a="http://schemas.openxmlformats.org/drawingml/2006/main" xmlns:r="http://schemas.openxmlformats.org/officeDocument/2006/relationships" xmlns:p="http://schemas.openxmlformats.org/presentationml/2006/main">
   <p:cSld>
     <p:spTree>
       <p:nvGrpSpPr>
@@ -9819,7 +9981,7 @@
           </a:ln>
           <a:extLst>
             <a:ext uri="{C572A759-6A51-4108-AA02-DFA0A04FC94B}">
-              <ma14:wrappingTextBoxFlag xmlns:ma14="http://schemas.microsoft.com/office/mac/drawingml/2011/main" val="1"/>
+              <ma14:wrappingTextBoxFlag xmlns="" xmlns:m="http://schemas.openxmlformats.org/officeDocument/2006/math" xmlns:a14="http://schemas.microsoft.com/office/drawing/2010/main" xmlns:ma14="http://schemas.microsoft.com/office/mac/drawingml/2011/main" val="1"/>
             </a:ext>
           </a:extLst>
         </p:spPr>
@@ -9878,7 +10040,7 @@
           </a:ln>
           <a:extLst>
             <a:ext uri="{C572A759-6A51-4108-AA02-DFA0A04FC94B}">
-              <ma14:wrappingTextBoxFlag xmlns:ma14="http://schemas.microsoft.com/office/mac/drawingml/2011/main" val="1"/>
+              <ma14:wrappingTextBoxFlag xmlns="" xmlns:m="http://schemas.openxmlformats.org/officeDocument/2006/math" xmlns:a14="http://schemas.microsoft.com/office/drawing/2010/main" xmlns:ma14="http://schemas.microsoft.com/office/mac/drawingml/2011/main" val="1"/>
             </a:ext>
           </a:extLst>
         </p:spPr>
@@ -9892,7 +10054,7 @@
               <a:spcBef>
                 <a:spcPts val="500"/>
               </a:spcBef>
-              <a:defRPr b="0" sz="3500">
+              <a:defRPr sz="3500" b="0">
                 <a:latin typeface="Helvetica"/>
                 <a:ea typeface="Helvetica"/>
                 <a:cs typeface="Helvetica"/>
@@ -9918,13 +10080,14 @@
               <a:spcBef>
                 <a:spcPts val="500"/>
               </a:spcBef>
-              <a:defRPr b="0" sz="3500">
+              <a:defRPr sz="3500" b="0">
                 <a:latin typeface="Helvetica"/>
                 <a:ea typeface="Helvetica"/>
                 <a:cs typeface="Helvetica"/>
                 <a:sym typeface="Helvetica"/>
               </a:defRPr>
             </a:pPr>
+            <a:endParaRPr/>
           </a:p>
           <a:p>
             <a:pPr marL="228600" indent="-228600" algn="l" defTabSz="457200">
@@ -9932,8 +10095,8 @@
                 <a:spcPts val="500"/>
               </a:spcBef>
               <a:buSzPct val="100000"/>
-              <a:buAutoNum type="arabicPeriod" startAt="1"/>
-              <a:defRPr b="0" sz="3500">
+              <a:buAutoNum type="arabicPeriod"/>
+              <a:defRPr sz="3500" b="0">
                 <a:latin typeface="Helvetica"/>
                 <a:ea typeface="Helvetica"/>
                 <a:cs typeface="Helvetica"/>
@@ -9944,6 +10107,7 @@
               <a:t> Defining a method, which will simply return the value of said instance variable</a:t>
             </a:r>
             <a:br/>
+            <a:endParaRPr/>
           </a:p>
           <a:p>
             <a:pPr marL="228600" indent="-228600" algn="l" defTabSz="457200">
@@ -9951,8 +10115,8 @@
                 <a:spcPts val="500"/>
               </a:spcBef>
               <a:buSzPct val="100000"/>
-              <a:buAutoNum type="arabicPeriod" startAt="1"/>
-              <a:defRPr b="0" sz="3500">
+              <a:buAutoNum type="arabicPeriod"/>
+              <a:defRPr sz="3500" b="0">
                 <a:latin typeface="Helvetica"/>
                 <a:ea typeface="Helvetica"/>
                 <a:cs typeface="Helvetica"/>
@@ -9963,7 +10127,7 @@
               <a:t> By using an attribute reader with this syntax: </a:t>
             </a:r>
             <a:r>
-              <a:rPr b="1" sz="3600">
+              <a:rPr sz="3600" b="1">
                 <a:solidFill>
                   <a:srgbClr val="FA1116"/>
                 </a:solidFill>
@@ -9999,12 +10163,12 @@
   <p:clrMapOvr>
     <a:masterClrMapping/>
   </p:clrMapOvr>
-  <p:transition xmlns:p14="http://schemas.microsoft.com/office/powerpoint/2010/main" spd="med" advClick="1"/>
+  <p:transition spd="med"/>
 </p:sld>
 </file>
 
 <file path=ppt/slides/slide7.xml><?xml version="1.0" encoding="utf-8"?>
-<p:sld xmlns:a="http://schemas.openxmlformats.org/drawingml/2006/main" xmlns:r="http://schemas.openxmlformats.org/officeDocument/2006/relationships" xmlns:p="http://schemas.openxmlformats.org/presentationml/2006/main" xmlns:m="http://schemas.openxmlformats.org/officeDocument/2006/math" xmlns:a14="http://schemas.microsoft.com/office/drawing/2010/main" showMasterSp="1" showMasterPhAnim="1">
+<p:sld xmlns:a="http://schemas.openxmlformats.org/drawingml/2006/main" xmlns:r="http://schemas.openxmlformats.org/officeDocument/2006/relationships" xmlns:p="http://schemas.openxmlformats.org/presentationml/2006/main">
   <p:cSld>
     <p:spTree>
       <p:nvGrpSpPr>
@@ -10039,7 +10203,7 @@
           </a:ln>
           <a:extLst>
             <a:ext uri="{C572A759-6A51-4108-AA02-DFA0A04FC94B}">
-              <ma14:wrappingTextBoxFlag xmlns:ma14="http://schemas.microsoft.com/office/mac/drawingml/2011/main" val="1"/>
+              <ma14:wrappingTextBoxFlag xmlns="" xmlns:m="http://schemas.openxmlformats.org/officeDocument/2006/math" xmlns:a14="http://schemas.microsoft.com/office/drawing/2010/main" xmlns:ma14="http://schemas.microsoft.com/office/mac/drawingml/2011/main" val="1"/>
             </a:ext>
           </a:extLst>
         </p:spPr>
@@ -10106,7 +10270,7 @@
           </a:ln>
           <a:extLst>
             <a:ext uri="{C572A759-6A51-4108-AA02-DFA0A04FC94B}">
-              <ma14:wrappingTextBoxFlag xmlns:ma14="http://schemas.microsoft.com/office/mac/drawingml/2011/main" val="1"/>
+              <ma14:wrappingTextBoxFlag xmlns="" xmlns:m="http://schemas.openxmlformats.org/officeDocument/2006/math" xmlns:a14="http://schemas.microsoft.com/office/drawing/2010/main" xmlns:ma14="http://schemas.microsoft.com/office/mac/drawingml/2011/main" val="1"/>
             </a:ext>
           </a:extLst>
         </p:spPr>
@@ -10135,7 +10299,7 @@
                 <a:tab pos="8724900" algn="l"/>
                 <a:tab pos="9296400" algn="l"/>
               </a:tabLst>
-              <a:defRPr b="0" sz="2800">
+              <a:defRPr sz="2800" b="0">
                 <a:solidFill>
                   <a:schemeClr val="accent1">
                     <a:hueOff val="273561"/>
@@ -10173,7 +10337,7 @@
                 <a:tab pos="8724900" algn="l"/>
                 <a:tab pos="9296400" algn="l"/>
               </a:tabLst>
-              <a:defRPr b="0" sz="2800">
+              <a:defRPr sz="2800" b="0">
                 <a:solidFill>
                   <a:schemeClr val="accent1">
                     <a:hueOff val="273561"/>
@@ -10211,7 +10375,7 @@
                 <a:tab pos="8724900" algn="l"/>
                 <a:tab pos="9296400" algn="l"/>
               </a:tabLst>
-              <a:defRPr b="0" sz="2800">
+              <a:defRPr sz="2800" b="0">
                 <a:solidFill>
                   <a:schemeClr val="accent1">
                     <a:hueOff val="273561"/>
@@ -10249,7 +10413,7 @@
                 <a:tab pos="8724900" algn="l"/>
                 <a:tab pos="9296400" algn="l"/>
               </a:tabLst>
-              <a:defRPr b="0" sz="2800">
+              <a:defRPr sz="2800" b="0">
                 <a:solidFill>
                   <a:schemeClr val="accent1">
                     <a:hueOff val="273561"/>
@@ -10287,42 +10451,43 @@
                 <a:tab pos="8724900" algn="l"/>
                 <a:tab pos="9296400" algn="l"/>
               </a:tabLst>
-              <a:defRPr b="0" sz="1000">
-                <a:solidFill>
-                  <a:schemeClr val="accent1">
-                    <a:hueOff val="273561"/>
-                    <a:satOff val="2937"/>
-                    <a:lumOff val="-22233"/>
-                  </a:schemeClr>
-                </a:solidFill>
-                <a:latin typeface="Consolas"/>
-                <a:ea typeface="Consolas"/>
-                <a:cs typeface="Consolas"/>
-                <a:sym typeface="Consolas"/>
-              </a:defRPr>
-            </a:pPr>
-          </a:p>
-          <a:p>
-            <a:pPr algn="l" defTabSz="457200">
-              <a:tabLst>
-                <a:tab pos="571500" algn="l"/>
-                <a:tab pos="1155700" algn="l"/>
-                <a:tab pos="1739900" algn="l"/>
-                <a:tab pos="2324100" algn="l"/>
-                <a:tab pos="2908300" algn="l"/>
-                <a:tab pos="3479800" algn="l"/>
-                <a:tab pos="4064000" algn="l"/>
-                <a:tab pos="4648200" algn="l"/>
-                <a:tab pos="5232400" algn="l"/>
-                <a:tab pos="5816600" algn="l"/>
-                <a:tab pos="6388100" algn="l"/>
-                <a:tab pos="6972300" algn="l"/>
-                <a:tab pos="7556500" algn="l"/>
-                <a:tab pos="8140700" algn="l"/>
-                <a:tab pos="8724900" algn="l"/>
-                <a:tab pos="9296400" algn="l"/>
-              </a:tabLst>
-              <a:defRPr b="0" sz="2800">
+              <a:defRPr sz="1000" b="0">
+                <a:solidFill>
+                  <a:schemeClr val="accent1">
+                    <a:hueOff val="273561"/>
+                    <a:satOff val="2937"/>
+                    <a:lumOff val="-22233"/>
+                  </a:schemeClr>
+                </a:solidFill>
+                <a:latin typeface="Consolas"/>
+                <a:ea typeface="Consolas"/>
+                <a:cs typeface="Consolas"/>
+                <a:sym typeface="Consolas"/>
+              </a:defRPr>
+            </a:pPr>
+            <a:endParaRPr/>
+          </a:p>
+          <a:p>
+            <a:pPr algn="l" defTabSz="457200">
+              <a:tabLst>
+                <a:tab pos="571500" algn="l"/>
+                <a:tab pos="1155700" algn="l"/>
+                <a:tab pos="1739900" algn="l"/>
+                <a:tab pos="2324100" algn="l"/>
+                <a:tab pos="2908300" algn="l"/>
+                <a:tab pos="3479800" algn="l"/>
+                <a:tab pos="4064000" algn="l"/>
+                <a:tab pos="4648200" algn="l"/>
+                <a:tab pos="5232400" algn="l"/>
+                <a:tab pos="5816600" algn="l"/>
+                <a:tab pos="6388100" algn="l"/>
+                <a:tab pos="6972300" algn="l"/>
+                <a:tab pos="7556500" algn="l"/>
+                <a:tab pos="8140700" algn="l"/>
+                <a:tab pos="8724900" algn="l"/>
+                <a:tab pos="9296400" algn="l"/>
+              </a:tabLst>
+              <a:defRPr sz="2800" b="0">
                 <a:solidFill>
                   <a:schemeClr val="accent1">
                     <a:hueOff val="273561"/>
@@ -10360,7 +10525,7 @@
                 <a:tab pos="8724900" algn="l"/>
                 <a:tab pos="9296400" algn="l"/>
               </a:tabLst>
-              <a:defRPr b="0" sz="2800">
+              <a:defRPr sz="2800" b="0">
                 <a:solidFill>
                   <a:schemeClr val="accent1">
                     <a:hueOff val="273561"/>
@@ -10398,7 +10563,7 @@
                 <a:tab pos="8724900" algn="l"/>
                 <a:tab pos="9296400" algn="l"/>
               </a:tabLst>
-              <a:defRPr b="0" sz="2800">
+              <a:defRPr sz="2800" b="0">
                 <a:solidFill>
                   <a:schemeClr val="accent1">
                     <a:hueOff val="273561"/>
@@ -10436,7 +10601,7 @@
                 <a:tab pos="8724900" algn="l"/>
                 <a:tab pos="9296400" algn="l"/>
               </a:tabLst>
-              <a:defRPr b="0" sz="2800">
+              <a:defRPr sz="2800" b="0">
                 <a:solidFill>
                   <a:schemeClr val="accent1">
                     <a:hueOff val="273561"/>
@@ -10474,42 +10639,43 @@
                 <a:tab pos="8724900" algn="l"/>
                 <a:tab pos="9296400" algn="l"/>
               </a:tabLst>
-              <a:defRPr b="0" sz="1000">
-                <a:solidFill>
-                  <a:schemeClr val="accent1">
-                    <a:hueOff val="273561"/>
-                    <a:satOff val="2937"/>
-                    <a:lumOff val="-22233"/>
-                  </a:schemeClr>
-                </a:solidFill>
-                <a:latin typeface="Consolas"/>
-                <a:ea typeface="Consolas"/>
-                <a:cs typeface="Consolas"/>
-                <a:sym typeface="Consolas"/>
-              </a:defRPr>
-            </a:pPr>
-          </a:p>
-          <a:p>
-            <a:pPr algn="l" defTabSz="457200">
-              <a:tabLst>
-                <a:tab pos="571500" algn="l"/>
-                <a:tab pos="1155700" algn="l"/>
-                <a:tab pos="1739900" algn="l"/>
-                <a:tab pos="2324100" algn="l"/>
-                <a:tab pos="2908300" algn="l"/>
-                <a:tab pos="3479800" algn="l"/>
-                <a:tab pos="4064000" algn="l"/>
-                <a:tab pos="4648200" algn="l"/>
-                <a:tab pos="5232400" algn="l"/>
-                <a:tab pos="5816600" algn="l"/>
-                <a:tab pos="6388100" algn="l"/>
-                <a:tab pos="6972300" algn="l"/>
-                <a:tab pos="7556500" algn="l"/>
-                <a:tab pos="8140700" algn="l"/>
-                <a:tab pos="8724900" algn="l"/>
-                <a:tab pos="9296400" algn="l"/>
-              </a:tabLst>
-              <a:defRPr b="0" sz="2800">
+              <a:defRPr sz="1000" b="0">
+                <a:solidFill>
+                  <a:schemeClr val="accent1">
+                    <a:hueOff val="273561"/>
+                    <a:satOff val="2937"/>
+                    <a:lumOff val="-22233"/>
+                  </a:schemeClr>
+                </a:solidFill>
+                <a:latin typeface="Consolas"/>
+                <a:ea typeface="Consolas"/>
+                <a:cs typeface="Consolas"/>
+                <a:sym typeface="Consolas"/>
+              </a:defRPr>
+            </a:pPr>
+            <a:endParaRPr/>
+          </a:p>
+          <a:p>
+            <a:pPr algn="l" defTabSz="457200">
+              <a:tabLst>
+                <a:tab pos="571500" algn="l"/>
+                <a:tab pos="1155700" algn="l"/>
+                <a:tab pos="1739900" algn="l"/>
+                <a:tab pos="2324100" algn="l"/>
+                <a:tab pos="2908300" algn="l"/>
+                <a:tab pos="3479800" algn="l"/>
+                <a:tab pos="4064000" algn="l"/>
+                <a:tab pos="4648200" algn="l"/>
+                <a:tab pos="5232400" algn="l"/>
+                <a:tab pos="5816600" algn="l"/>
+                <a:tab pos="6388100" algn="l"/>
+                <a:tab pos="6972300" algn="l"/>
+                <a:tab pos="7556500" algn="l"/>
+                <a:tab pos="8140700" algn="l"/>
+                <a:tab pos="8724900" algn="l"/>
+                <a:tab pos="9296400" algn="l"/>
+              </a:tabLst>
+              <a:defRPr sz="2800" b="0">
                 <a:solidFill>
                   <a:schemeClr val="accent1">
                     <a:hueOff val="273561"/>
@@ -10547,7 +10713,7 @@
                 <a:tab pos="8724900" algn="l"/>
                 <a:tab pos="9296400" algn="l"/>
               </a:tabLst>
-              <a:defRPr b="0" sz="2800">
+              <a:defRPr sz="2800" b="0">
                 <a:solidFill>
                   <a:schemeClr val="accent1">
                     <a:hueOff val="273561"/>
@@ -10585,42 +10751,43 @@
                 <a:tab pos="8724900" algn="l"/>
                 <a:tab pos="9296400" algn="l"/>
               </a:tabLst>
-              <a:defRPr b="0" sz="1000">
-                <a:solidFill>
-                  <a:schemeClr val="accent1">
-                    <a:hueOff val="273561"/>
-                    <a:satOff val="2937"/>
-                    <a:lumOff val="-22233"/>
-                  </a:schemeClr>
-                </a:solidFill>
-                <a:latin typeface="Consolas"/>
-                <a:ea typeface="Consolas"/>
-                <a:cs typeface="Consolas"/>
-                <a:sym typeface="Consolas"/>
-              </a:defRPr>
-            </a:pPr>
-          </a:p>
-          <a:p>
-            <a:pPr algn="l" defTabSz="457200">
-              <a:tabLst>
-                <a:tab pos="571500" algn="l"/>
-                <a:tab pos="1155700" algn="l"/>
-                <a:tab pos="1739900" algn="l"/>
-                <a:tab pos="2324100" algn="l"/>
-                <a:tab pos="2908300" algn="l"/>
-                <a:tab pos="3479800" algn="l"/>
-                <a:tab pos="4064000" algn="l"/>
-                <a:tab pos="4648200" algn="l"/>
-                <a:tab pos="5232400" algn="l"/>
-                <a:tab pos="5816600" algn="l"/>
-                <a:tab pos="6388100" algn="l"/>
-                <a:tab pos="6972300" algn="l"/>
-                <a:tab pos="7556500" algn="l"/>
-                <a:tab pos="8140700" algn="l"/>
-                <a:tab pos="8724900" algn="l"/>
-                <a:tab pos="9296400" algn="l"/>
-              </a:tabLst>
-              <a:defRPr b="0" sz="2800">
+              <a:defRPr sz="1000" b="0">
+                <a:solidFill>
+                  <a:schemeClr val="accent1">
+                    <a:hueOff val="273561"/>
+                    <a:satOff val="2937"/>
+                    <a:lumOff val="-22233"/>
+                  </a:schemeClr>
+                </a:solidFill>
+                <a:latin typeface="Consolas"/>
+                <a:ea typeface="Consolas"/>
+                <a:cs typeface="Consolas"/>
+                <a:sym typeface="Consolas"/>
+              </a:defRPr>
+            </a:pPr>
+            <a:endParaRPr/>
+          </a:p>
+          <a:p>
+            <a:pPr algn="l" defTabSz="457200">
+              <a:tabLst>
+                <a:tab pos="571500" algn="l"/>
+                <a:tab pos="1155700" algn="l"/>
+                <a:tab pos="1739900" algn="l"/>
+                <a:tab pos="2324100" algn="l"/>
+                <a:tab pos="2908300" algn="l"/>
+                <a:tab pos="3479800" algn="l"/>
+                <a:tab pos="4064000" algn="l"/>
+                <a:tab pos="4648200" algn="l"/>
+                <a:tab pos="5232400" algn="l"/>
+                <a:tab pos="5816600" algn="l"/>
+                <a:tab pos="6388100" algn="l"/>
+                <a:tab pos="6972300" algn="l"/>
+                <a:tab pos="7556500" algn="l"/>
+                <a:tab pos="8140700" algn="l"/>
+                <a:tab pos="8724900" algn="l"/>
+                <a:tab pos="9296400" algn="l"/>
+              </a:tabLst>
+              <a:defRPr sz="2800" b="0">
                 <a:solidFill>
                   <a:srgbClr val="53585F"/>
                 </a:solidFill>
@@ -10655,7 +10822,7 @@
           </a:ln>
           <a:extLst>
             <a:ext uri="{C572A759-6A51-4108-AA02-DFA0A04FC94B}">
-              <ma14:wrappingTextBoxFlag xmlns:ma14="http://schemas.microsoft.com/office/mac/drawingml/2011/main" val="1"/>
+              <ma14:wrappingTextBoxFlag xmlns="" xmlns:m="http://schemas.openxmlformats.org/officeDocument/2006/math" xmlns:a14="http://schemas.microsoft.com/office/drawing/2010/main" xmlns:ma14="http://schemas.microsoft.com/office/mac/drawingml/2011/main" val="1"/>
             </a:ext>
           </a:extLst>
         </p:spPr>
@@ -10684,7 +10851,7 @@
                 <a:tab pos="8724900" algn="l"/>
                 <a:tab pos="9296400" algn="l"/>
               </a:tabLst>
-              <a:defRPr b="0" sz="2800">
+              <a:defRPr sz="2800" b="0">
                 <a:solidFill>
                   <a:schemeClr val="accent1">
                     <a:hueOff val="273561"/>
@@ -10722,7 +10889,7 @@
                 <a:tab pos="8724900" algn="l"/>
                 <a:tab pos="9296400" algn="l"/>
               </a:tabLst>
-              <a:defRPr b="0" sz="2800">
+              <a:defRPr sz="2800" b="0">
                 <a:solidFill>
                   <a:schemeClr val="accent1">
                     <a:hueOff val="273561"/>
@@ -10771,7 +10938,7 @@
                 <a:tab pos="8724900" algn="l"/>
                 <a:tab pos="9296400" algn="l"/>
               </a:tabLst>
-              <a:defRPr b="0" sz="2800">
+              <a:defRPr sz="2800" b="0">
                 <a:solidFill>
                   <a:schemeClr val="accent1">
                     <a:hueOff val="273561"/>
@@ -10809,7 +10976,7 @@
                 <a:tab pos="8724900" algn="l"/>
                 <a:tab pos="9296400" algn="l"/>
               </a:tabLst>
-              <a:defRPr b="0" sz="2800">
+              <a:defRPr sz="2800" b="0">
                 <a:solidFill>
                   <a:schemeClr val="accent1">
                     <a:hueOff val="273561"/>
@@ -10847,7 +11014,7 @@
                 <a:tab pos="8724900" algn="l"/>
                 <a:tab pos="9296400" algn="l"/>
               </a:tabLst>
-              <a:defRPr b="0" sz="2800">
+              <a:defRPr sz="2800" b="0">
                 <a:solidFill>
                   <a:schemeClr val="accent1">
                     <a:hueOff val="273561"/>
@@ -10885,7 +11052,7 @@
                 <a:tab pos="8724900" algn="l"/>
                 <a:tab pos="9296400" algn="l"/>
               </a:tabLst>
-              <a:defRPr b="0" sz="2800">
+              <a:defRPr sz="2800" b="0">
                 <a:solidFill>
                   <a:schemeClr val="accent1">
                     <a:hueOff val="273561"/>
@@ -10923,7 +11090,7 @@
                 <a:tab pos="8724900" algn="l"/>
                 <a:tab pos="9296400" algn="l"/>
               </a:tabLst>
-              <a:defRPr b="0" sz="2800">
+              <a:defRPr sz="2800" b="0">
                 <a:solidFill>
                   <a:schemeClr val="accent1">
                     <a:hueOff val="273561"/>
@@ -10961,77 +11128,79 @@
                 <a:tab pos="8724900" algn="l"/>
                 <a:tab pos="9296400" algn="l"/>
               </a:tabLst>
-              <a:defRPr b="0" sz="1000">
-                <a:solidFill>
-                  <a:schemeClr val="accent1">
-                    <a:hueOff val="273561"/>
-                    <a:satOff val="2937"/>
-                    <a:lumOff val="-22233"/>
-                  </a:schemeClr>
-                </a:solidFill>
-                <a:latin typeface="Consolas"/>
-                <a:ea typeface="Consolas"/>
-                <a:cs typeface="Consolas"/>
-                <a:sym typeface="Consolas"/>
-              </a:defRPr>
-            </a:pPr>
-          </a:p>
-          <a:p>
-            <a:pPr algn="l" defTabSz="457200">
-              <a:tabLst>
-                <a:tab pos="571500" algn="l"/>
-                <a:tab pos="1155700" algn="l"/>
-                <a:tab pos="1739900" algn="l"/>
-                <a:tab pos="2324100" algn="l"/>
-                <a:tab pos="2908300" algn="l"/>
-                <a:tab pos="3479800" algn="l"/>
-                <a:tab pos="4064000" algn="l"/>
-                <a:tab pos="4648200" algn="l"/>
-                <a:tab pos="5232400" algn="l"/>
-                <a:tab pos="5816600" algn="l"/>
-                <a:tab pos="6388100" algn="l"/>
-                <a:tab pos="6972300" algn="l"/>
-                <a:tab pos="7556500" algn="l"/>
-                <a:tab pos="8140700" algn="l"/>
-                <a:tab pos="8724900" algn="l"/>
-                <a:tab pos="9296400" algn="l"/>
-              </a:tabLst>
-              <a:defRPr b="0" sz="2800">
-                <a:solidFill>
-                  <a:schemeClr val="accent1">
-                    <a:hueOff val="273561"/>
-                    <a:satOff val="2937"/>
-                    <a:lumOff val="-22233"/>
-                  </a:schemeClr>
-                </a:solidFill>
-                <a:latin typeface="Consolas"/>
-                <a:ea typeface="Consolas"/>
-                <a:cs typeface="Consolas"/>
-                <a:sym typeface="Consolas"/>
-              </a:defRPr>
-            </a:pPr>
-          </a:p>
-          <a:p>
-            <a:pPr algn="l" defTabSz="457200">
-              <a:tabLst>
-                <a:tab pos="571500" algn="l"/>
-                <a:tab pos="1155700" algn="l"/>
-                <a:tab pos="1739900" algn="l"/>
-                <a:tab pos="2324100" algn="l"/>
-                <a:tab pos="2908300" algn="l"/>
-                <a:tab pos="3479800" algn="l"/>
-                <a:tab pos="4064000" algn="l"/>
-                <a:tab pos="4648200" algn="l"/>
-                <a:tab pos="5232400" algn="l"/>
-                <a:tab pos="5816600" algn="l"/>
-                <a:tab pos="6388100" algn="l"/>
-                <a:tab pos="6972300" algn="l"/>
-                <a:tab pos="7556500" algn="l"/>
-                <a:tab pos="8140700" algn="l"/>
-                <a:tab pos="8724900" algn="l"/>
-                <a:tab pos="9296400" algn="l"/>
-              </a:tabLst>
-              <a:defRPr b="0" sz="2800">
+              <a:defRPr sz="1000" b="0">
+                <a:solidFill>
+                  <a:schemeClr val="accent1">
+                    <a:hueOff val="273561"/>
+                    <a:satOff val="2937"/>
+                    <a:lumOff val="-22233"/>
+                  </a:schemeClr>
+                </a:solidFill>
+                <a:latin typeface="Consolas"/>
+                <a:ea typeface="Consolas"/>
+                <a:cs typeface="Consolas"/>
+                <a:sym typeface="Consolas"/>
+              </a:defRPr>
+            </a:pPr>
+            <a:endParaRPr/>
+          </a:p>
+          <a:p>
+            <a:pPr algn="l" defTabSz="457200">
+              <a:tabLst>
+                <a:tab pos="571500" algn="l"/>
+                <a:tab pos="1155700" algn="l"/>
+                <a:tab pos="1739900" algn="l"/>
+                <a:tab pos="2324100" algn="l"/>
+                <a:tab pos="2908300" algn="l"/>
+                <a:tab pos="3479800" algn="l"/>
+                <a:tab pos="4064000" algn="l"/>
+                <a:tab pos="4648200" algn="l"/>
+                <a:tab pos="5232400" algn="l"/>
+                <a:tab pos="5816600" algn="l"/>
+                <a:tab pos="6388100" algn="l"/>
+                <a:tab pos="6972300" algn="l"/>
+                <a:tab pos="7556500" algn="l"/>
+                <a:tab pos="8140700" algn="l"/>
+                <a:tab pos="8724900" algn="l"/>
+                <a:tab pos="9296400" algn="l"/>
+              </a:tabLst>
+              <a:defRPr sz="2800" b="0">
+                <a:solidFill>
+                  <a:schemeClr val="accent1">
+                    <a:hueOff val="273561"/>
+                    <a:satOff val="2937"/>
+                    <a:lumOff val="-22233"/>
+                  </a:schemeClr>
+                </a:solidFill>
+                <a:latin typeface="Consolas"/>
+                <a:ea typeface="Consolas"/>
+                <a:cs typeface="Consolas"/>
+                <a:sym typeface="Consolas"/>
+              </a:defRPr>
+            </a:pPr>
+            <a:endParaRPr/>
+          </a:p>
+          <a:p>
+            <a:pPr algn="l" defTabSz="457200">
+              <a:tabLst>
+                <a:tab pos="571500" algn="l"/>
+                <a:tab pos="1155700" algn="l"/>
+                <a:tab pos="1739900" algn="l"/>
+                <a:tab pos="2324100" algn="l"/>
+                <a:tab pos="2908300" algn="l"/>
+                <a:tab pos="3479800" algn="l"/>
+                <a:tab pos="4064000" algn="l"/>
+                <a:tab pos="4648200" algn="l"/>
+                <a:tab pos="5232400" algn="l"/>
+                <a:tab pos="5816600" algn="l"/>
+                <a:tab pos="6388100" algn="l"/>
+                <a:tab pos="6972300" algn="l"/>
+                <a:tab pos="7556500" algn="l"/>
+                <a:tab pos="8140700" algn="l"/>
+                <a:tab pos="8724900" algn="l"/>
+                <a:tab pos="9296400" algn="l"/>
+              </a:tabLst>
+              <a:defRPr sz="2800" b="0">
                 <a:solidFill>
                   <a:schemeClr val="accent1">
                     <a:hueOff val="273561"/>
@@ -11069,7 +11238,7 @@
                 <a:tab pos="8724900" algn="l"/>
                 <a:tab pos="9296400" algn="l"/>
               </a:tabLst>
-              <a:defRPr b="0" sz="2800">
+              <a:defRPr sz="2800" b="0">
                 <a:solidFill>
                   <a:schemeClr val="accent1">
                     <a:hueOff val="273561"/>
@@ -11107,42 +11276,43 @@
                 <a:tab pos="8724900" algn="l"/>
                 <a:tab pos="9296400" algn="l"/>
               </a:tabLst>
-              <a:defRPr b="0" sz="2800">
-                <a:solidFill>
-                  <a:schemeClr val="accent1">
-                    <a:hueOff val="273561"/>
-                    <a:satOff val="2937"/>
-                    <a:lumOff val="-22233"/>
-                  </a:schemeClr>
-                </a:solidFill>
-                <a:latin typeface="Consolas"/>
-                <a:ea typeface="Consolas"/>
-                <a:cs typeface="Consolas"/>
-                <a:sym typeface="Consolas"/>
-              </a:defRPr>
-            </a:pPr>
-          </a:p>
-          <a:p>
-            <a:pPr algn="l" defTabSz="457200">
-              <a:tabLst>
-                <a:tab pos="571500" algn="l"/>
-                <a:tab pos="1155700" algn="l"/>
-                <a:tab pos="1739900" algn="l"/>
-                <a:tab pos="2324100" algn="l"/>
-                <a:tab pos="2908300" algn="l"/>
-                <a:tab pos="3479800" algn="l"/>
-                <a:tab pos="4064000" algn="l"/>
-                <a:tab pos="4648200" algn="l"/>
-                <a:tab pos="5232400" algn="l"/>
-                <a:tab pos="5816600" algn="l"/>
-                <a:tab pos="6388100" algn="l"/>
-                <a:tab pos="6972300" algn="l"/>
-                <a:tab pos="7556500" algn="l"/>
-                <a:tab pos="8140700" algn="l"/>
-                <a:tab pos="8724900" algn="l"/>
-                <a:tab pos="9296400" algn="l"/>
-              </a:tabLst>
-              <a:defRPr b="0" sz="2800">
+              <a:defRPr sz="2800" b="0">
+                <a:solidFill>
+                  <a:schemeClr val="accent1">
+                    <a:hueOff val="273561"/>
+                    <a:satOff val="2937"/>
+                    <a:lumOff val="-22233"/>
+                  </a:schemeClr>
+                </a:solidFill>
+                <a:latin typeface="Consolas"/>
+                <a:ea typeface="Consolas"/>
+                <a:cs typeface="Consolas"/>
+                <a:sym typeface="Consolas"/>
+              </a:defRPr>
+            </a:pPr>
+            <a:endParaRPr/>
+          </a:p>
+          <a:p>
+            <a:pPr algn="l" defTabSz="457200">
+              <a:tabLst>
+                <a:tab pos="571500" algn="l"/>
+                <a:tab pos="1155700" algn="l"/>
+                <a:tab pos="1739900" algn="l"/>
+                <a:tab pos="2324100" algn="l"/>
+                <a:tab pos="2908300" algn="l"/>
+                <a:tab pos="3479800" algn="l"/>
+                <a:tab pos="4064000" algn="l"/>
+                <a:tab pos="4648200" algn="l"/>
+                <a:tab pos="5232400" algn="l"/>
+                <a:tab pos="5816600" algn="l"/>
+                <a:tab pos="6388100" algn="l"/>
+                <a:tab pos="6972300" algn="l"/>
+                <a:tab pos="7556500" algn="l"/>
+                <a:tab pos="8140700" algn="l"/>
+                <a:tab pos="8724900" algn="l"/>
+                <a:tab pos="9296400" algn="l"/>
+              </a:tabLst>
+              <a:defRPr sz="2800" b="0">
                 <a:solidFill>
                   <a:srgbClr val="53585F"/>
                 </a:solidFill>
@@ -11185,7 +11355,7 @@
           <a:lstStyle/>
           <a:p>
             <a:pPr>
-              <a:defRPr b="0" sz="2200">
+              <a:defRPr sz="2200" b="0">
                 <a:solidFill>
                   <a:srgbClr val="000000"/>
                 </a:solidFill>
@@ -11195,6 +11365,7 @@
                 <a:sym typeface="Helvetica Light"/>
               </a:defRPr>
             </a:pPr>
+            <a:endParaRPr/>
           </a:p>
         </p:txBody>
       </p:sp>
@@ -11217,7 +11388,7 @@
           </a:ln>
           <a:extLst>
             <a:ext uri="{C572A759-6A51-4108-AA02-DFA0A04FC94B}">
-              <ma14:wrappingTextBoxFlag xmlns:ma14="http://schemas.microsoft.com/office/mac/drawingml/2011/main" val="1"/>
+              <ma14:wrappingTextBoxFlag xmlns="" xmlns:m="http://schemas.openxmlformats.org/officeDocument/2006/math" xmlns:a14="http://schemas.microsoft.com/office/drawing/2010/main" xmlns:ma14="http://schemas.microsoft.com/office/mac/drawingml/2011/main" val="1"/>
             </a:ext>
           </a:extLst>
         </p:spPr>
@@ -11228,7 +11399,7 @@
           <a:lstStyle/>
           <a:p>
             <a:pPr algn="l">
-              <a:defRPr b="0" sz="1900"/>
+              <a:defRPr sz="1900" b="0"/>
             </a:pPr>
             <a:r>
               <a:t>passing our instance variables as symbols to an </a:t>
@@ -11264,12 +11435,12 @@
   <p:clrMapOvr>
     <a:masterClrMapping/>
   </p:clrMapOvr>
-  <p:transition xmlns:p14="http://schemas.microsoft.com/office/powerpoint/2010/main" spd="med" advClick="1"/>
+  <p:transition spd="med"/>
 </p:sld>
 </file>
 
 <file path=ppt/slides/slide8.xml><?xml version="1.0" encoding="utf-8"?>
-<p:sld xmlns:a="http://schemas.openxmlformats.org/drawingml/2006/main" xmlns:r="http://schemas.openxmlformats.org/officeDocument/2006/relationships" xmlns:p="http://schemas.openxmlformats.org/presentationml/2006/main" xmlns:m="http://schemas.openxmlformats.org/officeDocument/2006/math" xmlns:a14="http://schemas.microsoft.com/office/drawing/2010/main" showMasterSp="1" showMasterPhAnim="1">
+<p:sld xmlns:a="http://schemas.openxmlformats.org/drawingml/2006/main" xmlns:r="http://schemas.openxmlformats.org/officeDocument/2006/relationships" xmlns:p="http://schemas.openxmlformats.org/presentationml/2006/main">
   <p:cSld>
     <p:spTree>
       <p:nvGrpSpPr>
@@ -11304,7 +11475,7 @@
           </a:ln>
           <a:extLst>
             <a:ext uri="{C572A759-6A51-4108-AA02-DFA0A04FC94B}">
-              <ma14:wrappingTextBoxFlag xmlns:ma14="http://schemas.microsoft.com/office/mac/drawingml/2011/main" val="1"/>
+              <ma14:wrappingTextBoxFlag xmlns="" xmlns:m="http://schemas.openxmlformats.org/officeDocument/2006/math" xmlns:a14="http://schemas.microsoft.com/office/drawing/2010/main" xmlns:ma14="http://schemas.microsoft.com/office/mac/drawingml/2011/main" val="1"/>
             </a:ext>
           </a:extLst>
         </p:spPr>
@@ -11371,7 +11542,7 @@
           </a:ln>
           <a:extLst>
             <a:ext uri="{C572A759-6A51-4108-AA02-DFA0A04FC94B}">
-              <ma14:wrappingTextBoxFlag xmlns:ma14="http://schemas.microsoft.com/office/mac/drawingml/2011/main" val="1"/>
+              <ma14:wrappingTextBoxFlag xmlns="" xmlns:m="http://schemas.openxmlformats.org/officeDocument/2006/math" xmlns:a14="http://schemas.microsoft.com/office/drawing/2010/main" xmlns:ma14="http://schemas.microsoft.com/office/mac/drawingml/2011/main" val="1"/>
             </a:ext>
           </a:extLst>
         </p:spPr>
@@ -11385,7 +11556,7 @@
               <a:spcBef>
                 <a:spcPts val="500"/>
               </a:spcBef>
-              <a:defRPr b="0" sz="3500">
+              <a:defRPr sz="3500" b="0">
                 <a:latin typeface="Helvetica"/>
                 <a:ea typeface="Helvetica"/>
                 <a:cs typeface="Helvetica"/>
@@ -11411,13 +11582,14 @@
               <a:spcBef>
                 <a:spcPts val="500"/>
               </a:spcBef>
-              <a:defRPr b="0" sz="3500">
+              <a:defRPr sz="3500" b="0">
                 <a:latin typeface="Helvetica"/>
                 <a:ea typeface="Helvetica"/>
                 <a:cs typeface="Helvetica"/>
                 <a:sym typeface="Helvetica"/>
               </a:defRPr>
             </a:pPr>
+            <a:endParaRPr/>
           </a:p>
           <a:p>
             <a:pPr marL="228600" indent="-228600" algn="l" defTabSz="457200">
@@ -11425,8 +11597,8 @@
                 <a:spcPts val="500"/>
               </a:spcBef>
               <a:buSzPct val="100000"/>
-              <a:buAutoNum type="arabicPeriod" startAt="1"/>
-              <a:defRPr b="0" sz="3500">
+              <a:buAutoNum type="arabicPeriod"/>
+              <a:defRPr sz="3500" b="0">
                 <a:latin typeface="Helvetica"/>
                 <a:ea typeface="Helvetica"/>
                 <a:cs typeface="Helvetica"/>
@@ -11447,8 +11619,8 @@
                 <a:spcPts val="500"/>
               </a:spcBef>
               <a:buSzPct val="100000"/>
-              <a:buAutoNum type="arabicPeriod" startAt="1"/>
-              <a:defRPr b="0" sz="3500">
+              <a:buAutoNum type="arabicPeriod"/>
+              <a:defRPr sz="3500" b="0">
                 <a:latin typeface="Helvetica"/>
                 <a:ea typeface="Helvetica"/>
                 <a:cs typeface="Helvetica"/>
@@ -11463,7 +11635,7 @@
               <a:t> </a:t>
             </a:r>
             <a:r>
-              <a:rPr b="1" sz="3600">
+              <a:rPr sz="3600" b="1">
                 <a:solidFill>
                   <a:srgbClr val="FA1116"/>
                 </a:solidFill>
@@ -11496,12 +11668,12 @@
   <p:clrMapOvr>
     <a:masterClrMapping/>
   </p:clrMapOvr>
-  <p:transition xmlns:p14="http://schemas.microsoft.com/office/powerpoint/2010/main" spd="med" advClick="1"/>
+  <p:transition spd="med"/>
 </p:sld>
 </file>
 
 <file path=ppt/slides/slide9.xml><?xml version="1.0" encoding="utf-8"?>
-<p:sld xmlns:a="http://schemas.openxmlformats.org/drawingml/2006/main" xmlns:r="http://schemas.openxmlformats.org/officeDocument/2006/relationships" xmlns:p="http://schemas.openxmlformats.org/presentationml/2006/main" xmlns:m="http://schemas.openxmlformats.org/officeDocument/2006/math" xmlns:a14="http://schemas.microsoft.com/office/drawing/2010/main" showMasterSp="1" showMasterPhAnim="1">
+<p:sld xmlns:a="http://schemas.openxmlformats.org/drawingml/2006/main" xmlns:r="http://schemas.openxmlformats.org/officeDocument/2006/relationships" xmlns:p="http://schemas.openxmlformats.org/presentationml/2006/main">
   <p:cSld>
     <p:spTree>
       <p:nvGrpSpPr>
@@ -11536,7 +11708,7 @@
           </a:ln>
           <a:extLst>
             <a:ext uri="{C572A759-6A51-4108-AA02-DFA0A04FC94B}">
-              <ma14:wrappingTextBoxFlag xmlns:ma14="http://schemas.microsoft.com/office/mac/drawingml/2011/main" val="1"/>
+              <ma14:wrappingTextBoxFlag xmlns="" xmlns:m="http://schemas.openxmlformats.org/officeDocument/2006/math" xmlns:a14="http://schemas.microsoft.com/office/drawing/2010/main" xmlns:ma14="http://schemas.microsoft.com/office/mac/drawingml/2011/main" val="1"/>
             </a:ext>
           </a:extLst>
         </p:spPr>
@@ -11603,7 +11775,7 @@
           </a:ln>
           <a:extLst>
             <a:ext uri="{C572A759-6A51-4108-AA02-DFA0A04FC94B}">
-              <ma14:wrappingTextBoxFlag xmlns:ma14="http://schemas.microsoft.com/office/mac/drawingml/2011/main" val="1"/>
+              <ma14:wrappingTextBoxFlag xmlns="" xmlns:m="http://schemas.openxmlformats.org/officeDocument/2006/math" xmlns:a14="http://schemas.microsoft.com/office/drawing/2010/main" xmlns:ma14="http://schemas.microsoft.com/office/mac/drawingml/2011/main" val="1"/>
             </a:ext>
           </a:extLst>
         </p:spPr>
@@ -11632,7 +11804,7 @@
                 <a:tab pos="8724900" algn="l"/>
                 <a:tab pos="9296400" algn="l"/>
               </a:tabLst>
-              <a:defRPr b="0" sz="2800">
+              <a:defRPr sz="2800" b="0">
                 <a:solidFill>
                   <a:schemeClr val="accent1">
                     <a:hueOff val="273561"/>
@@ -11670,7 +11842,7 @@
                 <a:tab pos="8724900" algn="l"/>
                 <a:tab pos="9296400" algn="l"/>
               </a:tabLst>
-              <a:defRPr b="0" sz="2800">
+              <a:defRPr sz="2800" b="0">
                 <a:solidFill>
                   <a:schemeClr val="accent1">
                     <a:hueOff val="273561"/>
@@ -11708,7 +11880,7 @@
                 <a:tab pos="8724900" algn="l"/>
                 <a:tab pos="9296400" algn="l"/>
               </a:tabLst>
-              <a:defRPr b="0" sz="2800">
+              <a:defRPr sz="2800" b="0">
                 <a:solidFill>
                   <a:schemeClr val="accent1">
                     <a:hueOff val="273561"/>
@@ -11746,7 +11918,7 @@
                 <a:tab pos="8724900" algn="l"/>
                 <a:tab pos="9296400" algn="l"/>
               </a:tabLst>
-              <a:defRPr b="0" sz="2800">
+              <a:defRPr sz="2800" b="0">
                 <a:solidFill>
                   <a:schemeClr val="accent1">
                     <a:hueOff val="273561"/>
@@ -11787,42 +11959,43 @@
                 <a:tab pos="8724900" algn="l"/>
                 <a:tab pos="9296400" algn="l"/>
               </a:tabLst>
-              <a:defRPr b="0" sz="2800">
-                <a:solidFill>
-                  <a:schemeClr val="accent1">
-                    <a:hueOff val="273561"/>
-                    <a:satOff val="2937"/>
-                    <a:lumOff val="-22233"/>
-                  </a:schemeClr>
-                </a:solidFill>
-                <a:latin typeface="Consolas"/>
-                <a:ea typeface="Consolas"/>
-                <a:cs typeface="Consolas"/>
-                <a:sym typeface="Consolas"/>
-              </a:defRPr>
-            </a:pPr>
-          </a:p>
-          <a:p>
-            <a:pPr algn="l" defTabSz="457200">
-              <a:tabLst>
-                <a:tab pos="571500" algn="l"/>
-                <a:tab pos="1155700" algn="l"/>
-                <a:tab pos="1739900" algn="l"/>
-                <a:tab pos="2324100" algn="l"/>
-                <a:tab pos="2908300" algn="l"/>
-                <a:tab pos="3479800" algn="l"/>
-                <a:tab pos="4064000" algn="l"/>
-                <a:tab pos="4648200" algn="l"/>
-                <a:tab pos="5232400" algn="l"/>
-                <a:tab pos="5816600" algn="l"/>
-                <a:tab pos="6388100" algn="l"/>
-                <a:tab pos="6972300" algn="l"/>
-                <a:tab pos="7556500" algn="l"/>
-                <a:tab pos="8140700" algn="l"/>
-                <a:tab pos="8724900" algn="l"/>
-                <a:tab pos="9296400" algn="l"/>
-              </a:tabLst>
-              <a:defRPr b="0" sz="2800">
+              <a:defRPr sz="2800" b="0">
+                <a:solidFill>
+                  <a:schemeClr val="accent1">
+                    <a:hueOff val="273561"/>
+                    <a:satOff val="2937"/>
+                    <a:lumOff val="-22233"/>
+                  </a:schemeClr>
+                </a:solidFill>
+                <a:latin typeface="Consolas"/>
+                <a:ea typeface="Consolas"/>
+                <a:cs typeface="Consolas"/>
+                <a:sym typeface="Consolas"/>
+              </a:defRPr>
+            </a:pPr>
+            <a:endParaRPr/>
+          </a:p>
+          <a:p>
+            <a:pPr algn="l" defTabSz="457200">
+              <a:tabLst>
+                <a:tab pos="571500" algn="l"/>
+                <a:tab pos="1155700" algn="l"/>
+                <a:tab pos="1739900" algn="l"/>
+                <a:tab pos="2324100" algn="l"/>
+                <a:tab pos="2908300" algn="l"/>
+                <a:tab pos="3479800" algn="l"/>
+                <a:tab pos="4064000" algn="l"/>
+                <a:tab pos="4648200" algn="l"/>
+                <a:tab pos="5232400" algn="l"/>
+                <a:tab pos="5816600" algn="l"/>
+                <a:tab pos="6388100" algn="l"/>
+                <a:tab pos="6972300" algn="l"/>
+                <a:tab pos="7556500" algn="l"/>
+                <a:tab pos="8140700" algn="l"/>
+                <a:tab pos="8724900" algn="l"/>
+                <a:tab pos="9296400" algn="l"/>
+              </a:tabLst>
+              <a:defRPr sz="2800" b="0">
                 <a:solidFill>
                   <a:schemeClr val="accent1">
                     <a:hueOff val="273561"/>
@@ -11860,7 +12033,7 @@
                 <a:tab pos="8724900" algn="l"/>
                 <a:tab pos="9296400" algn="l"/>
               </a:tabLst>
-              <a:defRPr b="0" sz="2800">
+              <a:defRPr sz="2800" b="0">
                 <a:solidFill>
                   <a:schemeClr val="accent1">
                     <a:hueOff val="273561"/>
@@ -11898,7 +12071,7 @@
                 <a:tab pos="8724900" algn="l"/>
                 <a:tab pos="9296400" algn="l"/>
               </a:tabLst>
-              <a:defRPr b="0" sz="2800">
+              <a:defRPr sz="2800" b="0">
                 <a:solidFill>
                   <a:schemeClr val="accent1">
                     <a:hueOff val="273561"/>
@@ -11936,7 +12109,7 @@
                 <a:tab pos="8724900" algn="l"/>
                 <a:tab pos="9296400" algn="l"/>
               </a:tabLst>
-              <a:defRPr b="0" sz="2800">
+              <a:defRPr sz="2800" b="0">
                 <a:solidFill>
                   <a:schemeClr val="accent1">
                     <a:hueOff val="273561"/>
@@ -11977,42 +12150,43 @@
                 <a:tab pos="8724900" algn="l"/>
                 <a:tab pos="9296400" algn="l"/>
               </a:tabLst>
-              <a:defRPr b="0" sz="2800">
-                <a:solidFill>
-                  <a:schemeClr val="accent1">
-                    <a:hueOff val="273561"/>
-                    <a:satOff val="2937"/>
-                    <a:lumOff val="-22233"/>
-                  </a:schemeClr>
-                </a:solidFill>
-                <a:latin typeface="Consolas"/>
-                <a:ea typeface="Consolas"/>
-                <a:cs typeface="Consolas"/>
-                <a:sym typeface="Consolas"/>
-              </a:defRPr>
-            </a:pPr>
-          </a:p>
-          <a:p>
-            <a:pPr algn="l" defTabSz="457200">
-              <a:tabLst>
-                <a:tab pos="571500" algn="l"/>
-                <a:tab pos="1155700" algn="l"/>
-                <a:tab pos="1739900" algn="l"/>
-                <a:tab pos="2324100" algn="l"/>
-                <a:tab pos="2908300" algn="l"/>
-                <a:tab pos="3479800" algn="l"/>
-                <a:tab pos="4064000" algn="l"/>
-                <a:tab pos="4648200" algn="l"/>
-                <a:tab pos="5232400" algn="l"/>
-                <a:tab pos="5816600" algn="l"/>
-                <a:tab pos="6388100" algn="l"/>
-                <a:tab pos="6972300" algn="l"/>
-                <a:tab pos="7556500" algn="l"/>
-                <a:tab pos="8140700" algn="l"/>
-                <a:tab pos="8724900" algn="l"/>
-                <a:tab pos="9296400" algn="l"/>
-              </a:tabLst>
-              <a:defRPr b="0" sz="2800">
+              <a:defRPr sz="2800" b="0">
+                <a:solidFill>
+                  <a:schemeClr val="accent1">
+                    <a:hueOff val="273561"/>
+                    <a:satOff val="2937"/>
+                    <a:lumOff val="-22233"/>
+                  </a:schemeClr>
+                </a:solidFill>
+                <a:latin typeface="Consolas"/>
+                <a:ea typeface="Consolas"/>
+                <a:cs typeface="Consolas"/>
+                <a:sym typeface="Consolas"/>
+              </a:defRPr>
+            </a:pPr>
+            <a:endParaRPr/>
+          </a:p>
+          <a:p>
+            <a:pPr algn="l" defTabSz="457200">
+              <a:tabLst>
+                <a:tab pos="571500" algn="l"/>
+                <a:tab pos="1155700" algn="l"/>
+                <a:tab pos="1739900" algn="l"/>
+                <a:tab pos="2324100" algn="l"/>
+                <a:tab pos="2908300" algn="l"/>
+                <a:tab pos="3479800" algn="l"/>
+                <a:tab pos="4064000" algn="l"/>
+                <a:tab pos="4648200" algn="l"/>
+                <a:tab pos="5232400" algn="l"/>
+                <a:tab pos="5816600" algn="l"/>
+                <a:tab pos="6388100" algn="l"/>
+                <a:tab pos="6972300" algn="l"/>
+                <a:tab pos="7556500" algn="l"/>
+                <a:tab pos="8140700" algn="l"/>
+                <a:tab pos="8724900" algn="l"/>
+                <a:tab pos="9296400" algn="l"/>
+              </a:tabLst>
+              <a:defRPr sz="2800" b="0">
                 <a:solidFill>
                   <a:schemeClr val="accent1">
                     <a:hueOff val="273561"/>
@@ -12053,42 +12227,43 @@
                 <a:tab pos="8724900" algn="l"/>
                 <a:tab pos="9296400" algn="l"/>
               </a:tabLst>
-              <a:defRPr b="0" sz="2800">
-                <a:solidFill>
-                  <a:schemeClr val="accent1">
-                    <a:hueOff val="273561"/>
-                    <a:satOff val="2937"/>
-                    <a:lumOff val="-22233"/>
-                  </a:schemeClr>
-                </a:solidFill>
-                <a:latin typeface="Consolas"/>
-                <a:ea typeface="Consolas"/>
-                <a:cs typeface="Consolas"/>
-                <a:sym typeface="Consolas"/>
-              </a:defRPr>
-            </a:pPr>
-          </a:p>
-          <a:p>
-            <a:pPr algn="l" defTabSz="457200">
-              <a:tabLst>
-                <a:tab pos="571500" algn="l"/>
-                <a:tab pos="1155700" algn="l"/>
-                <a:tab pos="1739900" algn="l"/>
-                <a:tab pos="2324100" algn="l"/>
-                <a:tab pos="2908300" algn="l"/>
-                <a:tab pos="3479800" algn="l"/>
-                <a:tab pos="4064000" algn="l"/>
-                <a:tab pos="4648200" algn="l"/>
-                <a:tab pos="5232400" algn="l"/>
-                <a:tab pos="5816600" algn="l"/>
-                <a:tab pos="6388100" algn="l"/>
-                <a:tab pos="6972300" algn="l"/>
-                <a:tab pos="7556500" algn="l"/>
-                <a:tab pos="8140700" algn="l"/>
-                <a:tab pos="8724900" algn="l"/>
-                <a:tab pos="9296400" algn="l"/>
-              </a:tabLst>
-              <a:defRPr b="0" sz="2800">
+              <a:defRPr sz="2800" b="0">
+                <a:solidFill>
+                  <a:schemeClr val="accent1">
+                    <a:hueOff val="273561"/>
+                    <a:satOff val="2937"/>
+                    <a:lumOff val="-22233"/>
+                  </a:schemeClr>
+                </a:solidFill>
+                <a:latin typeface="Consolas"/>
+                <a:ea typeface="Consolas"/>
+                <a:cs typeface="Consolas"/>
+                <a:sym typeface="Consolas"/>
+              </a:defRPr>
+            </a:pPr>
+            <a:endParaRPr/>
+          </a:p>
+          <a:p>
+            <a:pPr algn="l" defTabSz="457200">
+              <a:tabLst>
+                <a:tab pos="571500" algn="l"/>
+                <a:tab pos="1155700" algn="l"/>
+                <a:tab pos="1739900" algn="l"/>
+                <a:tab pos="2324100" algn="l"/>
+                <a:tab pos="2908300" algn="l"/>
+                <a:tab pos="3479800" algn="l"/>
+                <a:tab pos="4064000" algn="l"/>
+                <a:tab pos="4648200" algn="l"/>
+                <a:tab pos="5232400" algn="l"/>
+                <a:tab pos="5816600" algn="l"/>
+                <a:tab pos="6388100" algn="l"/>
+                <a:tab pos="6972300" algn="l"/>
+                <a:tab pos="7556500" algn="l"/>
+                <a:tab pos="8140700" algn="l"/>
+                <a:tab pos="8724900" algn="l"/>
+                <a:tab pos="9296400" algn="l"/>
+              </a:tabLst>
+              <a:defRPr sz="2800" b="0">
                 <a:solidFill>
                   <a:schemeClr val="accent1">
                     <a:hueOff val="273561"/>
@@ -12129,42 +12304,43 @@
                 <a:tab pos="8724900" algn="l"/>
                 <a:tab pos="9296400" algn="l"/>
               </a:tabLst>
-              <a:defRPr b="0" sz="2800">
-                <a:solidFill>
-                  <a:schemeClr val="accent1">
-                    <a:hueOff val="273561"/>
-                    <a:satOff val="2937"/>
-                    <a:lumOff val="-22233"/>
-                  </a:schemeClr>
-                </a:solidFill>
-                <a:latin typeface="Consolas"/>
-                <a:ea typeface="Consolas"/>
-                <a:cs typeface="Consolas"/>
-                <a:sym typeface="Consolas"/>
-              </a:defRPr>
-            </a:pPr>
-          </a:p>
-          <a:p>
-            <a:pPr algn="l" defTabSz="457200">
-              <a:tabLst>
-                <a:tab pos="571500" algn="l"/>
-                <a:tab pos="1155700" algn="l"/>
-                <a:tab pos="1739900" algn="l"/>
-                <a:tab pos="2324100" algn="l"/>
-                <a:tab pos="2908300" algn="l"/>
-                <a:tab pos="3479800" algn="l"/>
-                <a:tab pos="4064000" algn="l"/>
-                <a:tab pos="4648200" algn="l"/>
-                <a:tab pos="5232400" algn="l"/>
-                <a:tab pos="5816600" algn="l"/>
-                <a:tab pos="6388100" algn="l"/>
-                <a:tab pos="6972300" algn="l"/>
-                <a:tab pos="7556500" algn="l"/>
-                <a:tab pos="8140700" algn="l"/>
-                <a:tab pos="8724900" algn="l"/>
-                <a:tab pos="9296400" algn="l"/>
-              </a:tabLst>
-              <a:defRPr b="0" sz="2800">
+              <a:defRPr sz="2800" b="0">
+                <a:solidFill>
+                  <a:schemeClr val="accent1">
+                    <a:hueOff val="273561"/>
+                    <a:satOff val="2937"/>
+                    <a:lumOff val="-22233"/>
+                  </a:schemeClr>
+                </a:solidFill>
+                <a:latin typeface="Consolas"/>
+                <a:ea typeface="Consolas"/>
+                <a:cs typeface="Consolas"/>
+                <a:sym typeface="Consolas"/>
+              </a:defRPr>
+            </a:pPr>
+            <a:endParaRPr/>
+          </a:p>
+          <a:p>
+            <a:pPr algn="l" defTabSz="457200">
+              <a:tabLst>
+                <a:tab pos="571500" algn="l"/>
+                <a:tab pos="1155700" algn="l"/>
+                <a:tab pos="1739900" algn="l"/>
+                <a:tab pos="2324100" algn="l"/>
+                <a:tab pos="2908300" algn="l"/>
+                <a:tab pos="3479800" algn="l"/>
+                <a:tab pos="4064000" algn="l"/>
+                <a:tab pos="4648200" algn="l"/>
+                <a:tab pos="5232400" algn="l"/>
+                <a:tab pos="5816600" algn="l"/>
+                <a:tab pos="6388100" algn="l"/>
+                <a:tab pos="6972300" algn="l"/>
+                <a:tab pos="7556500" algn="l"/>
+                <a:tab pos="8140700" algn="l"/>
+                <a:tab pos="8724900" algn="l"/>
+                <a:tab pos="9296400" algn="l"/>
+              </a:tabLst>
+              <a:defRPr sz="2800" b="0">
                 <a:solidFill>
                   <a:schemeClr val="accent1">
                     <a:hueOff val="273561"/>
@@ -12205,42 +12381,43 @@
                 <a:tab pos="8724900" algn="l"/>
                 <a:tab pos="9296400" algn="l"/>
               </a:tabLst>
-              <a:defRPr b="0" sz="2800">
-                <a:solidFill>
-                  <a:schemeClr val="accent1">
-                    <a:hueOff val="273561"/>
-                    <a:satOff val="2937"/>
-                    <a:lumOff val="-22233"/>
-                  </a:schemeClr>
-                </a:solidFill>
-                <a:latin typeface="Consolas"/>
-                <a:ea typeface="Consolas"/>
-                <a:cs typeface="Consolas"/>
-                <a:sym typeface="Consolas"/>
-              </a:defRPr>
-            </a:pPr>
-          </a:p>
-          <a:p>
-            <a:pPr algn="l" defTabSz="457200">
-              <a:tabLst>
-                <a:tab pos="571500" algn="l"/>
-                <a:tab pos="1155700" algn="l"/>
-                <a:tab pos="1739900" algn="l"/>
-                <a:tab pos="2324100" algn="l"/>
-                <a:tab pos="2908300" algn="l"/>
-                <a:tab pos="3479800" algn="l"/>
-                <a:tab pos="4064000" algn="l"/>
-                <a:tab pos="4648200" algn="l"/>
-                <a:tab pos="5232400" algn="l"/>
-                <a:tab pos="5816600" algn="l"/>
-                <a:tab pos="6388100" algn="l"/>
-                <a:tab pos="6972300" algn="l"/>
-                <a:tab pos="7556500" algn="l"/>
-                <a:tab pos="8140700" algn="l"/>
-                <a:tab pos="8724900" algn="l"/>
-                <a:tab pos="9296400" algn="l"/>
-              </a:tabLst>
-              <a:defRPr b="0" sz="2800">
+              <a:defRPr sz="2800" b="0">
+                <a:solidFill>
+                  <a:schemeClr val="accent1">
+                    <a:hueOff val="273561"/>
+                    <a:satOff val="2937"/>
+                    <a:lumOff val="-22233"/>
+                  </a:schemeClr>
+                </a:solidFill>
+                <a:latin typeface="Consolas"/>
+                <a:ea typeface="Consolas"/>
+                <a:cs typeface="Consolas"/>
+                <a:sym typeface="Consolas"/>
+              </a:defRPr>
+            </a:pPr>
+            <a:endParaRPr/>
+          </a:p>
+          <a:p>
+            <a:pPr algn="l" defTabSz="457200">
+              <a:tabLst>
+                <a:tab pos="571500" algn="l"/>
+                <a:tab pos="1155700" algn="l"/>
+                <a:tab pos="1739900" algn="l"/>
+                <a:tab pos="2324100" algn="l"/>
+                <a:tab pos="2908300" algn="l"/>
+                <a:tab pos="3479800" algn="l"/>
+                <a:tab pos="4064000" algn="l"/>
+                <a:tab pos="4648200" algn="l"/>
+                <a:tab pos="5232400" algn="l"/>
+                <a:tab pos="5816600" algn="l"/>
+                <a:tab pos="6388100" algn="l"/>
+                <a:tab pos="6972300" algn="l"/>
+                <a:tab pos="7556500" algn="l"/>
+                <a:tab pos="8140700" algn="l"/>
+                <a:tab pos="8724900" algn="l"/>
+                <a:tab pos="9296400" algn="l"/>
+              </a:tabLst>
+              <a:defRPr sz="2800" b="0">
                 <a:solidFill>
                   <a:srgbClr val="53585F"/>
                 </a:solidFill>
@@ -12275,7 +12452,7 @@
           </a:ln>
           <a:extLst>
             <a:ext uri="{C572A759-6A51-4108-AA02-DFA0A04FC94B}">
-              <ma14:wrappingTextBoxFlag xmlns:ma14="http://schemas.microsoft.com/office/mac/drawingml/2011/main" val="1"/>
+              <ma14:wrappingTextBoxFlag xmlns="" xmlns:m="http://schemas.openxmlformats.org/officeDocument/2006/math" xmlns:a14="http://schemas.microsoft.com/office/drawing/2010/main" xmlns:ma14="http://schemas.microsoft.com/office/mac/drawingml/2011/main" val="1"/>
             </a:ext>
           </a:extLst>
         </p:spPr>
@@ -12304,7 +12481,7 @@
                 <a:tab pos="8724900" algn="l"/>
                 <a:tab pos="9296400" algn="l"/>
               </a:tabLst>
-              <a:defRPr b="0" sz="2800">
+              <a:defRPr sz="2800" b="0">
                 <a:solidFill>
                   <a:schemeClr val="accent1">
                     <a:hueOff val="273561"/>
@@ -12342,7 +12519,7 @@
                 <a:tab pos="8724900" algn="l"/>
                 <a:tab pos="9296400" algn="l"/>
               </a:tabLst>
-              <a:defRPr b="0" sz="2800">
+              <a:defRPr sz="2800" b="0">
                 <a:solidFill>
                   <a:schemeClr val="accent1">
                     <a:hueOff val="273561"/>
@@ -12394,42 +12571,43 @@
                 <a:tab pos="8724900" algn="l"/>
                 <a:tab pos="9296400" algn="l"/>
               </a:tabLst>
-              <a:defRPr b="0" sz="2800">
-                <a:solidFill>
-                  <a:schemeClr val="accent1">
-                    <a:hueOff val="273561"/>
-                    <a:satOff val="2937"/>
-                    <a:lumOff val="-22233"/>
-                  </a:schemeClr>
-                </a:solidFill>
-                <a:latin typeface="Consolas"/>
-                <a:ea typeface="Consolas"/>
-                <a:cs typeface="Consolas"/>
-                <a:sym typeface="Consolas"/>
-              </a:defRPr>
-            </a:pPr>
-          </a:p>
-          <a:p>
-            <a:pPr algn="l" defTabSz="457200">
-              <a:tabLst>
-                <a:tab pos="571500" algn="l"/>
-                <a:tab pos="1155700" algn="l"/>
-                <a:tab pos="1739900" algn="l"/>
-                <a:tab pos="2324100" algn="l"/>
-                <a:tab pos="2908300" algn="l"/>
-                <a:tab pos="3479800" algn="l"/>
-                <a:tab pos="4064000" algn="l"/>
-                <a:tab pos="4648200" algn="l"/>
-                <a:tab pos="5232400" algn="l"/>
-                <a:tab pos="5816600" algn="l"/>
-                <a:tab pos="6388100" algn="l"/>
-                <a:tab pos="6972300" algn="l"/>
-                <a:tab pos="7556500" algn="l"/>
-                <a:tab pos="8140700" algn="l"/>
-                <a:tab pos="8724900" algn="l"/>
-                <a:tab pos="9296400" algn="l"/>
-              </a:tabLst>
-              <a:defRPr b="0" sz="2800">
+              <a:defRPr sz="2800" b="0">
+                <a:solidFill>
+                  <a:schemeClr val="accent1">
+                    <a:hueOff val="273561"/>
+                    <a:satOff val="2937"/>
+                    <a:lumOff val="-22233"/>
+                  </a:schemeClr>
+                </a:solidFill>
+                <a:latin typeface="Consolas"/>
+                <a:ea typeface="Consolas"/>
+                <a:cs typeface="Consolas"/>
+                <a:sym typeface="Consolas"/>
+              </a:defRPr>
+            </a:pPr>
+            <a:endParaRPr/>
+          </a:p>
+          <a:p>
+            <a:pPr algn="l" defTabSz="457200">
+              <a:tabLst>
+                <a:tab pos="571500" algn="l"/>
+                <a:tab pos="1155700" algn="l"/>
+                <a:tab pos="1739900" algn="l"/>
+                <a:tab pos="2324100" algn="l"/>
+                <a:tab pos="2908300" algn="l"/>
+                <a:tab pos="3479800" algn="l"/>
+                <a:tab pos="4064000" algn="l"/>
+                <a:tab pos="4648200" algn="l"/>
+                <a:tab pos="5232400" algn="l"/>
+                <a:tab pos="5816600" algn="l"/>
+                <a:tab pos="6388100" algn="l"/>
+                <a:tab pos="6972300" algn="l"/>
+                <a:tab pos="7556500" algn="l"/>
+                <a:tab pos="8140700" algn="l"/>
+                <a:tab pos="8724900" algn="l"/>
+                <a:tab pos="9296400" algn="l"/>
+              </a:tabLst>
+              <a:defRPr sz="2800" b="0">
                 <a:solidFill>
                   <a:schemeClr val="accent1">
                     <a:hueOff val="273561"/>
@@ -12467,7 +12645,7 @@
                 <a:tab pos="8724900" algn="l"/>
                 <a:tab pos="9296400" algn="l"/>
               </a:tabLst>
-              <a:defRPr b="0" sz="2800">
+              <a:defRPr sz="2800" b="0">
                 <a:solidFill>
                   <a:schemeClr val="accent1">
                     <a:hueOff val="273561"/>
@@ -12505,7 +12683,7 @@
                 <a:tab pos="8724900" algn="l"/>
                 <a:tab pos="9296400" algn="l"/>
               </a:tabLst>
-              <a:defRPr b="0" sz="2800">
+              <a:defRPr sz="2800" b="0">
                 <a:solidFill>
                   <a:schemeClr val="accent1">
                     <a:hueOff val="273561"/>
@@ -12543,7 +12721,7 @@
                 <a:tab pos="8724900" algn="l"/>
                 <a:tab pos="9296400" algn="l"/>
               </a:tabLst>
-              <a:defRPr b="0" sz="2800">
+              <a:defRPr sz="2800" b="0">
                 <a:solidFill>
                   <a:schemeClr val="accent1">
                     <a:hueOff val="273561"/>
@@ -12584,42 +12762,43 @@
                 <a:tab pos="8724900" algn="l"/>
                 <a:tab pos="9296400" algn="l"/>
               </a:tabLst>
-              <a:defRPr b="0" sz="2800">
-                <a:solidFill>
-                  <a:schemeClr val="accent1">
-                    <a:hueOff val="273561"/>
-                    <a:satOff val="2937"/>
-                    <a:lumOff val="-22233"/>
-                  </a:schemeClr>
-                </a:solidFill>
-                <a:latin typeface="Consolas"/>
-                <a:ea typeface="Consolas"/>
-                <a:cs typeface="Consolas"/>
-                <a:sym typeface="Consolas"/>
-              </a:defRPr>
-            </a:pPr>
-          </a:p>
-          <a:p>
-            <a:pPr algn="l" defTabSz="457200">
-              <a:tabLst>
-                <a:tab pos="571500" algn="l"/>
-                <a:tab pos="1155700" algn="l"/>
-                <a:tab pos="1739900" algn="l"/>
-                <a:tab pos="2324100" algn="l"/>
-                <a:tab pos="2908300" algn="l"/>
-                <a:tab pos="3479800" algn="l"/>
-                <a:tab pos="4064000" algn="l"/>
-                <a:tab pos="4648200" algn="l"/>
-                <a:tab pos="5232400" algn="l"/>
-                <a:tab pos="5816600" algn="l"/>
-                <a:tab pos="6388100" algn="l"/>
-                <a:tab pos="6972300" algn="l"/>
-                <a:tab pos="7556500" algn="l"/>
-                <a:tab pos="8140700" algn="l"/>
-                <a:tab pos="8724900" algn="l"/>
-                <a:tab pos="9296400" algn="l"/>
-              </a:tabLst>
-              <a:defRPr b="0" sz="2800">
+              <a:defRPr sz="2800" b="0">
+                <a:solidFill>
+                  <a:schemeClr val="accent1">
+                    <a:hueOff val="273561"/>
+                    <a:satOff val="2937"/>
+                    <a:lumOff val="-22233"/>
+                  </a:schemeClr>
+                </a:solidFill>
+                <a:latin typeface="Consolas"/>
+                <a:ea typeface="Consolas"/>
+                <a:cs typeface="Consolas"/>
+                <a:sym typeface="Consolas"/>
+              </a:defRPr>
+            </a:pPr>
+            <a:endParaRPr/>
+          </a:p>
+          <a:p>
+            <a:pPr algn="l" defTabSz="457200">
+              <a:tabLst>
+                <a:tab pos="571500" algn="l"/>
+                <a:tab pos="1155700" algn="l"/>
+                <a:tab pos="1739900" algn="l"/>
+                <a:tab pos="2324100" algn="l"/>
+                <a:tab pos="2908300" algn="l"/>
+                <a:tab pos="3479800" algn="l"/>
+                <a:tab pos="4064000" algn="l"/>
+                <a:tab pos="4648200" algn="l"/>
+                <a:tab pos="5232400" algn="l"/>
+                <a:tab pos="5816600" algn="l"/>
+                <a:tab pos="6388100" algn="l"/>
+                <a:tab pos="6972300" algn="l"/>
+                <a:tab pos="7556500" algn="l"/>
+                <a:tab pos="8140700" algn="l"/>
+                <a:tab pos="8724900" algn="l"/>
+                <a:tab pos="9296400" algn="l"/>
+              </a:tabLst>
+              <a:defRPr sz="2800" b="0">
                 <a:solidFill>
                   <a:schemeClr val="accent1">
                     <a:hueOff val="273561"/>
@@ -12660,42 +12839,43 @@
                 <a:tab pos="8724900" algn="l"/>
                 <a:tab pos="9296400" algn="l"/>
               </a:tabLst>
-              <a:defRPr b="0" sz="2800">
-                <a:solidFill>
-                  <a:schemeClr val="accent1">
-                    <a:hueOff val="273561"/>
-                    <a:satOff val="2937"/>
-                    <a:lumOff val="-22233"/>
-                  </a:schemeClr>
-                </a:solidFill>
-                <a:latin typeface="Consolas"/>
-                <a:ea typeface="Consolas"/>
-                <a:cs typeface="Consolas"/>
-                <a:sym typeface="Consolas"/>
-              </a:defRPr>
-            </a:pPr>
-          </a:p>
-          <a:p>
-            <a:pPr algn="l" defTabSz="457200">
-              <a:tabLst>
-                <a:tab pos="571500" algn="l"/>
-                <a:tab pos="1155700" algn="l"/>
-                <a:tab pos="1739900" algn="l"/>
-                <a:tab pos="2324100" algn="l"/>
-                <a:tab pos="2908300" algn="l"/>
-                <a:tab pos="3479800" algn="l"/>
-                <a:tab pos="4064000" algn="l"/>
-                <a:tab pos="4648200" algn="l"/>
-                <a:tab pos="5232400" algn="l"/>
-                <a:tab pos="5816600" algn="l"/>
-                <a:tab pos="6388100" algn="l"/>
-                <a:tab pos="6972300" algn="l"/>
-                <a:tab pos="7556500" algn="l"/>
-                <a:tab pos="8140700" algn="l"/>
-                <a:tab pos="8724900" algn="l"/>
-                <a:tab pos="9296400" algn="l"/>
-              </a:tabLst>
-              <a:defRPr b="0" sz="2800">
+              <a:defRPr sz="2800" b="0">
+                <a:solidFill>
+                  <a:schemeClr val="accent1">
+                    <a:hueOff val="273561"/>
+                    <a:satOff val="2937"/>
+                    <a:lumOff val="-22233"/>
+                  </a:schemeClr>
+                </a:solidFill>
+                <a:latin typeface="Consolas"/>
+                <a:ea typeface="Consolas"/>
+                <a:cs typeface="Consolas"/>
+                <a:sym typeface="Consolas"/>
+              </a:defRPr>
+            </a:pPr>
+            <a:endParaRPr/>
+          </a:p>
+          <a:p>
+            <a:pPr algn="l" defTabSz="457200">
+              <a:tabLst>
+                <a:tab pos="571500" algn="l"/>
+                <a:tab pos="1155700" algn="l"/>
+                <a:tab pos="1739900" algn="l"/>
+                <a:tab pos="2324100" algn="l"/>
+                <a:tab pos="2908300" algn="l"/>
+                <a:tab pos="3479800" algn="l"/>
+                <a:tab pos="4064000" algn="l"/>
+                <a:tab pos="4648200" algn="l"/>
+                <a:tab pos="5232400" algn="l"/>
+                <a:tab pos="5816600" algn="l"/>
+                <a:tab pos="6388100" algn="l"/>
+                <a:tab pos="6972300" algn="l"/>
+                <a:tab pos="7556500" algn="l"/>
+                <a:tab pos="8140700" algn="l"/>
+                <a:tab pos="8724900" algn="l"/>
+                <a:tab pos="9296400" algn="l"/>
+              </a:tabLst>
+              <a:defRPr sz="2800" b="0">
                 <a:solidFill>
                   <a:schemeClr val="accent1">
                     <a:hueOff val="273561"/>
@@ -12736,42 +12916,43 @@
                 <a:tab pos="8724900" algn="l"/>
                 <a:tab pos="9296400" algn="l"/>
               </a:tabLst>
-              <a:defRPr b="0" sz="2800">
-                <a:solidFill>
-                  <a:schemeClr val="accent1">
-                    <a:hueOff val="273561"/>
-                    <a:satOff val="2937"/>
-                    <a:lumOff val="-22233"/>
-                  </a:schemeClr>
-                </a:solidFill>
-                <a:latin typeface="Consolas"/>
-                <a:ea typeface="Consolas"/>
-                <a:cs typeface="Consolas"/>
-                <a:sym typeface="Consolas"/>
-              </a:defRPr>
-            </a:pPr>
-          </a:p>
-          <a:p>
-            <a:pPr algn="l" defTabSz="457200">
-              <a:tabLst>
-                <a:tab pos="571500" algn="l"/>
-                <a:tab pos="1155700" algn="l"/>
-                <a:tab pos="1739900" algn="l"/>
-                <a:tab pos="2324100" algn="l"/>
-                <a:tab pos="2908300" algn="l"/>
-                <a:tab pos="3479800" algn="l"/>
-                <a:tab pos="4064000" algn="l"/>
-                <a:tab pos="4648200" algn="l"/>
-                <a:tab pos="5232400" algn="l"/>
-                <a:tab pos="5816600" algn="l"/>
-                <a:tab pos="6388100" algn="l"/>
-                <a:tab pos="6972300" algn="l"/>
-                <a:tab pos="7556500" algn="l"/>
-                <a:tab pos="8140700" algn="l"/>
-                <a:tab pos="8724900" algn="l"/>
-                <a:tab pos="9296400" algn="l"/>
-              </a:tabLst>
-              <a:defRPr b="0" sz="2800">
+              <a:defRPr sz="2800" b="0">
+                <a:solidFill>
+                  <a:schemeClr val="accent1">
+                    <a:hueOff val="273561"/>
+                    <a:satOff val="2937"/>
+                    <a:lumOff val="-22233"/>
+                  </a:schemeClr>
+                </a:solidFill>
+                <a:latin typeface="Consolas"/>
+                <a:ea typeface="Consolas"/>
+                <a:cs typeface="Consolas"/>
+                <a:sym typeface="Consolas"/>
+              </a:defRPr>
+            </a:pPr>
+            <a:endParaRPr/>
+          </a:p>
+          <a:p>
+            <a:pPr algn="l" defTabSz="457200">
+              <a:tabLst>
+                <a:tab pos="571500" algn="l"/>
+                <a:tab pos="1155700" algn="l"/>
+                <a:tab pos="1739900" algn="l"/>
+                <a:tab pos="2324100" algn="l"/>
+                <a:tab pos="2908300" algn="l"/>
+                <a:tab pos="3479800" algn="l"/>
+                <a:tab pos="4064000" algn="l"/>
+                <a:tab pos="4648200" algn="l"/>
+                <a:tab pos="5232400" algn="l"/>
+                <a:tab pos="5816600" algn="l"/>
+                <a:tab pos="6388100" algn="l"/>
+                <a:tab pos="6972300" algn="l"/>
+                <a:tab pos="7556500" algn="l"/>
+                <a:tab pos="8140700" algn="l"/>
+                <a:tab pos="8724900" algn="l"/>
+                <a:tab pos="9296400" algn="l"/>
+              </a:tabLst>
+              <a:defRPr sz="2800" b="0">
                 <a:solidFill>
                   <a:schemeClr val="accent1">
                     <a:hueOff val="273561"/>
@@ -12812,42 +12993,43 @@
                 <a:tab pos="8724900" algn="l"/>
                 <a:tab pos="9296400" algn="l"/>
               </a:tabLst>
-              <a:defRPr b="0" sz="2800">
-                <a:solidFill>
-                  <a:schemeClr val="accent1">
-                    <a:hueOff val="273561"/>
-                    <a:satOff val="2937"/>
-                    <a:lumOff val="-22233"/>
-                  </a:schemeClr>
-                </a:solidFill>
-                <a:latin typeface="Consolas"/>
-                <a:ea typeface="Consolas"/>
-                <a:cs typeface="Consolas"/>
-                <a:sym typeface="Consolas"/>
-              </a:defRPr>
-            </a:pPr>
-          </a:p>
-          <a:p>
-            <a:pPr algn="l" defTabSz="457200">
-              <a:tabLst>
-                <a:tab pos="571500" algn="l"/>
-                <a:tab pos="1155700" algn="l"/>
-                <a:tab pos="1739900" algn="l"/>
-                <a:tab pos="2324100" algn="l"/>
-                <a:tab pos="2908300" algn="l"/>
-                <a:tab pos="3479800" algn="l"/>
-                <a:tab pos="4064000" algn="l"/>
-                <a:tab pos="4648200" algn="l"/>
-                <a:tab pos="5232400" algn="l"/>
-                <a:tab pos="5816600" algn="l"/>
-                <a:tab pos="6388100" algn="l"/>
-                <a:tab pos="6972300" algn="l"/>
-                <a:tab pos="7556500" algn="l"/>
-                <a:tab pos="8140700" algn="l"/>
-                <a:tab pos="8724900" algn="l"/>
-                <a:tab pos="9296400" algn="l"/>
-              </a:tabLst>
-              <a:defRPr b="0" sz="2800">
+              <a:defRPr sz="2800" b="0">
+                <a:solidFill>
+                  <a:schemeClr val="accent1">
+                    <a:hueOff val="273561"/>
+                    <a:satOff val="2937"/>
+                    <a:lumOff val="-22233"/>
+                  </a:schemeClr>
+                </a:solidFill>
+                <a:latin typeface="Consolas"/>
+                <a:ea typeface="Consolas"/>
+                <a:cs typeface="Consolas"/>
+                <a:sym typeface="Consolas"/>
+              </a:defRPr>
+            </a:pPr>
+            <a:endParaRPr/>
+          </a:p>
+          <a:p>
+            <a:pPr algn="l" defTabSz="457200">
+              <a:tabLst>
+                <a:tab pos="571500" algn="l"/>
+                <a:tab pos="1155700" algn="l"/>
+                <a:tab pos="1739900" algn="l"/>
+                <a:tab pos="2324100" algn="l"/>
+                <a:tab pos="2908300" algn="l"/>
+                <a:tab pos="3479800" algn="l"/>
+                <a:tab pos="4064000" algn="l"/>
+                <a:tab pos="4648200" algn="l"/>
+                <a:tab pos="5232400" algn="l"/>
+                <a:tab pos="5816600" algn="l"/>
+                <a:tab pos="6388100" algn="l"/>
+                <a:tab pos="6972300" algn="l"/>
+                <a:tab pos="7556500" algn="l"/>
+                <a:tab pos="8140700" algn="l"/>
+                <a:tab pos="8724900" algn="l"/>
+                <a:tab pos="9296400" algn="l"/>
+              </a:tabLst>
+              <a:defRPr sz="2800" b="0">
                 <a:solidFill>
                   <a:srgbClr val="53585F"/>
                 </a:solidFill>
@@ -12868,12 +13050,12 @@
   <p:clrMapOvr>
     <a:masterClrMapping/>
   </p:clrMapOvr>
-  <p:transition xmlns:p14="http://schemas.microsoft.com/office/powerpoint/2010/main" spd="med" advClick="1"/>
+  <p:transition spd="med"/>
 </p:sld>
 </file>
 
 <file path=ppt/theme/theme1.xml><?xml version="1.0" encoding="utf-8"?>
-<a:theme xmlns:a="http://schemas.openxmlformats.org/drawingml/2006/main" xmlns:r="http://schemas.openxmlformats.org/officeDocument/2006/relationships" name="White">
+<a:theme xmlns:a="http://schemas.openxmlformats.org/drawingml/2006/main" name="White">
   <a:themeElements>
     <a:clrScheme name="White">
       <a:dk1>
@@ -12999,7 +13181,7 @@
       <a:effectStyleLst>
         <a:effectStyle>
           <a:effectLst>
-            <a:outerShdw sx="100000" sy="100000" kx="0" ky="0" algn="b" rotWithShape="0" blurRad="25400" dist="12700" dir="5400000">
+            <a:outerShdw blurRad="25400" dist="12700" dir="5400000" rotWithShape="0">
               <a:srgbClr val="000000">
                 <a:alpha val="50000"/>
               </a:srgbClr>
@@ -13008,7 +13190,7 @@
         </a:effectStyle>
         <a:effectStyle>
           <a:effectLst>
-            <a:outerShdw sx="100000" sy="100000" kx="0" ky="0" algn="b" rotWithShape="0" blurRad="25400" dist="0" dir="0">
+            <a:outerShdw blurRad="25400" rotWithShape="0">
               <a:srgbClr val="000000">
                 <a:alpha val="50000"/>
               </a:srgbClr>
@@ -13017,7 +13199,7 @@
         </a:effectStyle>
         <a:effectStyle>
           <a:effectLst>
-            <a:outerShdw sx="100000" sy="100000" kx="0" ky="0" algn="b" rotWithShape="0" blurRad="25400" dist="12700" dir="5400000">
+            <a:outerShdw blurRad="25400" dist="12700" dir="5400000" rotWithShape="0">
               <a:srgbClr val="000000">
                 <a:alpha val="50000"/>
               </a:srgbClr>
@@ -13081,8 +13263,8 @@
     <a:spDef>
       <a:spPr>
         <a:blipFill rotWithShape="1">
-          <a:blip r:embed="rId1"/>
-          <a:srcRect l="0" t="0" r="0" b="0"/>
+          <a:blip xmlns:r="http://schemas.openxmlformats.org/officeDocument/2006/relationships" r:embed="rId1"/>
+          <a:srcRect/>
           <a:tile tx="0" ty="0" sx="100000" sy="100000" flip="none" algn="tl"/>
         </a:blipFill>
         <a:ln w="3175" cap="flat">
@@ -13090,7 +13272,7 @@
           <a:miter lim="400000"/>
         </a:ln>
         <a:effectLst>
-          <a:outerShdw sx="100000" sy="100000" kx="0" ky="0" algn="b" rotWithShape="0" blurRad="25400" dist="12700" dir="5400000">
+          <a:outerShdw blurRad="25400" dist="12700" dir="5400000" rotWithShape="0">
             <a:srgbClr val="000000">
               <a:alpha val="50000"/>
             </a:srgbClr>
@@ -13098,7 +13280,7 @@
         </a:effectLst>
         <a:sp3d/>
       </a:spPr>
-      <a:bodyPr rot="0" spcFirstLastPara="1" vertOverflow="overflow" horzOverflow="overflow" vert="horz" wrap="square" lIns="38100" tIns="38100" rIns="38100" bIns="38100" numCol="1" spcCol="38100" rtlCol="0" anchor="ctr" upright="0">
+      <a:bodyPr rot="0" spcFirstLastPara="1" vertOverflow="overflow" horzOverflow="overflow" vert="horz" wrap="square" lIns="38100" tIns="38100" rIns="38100" bIns="38100" numCol="1" spcCol="38100" rtlCol="0" anchor="ctr">
         <a:spAutoFit/>
       </a:bodyPr>
       <a:lstStyle>
@@ -13117,7 +13299,7 @@
           <a:buFontTx/>
           <a:buNone/>
           <a:tabLst/>
-          <a:defRPr b="0" baseline="0" cap="none" i="0" spc="0" strike="noStrike" sz="2200" u="none" kumimoji="0" normalizeH="0">
+          <a:defRPr kumimoji="0" sz="2200" b="0" i="0" u="none" strike="noStrike" cap="none" spc="0" normalizeH="0" baseline="0">
             <a:ln>
               <a:noFill/>
             </a:ln>
@@ -13147,7 +13329,7 @@
           <a:buFontTx/>
           <a:buNone/>
           <a:tabLst/>
-          <a:defRPr b="0" baseline="0" cap="none" i="0" spc="0" strike="noStrike" sz="1800" u="none" kumimoji="0" normalizeH="0">
+          <a:defRPr kumimoji="0" sz="1800" b="0" i="0" u="none" strike="noStrike" cap="none" spc="0" normalizeH="0" baseline="0">
             <a:ln>
               <a:noFill/>
             </a:ln>
@@ -13173,7 +13355,7 @@
           <a:buFontTx/>
           <a:buNone/>
           <a:tabLst/>
-          <a:defRPr b="0" baseline="0" cap="none" i="0" spc="0" strike="noStrike" sz="1800" u="none" kumimoji="0" normalizeH="0">
+          <a:defRPr kumimoji="0" sz="1800" b="0" i="0" u="none" strike="noStrike" cap="none" spc="0" normalizeH="0" baseline="0">
             <a:ln>
               <a:noFill/>
             </a:ln>
@@ -13199,7 +13381,7 @@
           <a:buFontTx/>
           <a:buNone/>
           <a:tabLst/>
-          <a:defRPr b="0" baseline="0" cap="none" i="0" spc="0" strike="noStrike" sz="1800" u="none" kumimoji="0" normalizeH="0">
+          <a:defRPr kumimoji="0" sz="1800" b="0" i="0" u="none" strike="noStrike" cap="none" spc="0" normalizeH="0" baseline="0">
             <a:ln>
               <a:noFill/>
             </a:ln>
@@ -13225,7 +13407,7 @@
           <a:buFontTx/>
           <a:buNone/>
           <a:tabLst/>
-          <a:defRPr b="0" baseline="0" cap="none" i="0" spc="0" strike="noStrike" sz="1800" u="none" kumimoji="0" normalizeH="0">
+          <a:defRPr kumimoji="0" sz="1800" b="0" i="0" u="none" strike="noStrike" cap="none" spc="0" normalizeH="0" baseline="0">
             <a:ln>
               <a:noFill/>
             </a:ln>
@@ -13251,7 +13433,7 @@
           <a:buFontTx/>
           <a:buNone/>
           <a:tabLst/>
-          <a:defRPr b="0" baseline="0" cap="none" i="0" spc="0" strike="noStrike" sz="1800" u="none" kumimoji="0" normalizeH="0">
+          <a:defRPr kumimoji="0" sz="1800" b="0" i="0" u="none" strike="noStrike" cap="none" spc="0" normalizeH="0" baseline="0">
             <a:ln>
               <a:noFill/>
             </a:ln>
@@ -13277,7 +13459,7 @@
           <a:buFontTx/>
           <a:buNone/>
           <a:tabLst/>
-          <a:defRPr b="0" baseline="0" cap="none" i="0" spc="0" strike="noStrike" sz="1800" u="none" kumimoji="0" normalizeH="0">
+          <a:defRPr kumimoji="0" sz="1800" b="0" i="0" u="none" strike="noStrike" cap="none" spc="0" normalizeH="0" baseline="0">
             <a:ln>
               <a:noFill/>
             </a:ln>
@@ -13303,7 +13485,7 @@
           <a:buFontTx/>
           <a:buNone/>
           <a:tabLst/>
-          <a:defRPr b="0" baseline="0" cap="none" i="0" spc="0" strike="noStrike" sz="1800" u="none" kumimoji="0" normalizeH="0">
+          <a:defRPr kumimoji="0" sz="1800" b="0" i="0" u="none" strike="noStrike" cap="none" spc="0" normalizeH="0" baseline="0">
             <a:ln>
               <a:noFill/>
             </a:ln>
@@ -13329,7 +13511,7 @@
           <a:buFontTx/>
           <a:buNone/>
           <a:tabLst/>
-          <a:defRPr b="0" baseline="0" cap="none" i="0" spc="0" strike="noStrike" sz="1800" u="none" kumimoji="0" normalizeH="0">
+          <a:defRPr kumimoji="0" sz="1800" b="0" i="0" u="none" strike="noStrike" cap="none" spc="0" normalizeH="0" baseline="0">
             <a:ln>
               <a:noFill/>
             </a:ln>
@@ -13355,7 +13537,7 @@
           <a:buFontTx/>
           <a:buNone/>
           <a:tabLst/>
-          <a:defRPr b="0" baseline="0" cap="none" i="0" spc="0" strike="noStrike" sz="1800" u="none" kumimoji="0" normalizeH="0">
+          <a:defRPr kumimoji="0" sz="1800" b="0" i="0" u="none" strike="noStrike" cap="none" spc="0" normalizeH="0" baseline="0">
             <a:ln>
               <a:noFill/>
             </a:ln>
@@ -13368,9 +13550,15 @@
         </a:lvl9pPr>
       </a:lstStyle>
       <a:style>
-        <a:lnRef idx="0"/>
-        <a:fillRef idx="0"/>
-        <a:effectRef idx="0"/>
+        <a:lnRef idx="0">
+          <a:scrgbClr r="0" g="0" b="0"/>
+        </a:lnRef>
+        <a:fillRef idx="0">
+          <a:scrgbClr r="0" g="0" b="0"/>
+        </a:fillRef>
+        <a:effectRef idx="0">
+          <a:scrgbClr r="0" g="0" b="0"/>
+        </a:effectRef>
         <a:fontRef idx="none"/>
       </a:style>
     </a:spDef>
@@ -13387,7 +13575,7 @@
         <a:effectLst/>
         <a:sp3d/>
       </a:spPr>
-      <a:bodyPr rot="0" spcFirstLastPara="1" vertOverflow="overflow" horzOverflow="overflow" vert="horz" wrap="square" lIns="91439" tIns="45719" rIns="91439" bIns="45719" numCol="1" spcCol="38100" rtlCol="0" anchor="t" upright="0">
+      <a:bodyPr rot="0" spcFirstLastPara="1" vertOverflow="overflow" horzOverflow="overflow" vert="horz" wrap="square" lIns="91439" tIns="45719" rIns="91439" bIns="45719" numCol="1" spcCol="38100" rtlCol="0" anchor="t">
         <a:noAutofit/>
       </a:bodyPr>
       <a:lstStyle>
@@ -13406,7 +13594,7 @@
           <a:buFontTx/>
           <a:buNone/>
           <a:tabLst/>
-          <a:defRPr b="0" baseline="0" cap="none" i="0" spc="0" strike="noStrike" sz="1800" u="none" kumimoji="0" normalizeH="0">
+          <a:defRPr kumimoji="0" sz="1800" b="0" i="0" u="none" strike="noStrike" cap="none" spc="0" normalizeH="0" baseline="0">
             <a:ln>
               <a:noFill/>
             </a:ln>
@@ -13432,7 +13620,7 @@
           <a:buFontTx/>
           <a:buNone/>
           <a:tabLst/>
-          <a:defRPr b="0" baseline="0" cap="none" i="0" spc="0" strike="noStrike" sz="1800" u="none" kumimoji="0" normalizeH="0">
+          <a:defRPr kumimoji="0" sz="1800" b="0" i="0" u="none" strike="noStrike" cap="none" spc="0" normalizeH="0" baseline="0">
             <a:ln>
               <a:noFill/>
             </a:ln>
@@ -13458,7 +13646,7 @@
           <a:buFontTx/>
           <a:buNone/>
           <a:tabLst/>
-          <a:defRPr b="0" baseline="0" cap="none" i="0" spc="0" strike="noStrike" sz="1800" u="none" kumimoji="0" normalizeH="0">
+          <a:defRPr kumimoji="0" sz="1800" b="0" i="0" u="none" strike="noStrike" cap="none" spc="0" normalizeH="0" baseline="0">
             <a:ln>
               <a:noFill/>
             </a:ln>
@@ -13484,7 +13672,7 @@
           <a:buFontTx/>
           <a:buNone/>
           <a:tabLst/>
-          <a:defRPr b="0" baseline="0" cap="none" i="0" spc="0" strike="noStrike" sz="1800" u="none" kumimoji="0" normalizeH="0">
+          <a:defRPr kumimoji="0" sz="1800" b="0" i="0" u="none" strike="noStrike" cap="none" spc="0" normalizeH="0" baseline="0">
             <a:ln>
               <a:noFill/>
             </a:ln>
@@ -13510,7 +13698,7 @@
           <a:buFontTx/>
           <a:buNone/>
           <a:tabLst/>
-          <a:defRPr b="0" baseline="0" cap="none" i="0" spc="0" strike="noStrike" sz="1800" u="none" kumimoji="0" normalizeH="0">
+          <a:defRPr kumimoji="0" sz="1800" b="0" i="0" u="none" strike="noStrike" cap="none" spc="0" normalizeH="0" baseline="0">
             <a:ln>
               <a:noFill/>
             </a:ln>
@@ -13536,7 +13724,7 @@
           <a:buFontTx/>
           <a:buNone/>
           <a:tabLst/>
-          <a:defRPr b="0" baseline="0" cap="none" i="0" spc="0" strike="noStrike" sz="1800" u="none" kumimoji="0" normalizeH="0">
+          <a:defRPr kumimoji="0" sz="1800" b="0" i="0" u="none" strike="noStrike" cap="none" spc="0" normalizeH="0" baseline="0">
             <a:ln>
               <a:noFill/>
             </a:ln>
@@ -13562,7 +13750,7 @@
           <a:buFontTx/>
           <a:buNone/>
           <a:tabLst/>
-          <a:defRPr b="0" baseline="0" cap="none" i="0" spc="0" strike="noStrike" sz="1800" u="none" kumimoji="0" normalizeH="0">
+          <a:defRPr kumimoji="0" sz="1800" b="0" i="0" u="none" strike="noStrike" cap="none" spc="0" normalizeH="0" baseline="0">
             <a:ln>
               <a:noFill/>
             </a:ln>
@@ -13588,7 +13776,7 @@
           <a:buFontTx/>
           <a:buNone/>
           <a:tabLst/>
-          <a:defRPr b="0" baseline="0" cap="none" i="0" spc="0" strike="noStrike" sz="1800" u="none" kumimoji="0" normalizeH="0">
+          <a:defRPr kumimoji="0" sz="1800" b="0" i="0" u="none" strike="noStrike" cap="none" spc="0" normalizeH="0" baseline="0">
             <a:ln>
               <a:noFill/>
             </a:ln>
@@ -13614,7 +13802,7 @@
           <a:buFontTx/>
           <a:buNone/>
           <a:tabLst/>
-          <a:defRPr b="0" baseline="0" cap="none" i="0" spc="0" strike="noStrike" sz="1800" u="none" kumimoji="0" normalizeH="0">
+          <a:defRPr kumimoji="0" sz="1800" b="0" i="0" u="none" strike="noStrike" cap="none" spc="0" normalizeH="0" baseline="0">
             <a:ln>
               <a:noFill/>
             </a:ln>
@@ -13640,7 +13828,7 @@
           <a:buFontTx/>
           <a:buNone/>
           <a:tabLst/>
-          <a:defRPr b="0" baseline="0" cap="none" i="0" spc="0" strike="noStrike" sz="1800" u="none" kumimoji="0" normalizeH="0">
+          <a:defRPr kumimoji="0" sz="1800" b="0" i="0" u="none" strike="noStrike" cap="none" spc="0" normalizeH="0" baseline="0">
             <a:ln>
               <a:noFill/>
             </a:ln>
@@ -13653,9 +13841,15 @@
         </a:lvl9pPr>
       </a:lstStyle>
       <a:style>
-        <a:lnRef idx="0"/>
-        <a:fillRef idx="0"/>
-        <a:effectRef idx="0"/>
+        <a:lnRef idx="0">
+          <a:scrgbClr r="0" g="0" b="0"/>
+        </a:lnRef>
+        <a:fillRef idx="0">
+          <a:scrgbClr r="0" g="0" b="0"/>
+        </a:fillRef>
+        <a:effectRef idx="0">
+          <a:scrgbClr r="0" g="0" b="0"/>
+        </a:effectRef>
         <a:fontRef idx="none"/>
       </a:style>
     </a:lnDef>
@@ -13669,7 +13863,7 @@
         <a:effectLst/>
         <a:sp3d/>
       </a:spPr>
-      <a:bodyPr rot="0" spcFirstLastPara="1" vertOverflow="overflow" horzOverflow="overflow" vert="horz" wrap="square" lIns="38100" tIns="38100" rIns="38100" bIns="38100" numCol="1" spcCol="38100" rtlCol="0" anchor="ctr" upright="0">
+      <a:bodyPr rot="0" spcFirstLastPara="1" vertOverflow="overflow" horzOverflow="overflow" vert="horz" wrap="square" lIns="38100" tIns="38100" rIns="38100" bIns="38100" numCol="1" spcCol="38100" rtlCol="0" anchor="ctr">
         <a:spAutoFit/>
       </a:bodyPr>
       <a:lstStyle>
@@ -13688,7 +13882,7 @@
           <a:buFontTx/>
           <a:buNone/>
           <a:tabLst/>
-          <a:defRPr b="1" baseline="0" cap="none" i="0" spc="0" strike="noStrike" sz="5800" u="none" kumimoji="0" normalizeH="0">
+          <a:defRPr kumimoji="0" sz="5800" b="1" i="0" u="none" strike="noStrike" cap="none" spc="0" normalizeH="0" baseline="0">
             <a:ln>
               <a:noFill/>
             </a:ln>
@@ -13718,7 +13912,7 @@
           <a:buFontTx/>
           <a:buNone/>
           <a:tabLst/>
-          <a:defRPr b="0" baseline="0" cap="none" i="0" spc="0" strike="noStrike" sz="1800" u="none" kumimoji="0" normalizeH="0">
+          <a:defRPr kumimoji="0" sz="1800" b="0" i="0" u="none" strike="noStrike" cap="none" spc="0" normalizeH="0" baseline="0">
             <a:ln>
               <a:noFill/>
             </a:ln>
@@ -13744,7 +13938,7 @@
           <a:buFontTx/>
           <a:buNone/>
           <a:tabLst/>
-          <a:defRPr b="0" baseline="0" cap="none" i="0" spc="0" strike="noStrike" sz="1800" u="none" kumimoji="0" normalizeH="0">
+          <a:defRPr kumimoji="0" sz="1800" b="0" i="0" u="none" strike="noStrike" cap="none" spc="0" normalizeH="0" baseline="0">
             <a:ln>
               <a:noFill/>
             </a:ln>
@@ -13770,7 +13964,7 @@
           <a:buFontTx/>
           <a:buNone/>
           <a:tabLst/>
-          <a:defRPr b="0" baseline="0" cap="none" i="0" spc="0" strike="noStrike" sz="1800" u="none" kumimoji="0" normalizeH="0">
+          <a:defRPr kumimoji="0" sz="1800" b="0" i="0" u="none" strike="noStrike" cap="none" spc="0" normalizeH="0" baseline="0">
             <a:ln>
               <a:noFill/>
             </a:ln>
@@ -13796,7 +13990,7 @@
           <a:buFontTx/>
           <a:buNone/>
           <a:tabLst/>
-          <a:defRPr b="0" baseline="0" cap="none" i="0" spc="0" strike="noStrike" sz="1800" u="none" kumimoji="0" normalizeH="0">
+          <a:defRPr kumimoji="0" sz="1800" b="0" i="0" u="none" strike="noStrike" cap="none" spc="0" normalizeH="0" baseline="0">
             <a:ln>
               <a:noFill/>
             </a:ln>
@@ -13822,7 +14016,7 @@
           <a:buFontTx/>
           <a:buNone/>
           <a:tabLst/>
-          <a:defRPr b="0" baseline="0" cap="none" i="0" spc="0" strike="noStrike" sz="1800" u="none" kumimoji="0" normalizeH="0">
+          <a:defRPr kumimoji="0" sz="1800" b="0" i="0" u="none" strike="noStrike" cap="none" spc="0" normalizeH="0" baseline="0">
             <a:ln>
               <a:noFill/>
             </a:ln>
@@ -13848,7 +14042,7 @@
           <a:buFontTx/>
           <a:buNone/>
           <a:tabLst/>
-          <a:defRPr b="0" baseline="0" cap="none" i="0" spc="0" strike="noStrike" sz="1800" u="none" kumimoji="0" normalizeH="0">
+          <a:defRPr kumimoji="0" sz="1800" b="0" i="0" u="none" strike="noStrike" cap="none" spc="0" normalizeH="0" baseline="0">
             <a:ln>
               <a:noFill/>
             </a:ln>
@@ -13874,7 +14068,7 @@
           <a:buFontTx/>
           <a:buNone/>
           <a:tabLst/>
-          <a:defRPr b="0" baseline="0" cap="none" i="0" spc="0" strike="noStrike" sz="1800" u="none" kumimoji="0" normalizeH="0">
+          <a:defRPr kumimoji="0" sz="1800" b="0" i="0" u="none" strike="noStrike" cap="none" spc="0" normalizeH="0" baseline="0">
             <a:ln>
               <a:noFill/>
             </a:ln>
@@ -13900,7 +14094,7 @@
           <a:buFontTx/>
           <a:buNone/>
           <a:tabLst/>
-          <a:defRPr b="0" baseline="0" cap="none" i="0" spc="0" strike="noStrike" sz="1800" u="none" kumimoji="0" normalizeH="0">
+          <a:defRPr kumimoji="0" sz="1800" b="0" i="0" u="none" strike="noStrike" cap="none" spc="0" normalizeH="0" baseline="0">
             <a:ln>
               <a:noFill/>
             </a:ln>
@@ -13926,7 +14120,7 @@
           <a:buFontTx/>
           <a:buNone/>
           <a:tabLst/>
-          <a:defRPr b="0" baseline="0" cap="none" i="0" spc="0" strike="noStrike" sz="1800" u="none" kumimoji="0" normalizeH="0">
+          <a:defRPr kumimoji="0" sz="1800" b="0" i="0" u="none" strike="noStrike" cap="none" spc="0" normalizeH="0" baseline="0">
             <a:ln>
               <a:noFill/>
             </a:ln>
@@ -13939,18 +14133,25 @@
         </a:lvl9pPr>
       </a:lstStyle>
       <a:style>
-        <a:lnRef idx="0"/>
-        <a:fillRef idx="0"/>
-        <a:effectRef idx="0"/>
+        <a:lnRef idx="0">
+          <a:scrgbClr r="0" g="0" b="0"/>
+        </a:lnRef>
+        <a:fillRef idx="0">
+          <a:scrgbClr r="0" g="0" b="0"/>
+        </a:fillRef>
+        <a:effectRef idx="0">
+          <a:scrgbClr r="0" g="0" b="0"/>
+        </a:effectRef>
         <a:fontRef idx="none"/>
       </a:style>
     </a:txDef>
   </a:objectDefaults>
+  <a:extraClrSchemeLst/>
 </a:theme>
 </file>
 
 <file path=ppt/theme/theme2.xml><?xml version="1.0" encoding="utf-8"?>
-<a:theme xmlns:a="http://schemas.openxmlformats.org/drawingml/2006/main" xmlns:r="http://schemas.openxmlformats.org/officeDocument/2006/relationships" name="White">
+<a:theme xmlns:a="http://schemas.openxmlformats.org/drawingml/2006/main" name="White">
   <a:themeElements>
     <a:clrScheme name="White">
       <a:dk1>
@@ -14076,7 +14277,7 @@
       <a:effectStyleLst>
         <a:effectStyle>
           <a:effectLst>
-            <a:outerShdw sx="100000" sy="100000" kx="0" ky="0" algn="b" rotWithShape="0" blurRad="25400" dist="12700" dir="5400000">
+            <a:outerShdw blurRad="25400" dist="12700" dir="5400000" rotWithShape="0">
               <a:srgbClr val="000000">
                 <a:alpha val="50000"/>
               </a:srgbClr>
@@ -14085,7 +14286,7 @@
         </a:effectStyle>
         <a:effectStyle>
           <a:effectLst>
-            <a:outerShdw sx="100000" sy="100000" kx="0" ky="0" algn="b" rotWithShape="0" blurRad="25400" dist="0" dir="0">
+            <a:outerShdw blurRad="25400" rotWithShape="0">
               <a:srgbClr val="000000">
                 <a:alpha val="50000"/>
               </a:srgbClr>
@@ -14094,7 +14295,7 @@
         </a:effectStyle>
         <a:effectStyle>
           <a:effectLst>
-            <a:outerShdw sx="100000" sy="100000" kx="0" ky="0" algn="b" rotWithShape="0" blurRad="25400" dist="12700" dir="5400000">
+            <a:outerShdw blurRad="25400" dist="12700" dir="5400000" rotWithShape="0">
               <a:srgbClr val="000000">
                 <a:alpha val="50000"/>
               </a:srgbClr>
@@ -14158,8 +14359,8 @@
     <a:spDef>
       <a:spPr>
         <a:blipFill rotWithShape="1">
-          <a:blip r:embed="rId1"/>
-          <a:srcRect l="0" t="0" r="0" b="0"/>
+          <a:blip xmlns:r="http://schemas.openxmlformats.org/officeDocument/2006/relationships" r:embed="rId1"/>
+          <a:srcRect/>
           <a:tile tx="0" ty="0" sx="100000" sy="100000" flip="none" algn="tl"/>
         </a:blipFill>
         <a:ln w="3175" cap="flat">
@@ -14167,7 +14368,7 @@
           <a:miter lim="400000"/>
         </a:ln>
         <a:effectLst>
-          <a:outerShdw sx="100000" sy="100000" kx="0" ky="0" algn="b" rotWithShape="0" blurRad="25400" dist="12700" dir="5400000">
+          <a:outerShdw blurRad="25400" dist="12700" dir="5400000" rotWithShape="0">
             <a:srgbClr val="000000">
               <a:alpha val="50000"/>
             </a:srgbClr>
@@ -14175,7 +14376,7 @@
         </a:effectLst>
         <a:sp3d/>
       </a:spPr>
-      <a:bodyPr rot="0" spcFirstLastPara="1" vertOverflow="overflow" horzOverflow="overflow" vert="horz" wrap="square" lIns="38100" tIns="38100" rIns="38100" bIns="38100" numCol="1" spcCol="38100" rtlCol="0" anchor="ctr" upright="0">
+      <a:bodyPr rot="0" spcFirstLastPara="1" vertOverflow="overflow" horzOverflow="overflow" vert="horz" wrap="square" lIns="38100" tIns="38100" rIns="38100" bIns="38100" numCol="1" spcCol="38100" rtlCol="0" anchor="ctr">
         <a:spAutoFit/>
       </a:bodyPr>
       <a:lstStyle>
@@ -14194,7 +14395,7 @@
           <a:buFontTx/>
           <a:buNone/>
           <a:tabLst/>
-          <a:defRPr b="0" baseline="0" cap="none" i="0" spc="0" strike="noStrike" sz="2200" u="none" kumimoji="0" normalizeH="0">
+          <a:defRPr kumimoji="0" sz="2200" b="0" i="0" u="none" strike="noStrike" cap="none" spc="0" normalizeH="0" baseline="0">
             <a:ln>
               <a:noFill/>
             </a:ln>
@@ -14224,7 +14425,7 @@
           <a:buFontTx/>
           <a:buNone/>
           <a:tabLst/>
-          <a:defRPr b="0" baseline="0" cap="none" i="0" spc="0" strike="noStrike" sz="1800" u="none" kumimoji="0" normalizeH="0">
+          <a:defRPr kumimoji="0" sz="1800" b="0" i="0" u="none" strike="noStrike" cap="none" spc="0" normalizeH="0" baseline="0">
             <a:ln>
               <a:noFill/>
             </a:ln>
@@ -14250,7 +14451,7 @@
           <a:buFontTx/>
           <a:buNone/>
           <a:tabLst/>
-          <a:defRPr b="0" baseline="0" cap="none" i="0" spc="0" strike="noStrike" sz="1800" u="none" kumimoji="0" normalizeH="0">
+          <a:defRPr kumimoji="0" sz="1800" b="0" i="0" u="none" strike="noStrike" cap="none" spc="0" normalizeH="0" baseline="0">
             <a:ln>
               <a:noFill/>
             </a:ln>
@@ -14276,7 +14477,7 @@
           <a:buFontTx/>
           <a:buNone/>
           <a:tabLst/>
-          <a:defRPr b="0" baseline="0" cap="none" i="0" spc="0" strike="noStrike" sz="1800" u="none" kumimoji="0" normalizeH="0">
+          <a:defRPr kumimoji="0" sz="1800" b="0" i="0" u="none" strike="noStrike" cap="none" spc="0" normalizeH="0" baseline="0">
             <a:ln>
               <a:noFill/>
             </a:ln>
@@ -14302,7 +14503,7 @@
           <a:buFontTx/>
           <a:buNone/>
           <a:tabLst/>
-          <a:defRPr b="0" baseline="0" cap="none" i="0" spc="0" strike="noStrike" sz="1800" u="none" kumimoji="0" normalizeH="0">
+          <a:defRPr kumimoji="0" sz="1800" b="0" i="0" u="none" strike="noStrike" cap="none" spc="0" normalizeH="0" baseline="0">
             <a:ln>
               <a:noFill/>
             </a:ln>
@@ -14328,7 +14529,7 @@
           <a:buFontTx/>
           <a:buNone/>
           <a:tabLst/>
-          <a:defRPr b="0" baseline="0" cap="none" i="0" spc="0" strike="noStrike" sz="1800" u="none" kumimoji="0" normalizeH="0">
+          <a:defRPr kumimoji="0" sz="1800" b="0" i="0" u="none" strike="noStrike" cap="none" spc="0" normalizeH="0" baseline="0">
             <a:ln>
               <a:noFill/>
             </a:ln>
@@ -14354,7 +14555,7 @@
           <a:buFontTx/>
           <a:buNone/>
           <a:tabLst/>
-          <a:defRPr b="0" baseline="0" cap="none" i="0" spc="0" strike="noStrike" sz="1800" u="none" kumimoji="0" normalizeH="0">
+          <a:defRPr kumimoji="0" sz="1800" b="0" i="0" u="none" strike="noStrike" cap="none" spc="0" normalizeH="0" baseline="0">
             <a:ln>
               <a:noFill/>
             </a:ln>
@@ -14380,7 +14581,7 @@
           <a:buFontTx/>
           <a:buNone/>
           <a:tabLst/>
-          <a:defRPr b="0" baseline="0" cap="none" i="0" spc="0" strike="noStrike" sz="1800" u="none" kumimoji="0" normalizeH="0">
+          <a:defRPr kumimoji="0" sz="1800" b="0" i="0" u="none" strike="noStrike" cap="none" spc="0" normalizeH="0" baseline="0">
             <a:ln>
               <a:noFill/>
             </a:ln>
@@ -14406,7 +14607,7 @@
           <a:buFontTx/>
           <a:buNone/>
           <a:tabLst/>
-          <a:defRPr b="0" baseline="0" cap="none" i="0" spc="0" strike="noStrike" sz="1800" u="none" kumimoji="0" normalizeH="0">
+          <a:defRPr kumimoji="0" sz="1800" b="0" i="0" u="none" strike="noStrike" cap="none" spc="0" normalizeH="0" baseline="0">
             <a:ln>
               <a:noFill/>
             </a:ln>
@@ -14432,7 +14633,7 @@
           <a:buFontTx/>
           <a:buNone/>
           <a:tabLst/>
-          <a:defRPr b="0" baseline="0" cap="none" i="0" spc="0" strike="noStrike" sz="1800" u="none" kumimoji="0" normalizeH="0">
+          <a:defRPr kumimoji="0" sz="1800" b="0" i="0" u="none" strike="noStrike" cap="none" spc="0" normalizeH="0" baseline="0">
             <a:ln>
               <a:noFill/>
             </a:ln>
@@ -14445,9 +14646,15 @@
         </a:lvl9pPr>
       </a:lstStyle>
       <a:style>
-        <a:lnRef idx="0"/>
-        <a:fillRef idx="0"/>
-        <a:effectRef idx="0"/>
+        <a:lnRef idx="0">
+          <a:scrgbClr r="0" g="0" b="0"/>
+        </a:lnRef>
+        <a:fillRef idx="0">
+          <a:scrgbClr r="0" g="0" b="0"/>
+        </a:fillRef>
+        <a:effectRef idx="0">
+          <a:scrgbClr r="0" g="0" b="0"/>
+        </a:effectRef>
         <a:fontRef idx="none"/>
       </a:style>
     </a:spDef>
@@ -14464,7 +14671,7 @@
         <a:effectLst/>
         <a:sp3d/>
       </a:spPr>
-      <a:bodyPr rot="0" spcFirstLastPara="1" vertOverflow="overflow" horzOverflow="overflow" vert="horz" wrap="square" lIns="91439" tIns="45719" rIns="91439" bIns="45719" numCol="1" spcCol="38100" rtlCol="0" anchor="t" upright="0">
+      <a:bodyPr rot="0" spcFirstLastPara="1" vertOverflow="overflow" horzOverflow="overflow" vert="horz" wrap="square" lIns="91439" tIns="45719" rIns="91439" bIns="45719" numCol="1" spcCol="38100" rtlCol="0" anchor="t">
         <a:noAutofit/>
       </a:bodyPr>
       <a:lstStyle>
@@ -14483,7 +14690,7 @@
           <a:buFontTx/>
           <a:buNone/>
           <a:tabLst/>
-          <a:defRPr b="0" baseline="0" cap="none" i="0" spc="0" strike="noStrike" sz="1800" u="none" kumimoji="0" normalizeH="0">
+          <a:defRPr kumimoji="0" sz="1800" b="0" i="0" u="none" strike="noStrike" cap="none" spc="0" normalizeH="0" baseline="0">
             <a:ln>
               <a:noFill/>
             </a:ln>
@@ -14509,7 +14716,7 @@
           <a:buFontTx/>
           <a:buNone/>
           <a:tabLst/>
-          <a:defRPr b="0" baseline="0" cap="none" i="0" spc="0" strike="noStrike" sz="1800" u="none" kumimoji="0" normalizeH="0">
+          <a:defRPr kumimoji="0" sz="1800" b="0" i="0" u="none" strike="noStrike" cap="none" spc="0" normalizeH="0" baseline="0">
             <a:ln>
               <a:noFill/>
             </a:ln>
@@ -14535,7 +14742,7 @@
           <a:buFontTx/>
           <a:buNone/>
           <a:tabLst/>
-          <a:defRPr b="0" baseline="0" cap="none" i="0" spc="0" strike="noStrike" sz="1800" u="none" kumimoji="0" normalizeH="0">
+          <a:defRPr kumimoji="0" sz="1800" b="0" i="0" u="none" strike="noStrike" cap="none" spc="0" normalizeH="0" baseline="0">
             <a:ln>
               <a:noFill/>
             </a:ln>
@@ -14561,7 +14768,7 @@
           <a:buFontTx/>
           <a:buNone/>
           <a:tabLst/>
-          <a:defRPr b="0" baseline="0" cap="none" i="0" spc="0" strike="noStrike" sz="1800" u="none" kumimoji="0" normalizeH="0">
+          <a:defRPr kumimoji="0" sz="1800" b="0" i="0" u="none" strike="noStrike" cap="none" spc="0" normalizeH="0" baseline="0">
             <a:ln>
               <a:noFill/>
             </a:ln>
@@ -14587,7 +14794,7 @@
           <a:buFontTx/>
           <a:buNone/>
           <a:tabLst/>
-          <a:defRPr b="0" baseline="0" cap="none" i="0" spc="0" strike="noStrike" sz="1800" u="none" kumimoji="0" normalizeH="0">
+          <a:defRPr kumimoji="0" sz="1800" b="0" i="0" u="none" strike="noStrike" cap="none" spc="0" normalizeH="0" baseline="0">
             <a:ln>
               <a:noFill/>
             </a:ln>
@@ -14613,7 +14820,7 @@
           <a:buFontTx/>
           <a:buNone/>
           <a:tabLst/>
-          <a:defRPr b="0" baseline="0" cap="none" i="0" spc="0" strike="noStrike" sz="1800" u="none" kumimoji="0" normalizeH="0">
+          <a:defRPr kumimoji="0" sz="1800" b="0" i="0" u="none" strike="noStrike" cap="none" spc="0" normalizeH="0" baseline="0">
             <a:ln>
               <a:noFill/>
             </a:ln>
@@ -14639,7 +14846,7 @@
           <a:buFontTx/>
           <a:buNone/>
           <a:tabLst/>
-          <a:defRPr b="0" baseline="0" cap="none" i="0" spc="0" strike="noStrike" sz="1800" u="none" kumimoji="0" normalizeH="0">
+          <a:defRPr kumimoji="0" sz="1800" b="0" i="0" u="none" strike="noStrike" cap="none" spc="0" normalizeH="0" baseline="0">
             <a:ln>
               <a:noFill/>
             </a:ln>
@@ -14665,7 +14872,7 @@
           <a:buFontTx/>
           <a:buNone/>
           <a:tabLst/>
-          <a:defRPr b="0" baseline="0" cap="none" i="0" spc="0" strike="noStrike" sz="1800" u="none" kumimoji="0" normalizeH="0">
+          <a:defRPr kumimoji="0" sz="1800" b="0" i="0" u="none" strike="noStrike" cap="none" spc="0" normalizeH="0" baseline="0">
             <a:ln>
               <a:noFill/>
             </a:ln>
@@ -14691,7 +14898,7 @@
           <a:buFontTx/>
           <a:buNone/>
           <a:tabLst/>
-          <a:defRPr b="0" baseline="0" cap="none" i="0" spc="0" strike="noStrike" sz="1800" u="none" kumimoji="0" normalizeH="0">
+          <a:defRPr kumimoji="0" sz="1800" b="0" i="0" u="none" strike="noStrike" cap="none" spc="0" normalizeH="0" baseline="0">
             <a:ln>
               <a:noFill/>
             </a:ln>
@@ -14717,7 +14924,7 @@
           <a:buFontTx/>
           <a:buNone/>
           <a:tabLst/>
-          <a:defRPr b="0" baseline="0" cap="none" i="0" spc="0" strike="noStrike" sz="1800" u="none" kumimoji="0" normalizeH="0">
+          <a:defRPr kumimoji="0" sz="1800" b="0" i="0" u="none" strike="noStrike" cap="none" spc="0" normalizeH="0" baseline="0">
             <a:ln>
               <a:noFill/>
             </a:ln>
@@ -14730,9 +14937,15 @@
         </a:lvl9pPr>
       </a:lstStyle>
       <a:style>
-        <a:lnRef idx="0"/>
-        <a:fillRef idx="0"/>
-        <a:effectRef idx="0"/>
+        <a:lnRef idx="0">
+          <a:scrgbClr r="0" g="0" b="0"/>
+        </a:lnRef>
+        <a:fillRef idx="0">
+          <a:scrgbClr r="0" g="0" b="0"/>
+        </a:fillRef>
+        <a:effectRef idx="0">
+          <a:scrgbClr r="0" g="0" b="0"/>
+        </a:effectRef>
         <a:fontRef idx="none"/>
       </a:style>
     </a:lnDef>
@@ -14746,7 +14959,7 @@
         <a:effectLst/>
         <a:sp3d/>
       </a:spPr>
-      <a:bodyPr rot="0" spcFirstLastPara="1" vertOverflow="overflow" horzOverflow="overflow" vert="horz" wrap="square" lIns="38100" tIns="38100" rIns="38100" bIns="38100" numCol="1" spcCol="38100" rtlCol="0" anchor="ctr" upright="0">
+      <a:bodyPr rot="0" spcFirstLastPara="1" vertOverflow="overflow" horzOverflow="overflow" vert="horz" wrap="square" lIns="38100" tIns="38100" rIns="38100" bIns="38100" numCol="1" spcCol="38100" rtlCol="0" anchor="ctr">
         <a:spAutoFit/>
       </a:bodyPr>
       <a:lstStyle>
@@ -14765,7 +14978,7 @@
           <a:buFontTx/>
           <a:buNone/>
           <a:tabLst/>
-          <a:defRPr b="1" baseline="0" cap="none" i="0" spc="0" strike="noStrike" sz="5800" u="none" kumimoji="0" normalizeH="0">
+          <a:defRPr kumimoji="0" sz="5800" b="1" i="0" u="none" strike="noStrike" cap="none" spc="0" normalizeH="0" baseline="0">
             <a:ln>
               <a:noFill/>
             </a:ln>
@@ -14795,7 +15008,7 @@
           <a:buFontTx/>
           <a:buNone/>
           <a:tabLst/>
-          <a:defRPr b="0" baseline="0" cap="none" i="0" spc="0" strike="noStrike" sz="1800" u="none" kumimoji="0" normalizeH="0">
+          <a:defRPr kumimoji="0" sz="1800" b="0" i="0" u="none" strike="noStrike" cap="none" spc="0" normalizeH="0" baseline="0">
             <a:ln>
               <a:noFill/>
             </a:ln>
@@ -14821,7 +15034,7 @@
           <a:buFontTx/>
           <a:buNone/>
           <a:tabLst/>
-          <a:defRPr b="0" baseline="0" cap="none" i="0" spc="0" strike="noStrike" sz="1800" u="none" kumimoji="0" normalizeH="0">
+          <a:defRPr kumimoji="0" sz="1800" b="0" i="0" u="none" strike="noStrike" cap="none" spc="0" normalizeH="0" baseline="0">
             <a:ln>
               <a:noFill/>
             </a:ln>
@@ -14847,7 +15060,7 @@
           <a:buFontTx/>
           <a:buNone/>
           <a:tabLst/>
-          <a:defRPr b="0" baseline="0" cap="none" i="0" spc="0" strike="noStrike" sz="1800" u="none" kumimoji="0" normalizeH="0">
+          <a:defRPr kumimoji="0" sz="1800" b="0" i="0" u="none" strike="noStrike" cap="none" spc="0" normalizeH="0" baseline="0">
             <a:ln>
               <a:noFill/>
             </a:ln>
@@ -14873,7 +15086,7 @@
           <a:buFontTx/>
           <a:buNone/>
           <a:tabLst/>
-          <a:defRPr b="0" baseline="0" cap="none" i="0" spc="0" strike="noStrike" sz="1800" u="none" kumimoji="0" normalizeH="0">
+          <a:defRPr kumimoji="0" sz="1800" b="0" i="0" u="none" strike="noStrike" cap="none" spc="0" normalizeH="0" baseline="0">
             <a:ln>
               <a:noFill/>
             </a:ln>
@@ -14899,7 +15112,7 @@
           <a:buFontTx/>
           <a:buNone/>
           <a:tabLst/>
-          <a:defRPr b="0" baseline="0" cap="none" i="0" spc="0" strike="noStrike" sz="1800" u="none" kumimoji="0" normalizeH="0">
+          <a:defRPr kumimoji="0" sz="1800" b="0" i="0" u="none" strike="noStrike" cap="none" spc="0" normalizeH="0" baseline="0">
             <a:ln>
               <a:noFill/>
             </a:ln>
@@ -14925,7 +15138,7 @@
           <a:buFontTx/>
           <a:buNone/>
           <a:tabLst/>
-          <a:defRPr b="0" baseline="0" cap="none" i="0" spc="0" strike="noStrike" sz="1800" u="none" kumimoji="0" normalizeH="0">
+          <a:defRPr kumimoji="0" sz="1800" b="0" i="0" u="none" strike="noStrike" cap="none" spc="0" normalizeH="0" baseline="0">
             <a:ln>
               <a:noFill/>
             </a:ln>
@@ -14951,7 +15164,7 @@
           <a:buFontTx/>
           <a:buNone/>
           <a:tabLst/>
-          <a:defRPr b="0" baseline="0" cap="none" i="0" spc="0" strike="noStrike" sz="1800" u="none" kumimoji="0" normalizeH="0">
+          <a:defRPr kumimoji="0" sz="1800" b="0" i="0" u="none" strike="noStrike" cap="none" spc="0" normalizeH="0" baseline="0">
             <a:ln>
               <a:noFill/>
             </a:ln>
@@ -14977,7 +15190,7 @@
           <a:buFontTx/>
           <a:buNone/>
           <a:tabLst/>
-          <a:defRPr b="0" baseline="0" cap="none" i="0" spc="0" strike="noStrike" sz="1800" u="none" kumimoji="0" normalizeH="0">
+          <a:defRPr kumimoji="0" sz="1800" b="0" i="0" u="none" strike="noStrike" cap="none" spc="0" normalizeH="0" baseline="0">
             <a:ln>
               <a:noFill/>
             </a:ln>
@@ -15003,7 +15216,7 @@
           <a:buFontTx/>
           <a:buNone/>
           <a:tabLst/>
-          <a:defRPr b="0" baseline="0" cap="none" i="0" spc="0" strike="noStrike" sz="1800" u="none" kumimoji="0" normalizeH="0">
+          <a:defRPr kumimoji="0" sz="1800" b="0" i="0" u="none" strike="noStrike" cap="none" spc="0" normalizeH="0" baseline="0">
             <a:ln>
               <a:noFill/>
             </a:ln>
@@ -15016,12 +15229,19 @@
         </a:lvl9pPr>
       </a:lstStyle>
       <a:style>
-        <a:lnRef idx="0"/>
-        <a:fillRef idx="0"/>
-        <a:effectRef idx="0"/>
+        <a:lnRef idx="0">
+          <a:scrgbClr r="0" g="0" b="0"/>
+        </a:lnRef>
+        <a:fillRef idx="0">
+          <a:scrgbClr r="0" g="0" b="0"/>
+        </a:fillRef>
+        <a:effectRef idx="0">
+          <a:scrgbClr r="0" g="0" b="0"/>
+        </a:effectRef>
         <a:fontRef idx="none"/>
       </a:style>
     </a:txDef>
   </a:objectDefaults>
+  <a:extraClrSchemeLst/>
 </a:theme>
 </file>